--- a/Notes/Decision_Trees.pptx
+++ b/Notes/Decision_Trees.pptx
@@ -5,10 +5,10 @@
     <p:sldMasterId id="2147483648" r:id="rId1"/>
   </p:sldMasterIdLst>
   <p:notesMasterIdLst>
-    <p:notesMasterId r:id="rId34"/>
+    <p:notesMasterId r:id="rId31"/>
   </p:notesMasterIdLst>
   <p:handoutMasterIdLst>
-    <p:handoutMasterId r:id="rId35"/>
+    <p:handoutMasterId r:id="rId32"/>
   </p:handoutMasterIdLst>
   <p:sldIdLst>
     <p:sldId id="274" r:id="rId2"/>
@@ -40,9 +40,6 @@
     <p:sldId id="328" r:id="rId28"/>
     <p:sldId id="325" r:id="rId29"/>
     <p:sldId id="317" r:id="rId30"/>
-    <p:sldId id="307" r:id="rId31"/>
-    <p:sldId id="308" r:id="rId32"/>
-    <p:sldId id="310" r:id="rId33"/>
   </p:sldIdLst>
   <p:sldSz cx="12192000" cy="6858000"/>
   <p:notesSz cx="6858000" cy="9144000"/>
@@ -144,6 +141,9 @@
   <p:extLst>
     <p:ext uri="{EFAFB233-063F-42B5-8137-9DF3F51BA10A}">
       <p15:sldGuideLst xmlns:p15="http://schemas.microsoft.com/office/powerpoint/2012/main"/>
+    </p:ext>
+    <p:ext uri="{2D200454-40CA-4A62-9FC3-DE9A4176ACB9}">
+      <p15:notesGuideLst xmlns:p15="http://schemas.microsoft.com/office/powerpoint/2012/main"/>
     </p:ext>
   </p:extLst>
 </p:presentation>
@@ -23439,7 +23439,7 @@
         </p:blipFill>
         <p:spPr>
           <a:xfrm>
-            <a:off x="3325915" y="1690688"/>
+            <a:off x="3325915" y="1476611"/>
             <a:ext cx="5540170" cy="5016264"/>
           </a:xfrm>
           <a:prstGeom prst="rect">
@@ -23530,7 +23530,7 @@
         </p:blipFill>
         <p:spPr bwMode="auto">
           <a:xfrm>
-            <a:off x="6890073" y="2567940"/>
+            <a:off x="6890073" y="2353863"/>
             <a:ext cx="773430" cy="777240"/>
           </a:xfrm>
           <a:prstGeom prst="rect">
@@ -23564,7 +23564,7 @@
         </p:nvCxnSpPr>
         <p:spPr>
           <a:xfrm>
-            <a:off x="6229350" y="2025650"/>
+            <a:off x="6229350" y="1811573"/>
             <a:ext cx="0" cy="4337050"/>
           </a:xfrm>
           <a:prstGeom prst="line">
@@ -23649,7 +23649,7 @@
         </p:nvCxnSpPr>
         <p:spPr>
           <a:xfrm>
-            <a:off x="4210050" y="2082800"/>
+            <a:off x="4210050" y="1868723"/>
             <a:ext cx="0" cy="4279900"/>
           </a:xfrm>
           <a:prstGeom prst="line">
@@ -23714,7 +23714,7 @@
         </p:blipFill>
         <p:spPr bwMode="auto">
           <a:xfrm>
-            <a:off x="3828985" y="2567940"/>
+            <a:off x="3828985" y="2353863"/>
             <a:ext cx="773431" cy="777240"/>
           </a:xfrm>
           <a:prstGeom prst="rect">
@@ -23746,7 +23746,7 @@
         </p:nvSpPr>
         <p:spPr>
           <a:xfrm rot="16200000">
-            <a:off x="3688677" y="3788121"/>
+            <a:off x="3688677" y="3574044"/>
             <a:ext cx="1012265" cy="461665"/>
           </a:xfrm>
           <a:prstGeom prst="rect">
@@ -23810,7 +23810,7 @@
         </p:blipFill>
         <p:spPr bwMode="auto">
           <a:xfrm>
-            <a:off x="3390587" y="5585460"/>
+            <a:off x="3390587" y="5371383"/>
             <a:ext cx="773431" cy="777240"/>
           </a:xfrm>
           <a:prstGeom prst="rect">
@@ -23842,7 +23842,7 @@
         </p:nvSpPr>
         <p:spPr>
           <a:xfrm>
-            <a:off x="2402125" y="5842329"/>
+            <a:off x="2402125" y="5628252"/>
             <a:ext cx="1040093" cy="461665"/>
           </a:xfrm>
           <a:prstGeom prst="rect">
@@ -24017,7 +24017,7 @@
         </p:blipFill>
         <p:spPr>
           <a:xfrm>
-            <a:off x="838200" y="1560821"/>
+            <a:off x="1640917" y="1793213"/>
             <a:ext cx="7934325" cy="4774584"/>
           </a:xfrm>
           <a:prstGeom prst="rect">
@@ -24119,6 +24119,777 @@
           </a:p>
         </p:txBody>
       </p:sp>
+      <mc:AlternateContent xmlns:mc="http://schemas.openxmlformats.org/markup-compatibility/2006">
+        <mc:Choice xmlns:a14="http://schemas.microsoft.com/office/drawing/2010/main" Requires="a14">
+          <p:sp>
+            <p:nvSpPr>
+              <p:cNvPr id="4" name="TextBox 3">
+                <a:extLst>
+                  <a:ext uri="{FF2B5EF4-FFF2-40B4-BE49-F238E27FC236}">
+                    <a16:creationId xmlns:a16="http://schemas.microsoft.com/office/drawing/2014/main" id="{53634838-459F-7A46-D2E4-3C0DF67EA9FB}"/>
+                  </a:ext>
+                </a:extLst>
+              </p:cNvPr>
+              <p:cNvSpPr txBox="1"/>
+              <p:nvPr/>
+            </p:nvSpPr>
+            <p:spPr>
+              <a:xfrm>
+                <a:off x="1640917" y="1366391"/>
+                <a:ext cx="1906548" cy="646331"/>
+              </a:xfrm>
+              <a:prstGeom prst="rect">
+                <a:avLst/>
+              </a:prstGeom>
+              <a:ln w="19050"/>
+            </p:spPr>
+            <p:style>
+              <a:lnRef idx="2">
+                <a:schemeClr val="accent1"/>
+              </a:lnRef>
+              <a:fillRef idx="1">
+                <a:schemeClr val="lt1"/>
+              </a:fillRef>
+              <a:effectRef idx="0">
+                <a:schemeClr val="accent1"/>
+              </a:effectRef>
+              <a:fontRef idx="minor">
+                <a:schemeClr val="dk1"/>
+              </a:fontRef>
+            </p:style>
+            <p:txBody>
+              <a:bodyPr wrap="none" rtlCol="0">
+                <a:spAutoFit/>
+              </a:bodyPr>
+              <a:lstStyle/>
+              <a:p>
+                <a:pPr/>
+                <a14:m>
+                  <m:oMathPara xmlns:m="http://schemas.openxmlformats.org/officeDocument/2006/math">
+                    <m:oMathParaPr>
+                      <m:jc m:val="centerGroup"/>
+                    </m:oMathParaPr>
+                    <m:oMath xmlns:m="http://schemas.openxmlformats.org/officeDocument/2006/math">
+                      <m:r>
+                        <a:rPr lang="en-US" b="0" i="1" dirty="0" smtClean="0">
+                          <a:latin typeface="Cambria Math" panose="02040503050406030204" pitchFamily="18" charset="0"/>
+                        </a:rPr>
+                        <m:t>𝐺𝑙𝑢𝑐𝑜𝑠𝑒</m:t>
+                      </m:r>
+                      <m:r>
+                        <a:rPr lang="en-US" i="1" dirty="0" smtClean="0">
+                          <a:latin typeface="Cambria Math" panose="02040503050406030204" pitchFamily="18" charset="0"/>
+                        </a:rPr>
+                        <m:t>≤</m:t>
+                      </m:r>
+                      <m:r>
+                        <a:rPr lang="en-US" b="0" i="1" dirty="0" smtClean="0">
+                          <a:latin typeface="Cambria Math" panose="02040503050406030204" pitchFamily="18" charset="0"/>
+                        </a:rPr>
+                        <m:t>1</m:t>
+                      </m:r>
+                      <m:r>
+                        <a:rPr lang="en-US" i="1" dirty="0" smtClean="0">
+                          <a:latin typeface="Cambria Math" panose="02040503050406030204" pitchFamily="18" charset="0"/>
+                        </a:rPr>
+                        <m:t>2</m:t>
+                      </m:r>
+                      <m:r>
+                        <a:rPr lang="en-US" b="0" i="1" dirty="0" smtClean="0">
+                          <a:latin typeface="Cambria Math" panose="02040503050406030204" pitchFamily="18" charset="0"/>
+                        </a:rPr>
+                        <m:t>3</m:t>
+                      </m:r>
+                      <m:r>
+                        <a:rPr lang="en-US" i="1" dirty="0" smtClean="0">
+                          <a:latin typeface="Cambria Math" panose="02040503050406030204" pitchFamily="18" charset="0"/>
+                        </a:rPr>
+                        <m:t>.5</m:t>
+                      </m:r>
+                    </m:oMath>
+                  </m:oMathPara>
+                </a14:m>
+                <a:endParaRPr lang="en-US" dirty="0"/>
+              </a:p>
+              <a:p>
+                <a:pPr/>
+                <a14:m>
+                  <m:oMathPara xmlns:m="http://schemas.openxmlformats.org/officeDocument/2006/math">
+                    <m:oMathParaPr>
+                      <m:jc m:val="centerGroup"/>
+                    </m:oMathParaPr>
+                    <m:oMath xmlns:m="http://schemas.openxmlformats.org/officeDocument/2006/math">
+                      <m:r>
+                        <a:rPr lang="en-US" i="1" dirty="0" smtClean="0">
+                          <a:latin typeface="Cambria Math" panose="02040503050406030204" pitchFamily="18" charset="0"/>
+                        </a:rPr>
+                        <m:t>𝐸𝑛𝑡𝑟𝑜𝑝𝑦</m:t>
+                      </m:r>
+                      <m:r>
+                        <a:rPr lang="en-US" i="1" dirty="0" smtClean="0">
+                          <a:latin typeface="Cambria Math" panose="02040503050406030204" pitchFamily="18" charset="0"/>
+                        </a:rPr>
+                        <m:t> =1.0</m:t>
+                      </m:r>
+                    </m:oMath>
+                  </m:oMathPara>
+                </a14:m>
+                <a:endParaRPr lang="en-US" dirty="0"/>
+              </a:p>
+            </p:txBody>
+          </p:sp>
+        </mc:Choice>
+        <mc:Fallback>
+          <p:sp>
+            <p:nvSpPr>
+              <p:cNvPr id="4" name="TextBox 3">
+                <a:extLst>
+                  <a:ext uri="{FF2B5EF4-FFF2-40B4-BE49-F238E27FC236}">
+                    <a16:creationId xmlns:a16="http://schemas.microsoft.com/office/drawing/2014/main" id="{53634838-459F-7A46-D2E4-3C0DF67EA9FB}"/>
+                  </a:ext>
+                </a:extLst>
+              </p:cNvPr>
+              <p:cNvSpPr txBox="1">
+                <a:spLocks noRot="1" noChangeAspect="1" noMove="1" noResize="1" noEditPoints="1" noAdjustHandles="1" noChangeArrowheads="1" noChangeShapeType="1" noTextEdit="1"/>
+              </p:cNvSpPr>
+              <p:nvPr/>
+            </p:nvSpPr>
+            <p:spPr>
+              <a:xfrm>
+                <a:off x="1640917" y="1366391"/>
+                <a:ext cx="1906548" cy="646331"/>
+              </a:xfrm>
+              <a:prstGeom prst="rect">
+                <a:avLst/>
+              </a:prstGeom>
+              <a:blipFill>
+                <a:blip r:embed="rId4"/>
+                <a:stretch>
+                  <a:fillRect b="-4587"/>
+                </a:stretch>
+              </a:blipFill>
+              <a:ln w="19050"/>
+            </p:spPr>
+            <p:txBody>
+              <a:bodyPr/>
+              <a:lstStyle/>
+              <a:p>
+                <a:r>
+                  <a:rPr lang="en-US">
+                    <a:noFill/>
+                  </a:rPr>
+                  <a:t> </a:t>
+                </a:r>
+              </a:p>
+            </p:txBody>
+          </p:sp>
+        </mc:Fallback>
+      </mc:AlternateContent>
+      <mc:AlternateContent xmlns:mc="http://schemas.openxmlformats.org/markup-compatibility/2006">
+        <mc:Choice xmlns:a14="http://schemas.microsoft.com/office/drawing/2010/main" Requires="a14">
+          <p:sp>
+            <p:nvSpPr>
+              <p:cNvPr id="5" name="TextBox 4">
+                <a:extLst>
+                  <a:ext uri="{FF2B5EF4-FFF2-40B4-BE49-F238E27FC236}">
+                    <a16:creationId xmlns:a16="http://schemas.microsoft.com/office/drawing/2014/main" id="{A8770969-E353-3CA4-2EA3-1A3A20A82E76}"/>
+                  </a:ext>
+                </a:extLst>
+              </p:cNvPr>
+              <p:cNvSpPr txBox="1"/>
+              <p:nvPr/>
+            </p:nvSpPr>
+            <p:spPr>
+              <a:xfrm>
+                <a:off x="148093" y="3335714"/>
+                <a:ext cx="1859420" cy="646331"/>
+              </a:xfrm>
+              <a:prstGeom prst="rect">
+                <a:avLst/>
+              </a:prstGeom>
+              <a:ln w="19050"/>
+            </p:spPr>
+            <p:style>
+              <a:lnRef idx="2">
+                <a:schemeClr val="accent1"/>
+              </a:lnRef>
+              <a:fillRef idx="1">
+                <a:schemeClr val="lt1"/>
+              </a:fillRef>
+              <a:effectRef idx="0">
+                <a:schemeClr val="accent1"/>
+              </a:effectRef>
+              <a:fontRef idx="minor">
+                <a:schemeClr val="dk1"/>
+              </a:fontRef>
+            </p:style>
+            <p:txBody>
+              <a:bodyPr wrap="none" rtlCol="0">
+                <a:spAutoFit/>
+              </a:bodyPr>
+              <a:lstStyle/>
+              <a:p>
+                <a:pPr/>
+                <a14:m>
+                  <m:oMathPara xmlns:m="http://schemas.openxmlformats.org/officeDocument/2006/math">
+                    <m:oMathParaPr>
+                      <m:jc m:val="centerGroup"/>
+                    </m:oMathParaPr>
+                    <m:oMath xmlns:m="http://schemas.openxmlformats.org/officeDocument/2006/math">
+                      <m:r>
+                        <a:rPr lang="en-US" b="0" i="1" dirty="0" smtClean="0">
+                          <a:latin typeface="Cambria Math" panose="02040503050406030204" pitchFamily="18" charset="0"/>
+                        </a:rPr>
+                        <m:t>𝐵𝑀𝐼</m:t>
+                      </m:r>
+                      <m:r>
+                        <a:rPr lang="en-US" b="0" i="1" dirty="0" smtClean="0">
+                          <a:latin typeface="Cambria Math" panose="02040503050406030204" pitchFamily="18" charset="0"/>
+                        </a:rPr>
+                        <m:t>≤26.45</m:t>
+                      </m:r>
+                    </m:oMath>
+                  </m:oMathPara>
+                </a14:m>
+                <a:endParaRPr lang="en-US" b="0" i="1" dirty="0">
+                  <a:latin typeface="Cambria Math" panose="02040503050406030204" pitchFamily="18" charset="0"/>
+                </a:endParaRPr>
+              </a:p>
+              <a:p>
+                <a:pPr/>
+                <a:r>
+                  <a:rPr lang="en-US" i="1" dirty="0">
+                    <a:latin typeface="Cambria Math" panose="02040503050406030204" pitchFamily="18" charset="0"/>
+                  </a:rPr>
+                  <a:t>Entropy = 0.872</a:t>
+                </a:r>
+              </a:p>
+            </p:txBody>
+          </p:sp>
+        </mc:Choice>
+        <mc:Fallback>
+          <p:sp>
+            <p:nvSpPr>
+              <p:cNvPr id="5" name="TextBox 4">
+                <a:extLst>
+                  <a:ext uri="{FF2B5EF4-FFF2-40B4-BE49-F238E27FC236}">
+                    <a16:creationId xmlns:a16="http://schemas.microsoft.com/office/drawing/2014/main" id="{A8770969-E353-3CA4-2EA3-1A3A20A82E76}"/>
+                  </a:ext>
+                </a:extLst>
+              </p:cNvPr>
+              <p:cNvSpPr txBox="1">
+                <a:spLocks noRot="1" noChangeAspect="1" noMove="1" noResize="1" noEditPoints="1" noAdjustHandles="1" noChangeArrowheads="1" noChangeShapeType="1" noTextEdit="1"/>
+              </p:cNvSpPr>
+              <p:nvPr/>
+            </p:nvSpPr>
+            <p:spPr>
+              <a:xfrm>
+                <a:off x="148093" y="3335714"/>
+                <a:ext cx="1859420" cy="646331"/>
+              </a:xfrm>
+              <a:prstGeom prst="rect">
+                <a:avLst/>
+              </a:prstGeom>
+              <a:blipFill>
+                <a:blip r:embed="rId5"/>
+                <a:stretch>
+                  <a:fillRect l="-2273" b="-11009"/>
+                </a:stretch>
+              </a:blipFill>
+              <a:ln w="19050"/>
+            </p:spPr>
+            <p:txBody>
+              <a:bodyPr/>
+              <a:lstStyle/>
+              <a:p>
+                <a:r>
+                  <a:rPr lang="en-US">
+                    <a:noFill/>
+                  </a:rPr>
+                  <a:t> </a:t>
+                </a:r>
+              </a:p>
+            </p:txBody>
+          </p:sp>
+        </mc:Fallback>
+      </mc:AlternateContent>
+      <mc:AlternateContent xmlns:mc="http://schemas.openxmlformats.org/markup-compatibility/2006">
+        <mc:Choice xmlns:a14="http://schemas.microsoft.com/office/drawing/2010/main" Requires="a14">
+          <p:sp>
+            <p:nvSpPr>
+              <p:cNvPr id="7" name="TextBox 6">
+                <a:extLst>
+                  <a:ext uri="{FF2B5EF4-FFF2-40B4-BE49-F238E27FC236}">
+                    <a16:creationId xmlns:a16="http://schemas.microsoft.com/office/drawing/2014/main" id="{E50B4321-7BC9-0C9A-5769-7E95B40B37EC}"/>
+                  </a:ext>
+                </a:extLst>
+              </p:cNvPr>
+              <p:cNvSpPr txBox="1"/>
+              <p:nvPr/>
+            </p:nvSpPr>
+            <p:spPr>
+              <a:xfrm>
+                <a:off x="3298723" y="3335714"/>
+                <a:ext cx="1963166" cy="646331"/>
+              </a:xfrm>
+              <a:prstGeom prst="rect">
+                <a:avLst/>
+              </a:prstGeom>
+              <a:ln w="19050"/>
+            </p:spPr>
+            <p:style>
+              <a:lnRef idx="2">
+                <a:schemeClr val="accent1"/>
+              </a:lnRef>
+              <a:fillRef idx="1">
+                <a:schemeClr val="lt1"/>
+              </a:fillRef>
+              <a:effectRef idx="0">
+                <a:schemeClr val="accent1"/>
+              </a:effectRef>
+              <a:fontRef idx="minor">
+                <a:schemeClr val="dk1"/>
+              </a:fontRef>
+            </p:style>
+            <p:txBody>
+              <a:bodyPr wrap="none" rtlCol="0">
+                <a:spAutoFit/>
+              </a:bodyPr>
+              <a:lstStyle/>
+              <a:p>
+                <a:pPr/>
+                <a14:m>
+                  <m:oMathPara xmlns:m="http://schemas.openxmlformats.org/officeDocument/2006/math">
+                    <m:oMathParaPr>
+                      <m:jc m:val="centerGroup"/>
+                    </m:oMathParaPr>
+                    <m:oMath xmlns:m="http://schemas.openxmlformats.org/officeDocument/2006/math">
+                      <m:r>
+                        <a:rPr lang="en-US" b="0" i="1" dirty="0" smtClean="0">
+                          <a:latin typeface="Cambria Math" panose="02040503050406030204" pitchFamily="18" charset="0"/>
+                        </a:rPr>
+                        <m:t>𝐺𝑙𝑢𝑐𝑜𝑠𝑒</m:t>
+                      </m:r>
+                      <m:r>
+                        <a:rPr lang="en-US" b="0" i="1" dirty="0" smtClean="0">
+                          <a:latin typeface="Cambria Math" panose="02040503050406030204" pitchFamily="18" charset="0"/>
+                        </a:rPr>
+                        <m:t>≤154.5</m:t>
+                      </m:r>
+                    </m:oMath>
+                  </m:oMathPara>
+                </a14:m>
+                <a:endParaRPr lang="en-US" dirty="0"/>
+              </a:p>
+              <a:p>
+                <a:pPr/>
+                <a14:m>
+                  <m:oMathPara xmlns:m="http://schemas.openxmlformats.org/officeDocument/2006/math">
+                    <m:oMathParaPr>
+                      <m:jc m:val="centerGroup"/>
+                    </m:oMathParaPr>
+                    <m:oMath xmlns:m="http://schemas.openxmlformats.org/officeDocument/2006/math">
+                      <m:r>
+                        <a:rPr lang="en-US" b="0" i="1" dirty="0" smtClean="0">
+                          <a:latin typeface="Cambria Math" panose="02040503050406030204" pitchFamily="18" charset="0"/>
+                        </a:rPr>
+                        <m:t>𝐸𝑛𝑡𝑟𝑜𝑝𝑦</m:t>
+                      </m:r>
+                      <m:r>
+                        <a:rPr lang="en-US" b="0" i="1" dirty="0" smtClean="0">
+                          <a:latin typeface="Cambria Math" panose="02040503050406030204" pitchFamily="18" charset="0"/>
+                        </a:rPr>
+                        <m:t>=0.865</m:t>
+                      </m:r>
+                    </m:oMath>
+                  </m:oMathPara>
+                </a14:m>
+                <a:endParaRPr lang="en-US" dirty="0"/>
+              </a:p>
+            </p:txBody>
+          </p:sp>
+        </mc:Choice>
+        <mc:Fallback>
+          <p:sp>
+            <p:nvSpPr>
+              <p:cNvPr id="7" name="TextBox 6">
+                <a:extLst>
+                  <a:ext uri="{FF2B5EF4-FFF2-40B4-BE49-F238E27FC236}">
+                    <a16:creationId xmlns:a16="http://schemas.microsoft.com/office/drawing/2014/main" id="{E50B4321-7BC9-0C9A-5769-7E95B40B37EC}"/>
+                  </a:ext>
+                </a:extLst>
+              </p:cNvPr>
+              <p:cNvSpPr txBox="1">
+                <a:spLocks noRot="1" noChangeAspect="1" noMove="1" noResize="1" noEditPoints="1" noAdjustHandles="1" noChangeArrowheads="1" noChangeShapeType="1" noTextEdit="1"/>
+              </p:cNvSpPr>
+              <p:nvPr/>
+            </p:nvSpPr>
+            <p:spPr>
+              <a:xfrm>
+                <a:off x="3298723" y="3335714"/>
+                <a:ext cx="1963166" cy="646331"/>
+              </a:xfrm>
+              <a:prstGeom prst="rect">
+                <a:avLst/>
+              </a:prstGeom>
+              <a:blipFill>
+                <a:blip r:embed="rId6"/>
+                <a:stretch>
+                  <a:fillRect b="-4587"/>
+                </a:stretch>
+              </a:blipFill>
+              <a:ln w="19050"/>
+            </p:spPr>
+            <p:txBody>
+              <a:bodyPr/>
+              <a:lstStyle/>
+              <a:p>
+                <a:r>
+                  <a:rPr lang="en-US">
+                    <a:noFill/>
+                  </a:rPr>
+                  <a:t> </a:t>
+                </a:r>
+              </a:p>
+            </p:txBody>
+          </p:sp>
+        </mc:Fallback>
+      </mc:AlternateContent>
+      <p:cxnSp>
+        <p:nvCxnSpPr>
+          <p:cNvPr id="8" name="Straight Arrow Connector 7">
+            <a:extLst>
+              <a:ext uri="{FF2B5EF4-FFF2-40B4-BE49-F238E27FC236}">
+                <a16:creationId xmlns:a16="http://schemas.microsoft.com/office/drawing/2014/main" id="{E9DC2C04-5AFD-3D1C-73E6-218A7859CB55}"/>
+              </a:ext>
+            </a:extLst>
+          </p:cNvPr>
+          <p:cNvCxnSpPr>
+            <a:stCxn id="4" idx="2"/>
+            <a:endCxn id="5" idx="0"/>
+          </p:cNvCxnSpPr>
+          <p:nvPr/>
+        </p:nvCxnSpPr>
+        <p:spPr>
+          <a:xfrm flipH="1">
+            <a:off x="1077803" y="2012722"/>
+            <a:ext cx="1516388" cy="1322992"/>
+          </a:xfrm>
+          <a:prstGeom prst="straightConnector1">
+            <a:avLst/>
+          </a:prstGeom>
+          <a:ln w="19050">
+            <a:tailEnd type="triangle"/>
+          </a:ln>
+        </p:spPr>
+        <p:style>
+          <a:lnRef idx="1">
+            <a:schemeClr val="accent1"/>
+          </a:lnRef>
+          <a:fillRef idx="0">
+            <a:schemeClr val="accent1"/>
+          </a:fillRef>
+          <a:effectRef idx="0">
+            <a:schemeClr val="accent1"/>
+          </a:effectRef>
+          <a:fontRef idx="minor">
+            <a:schemeClr val="tx1"/>
+          </a:fontRef>
+        </p:style>
+      </p:cxnSp>
+      <p:cxnSp>
+        <p:nvCxnSpPr>
+          <p:cNvPr id="10" name="Straight Arrow Connector 9">
+            <a:extLst>
+              <a:ext uri="{FF2B5EF4-FFF2-40B4-BE49-F238E27FC236}">
+                <a16:creationId xmlns:a16="http://schemas.microsoft.com/office/drawing/2014/main" id="{A5DDBE92-E5D1-EC99-138E-CAB70E50438E}"/>
+              </a:ext>
+            </a:extLst>
+          </p:cNvPr>
+          <p:cNvCxnSpPr>
+            <a:stCxn id="4" idx="2"/>
+            <a:endCxn id="7" idx="0"/>
+          </p:cNvCxnSpPr>
+          <p:nvPr/>
+        </p:nvCxnSpPr>
+        <p:spPr>
+          <a:xfrm>
+            <a:off x="2594191" y="2012722"/>
+            <a:ext cx="1686115" cy="1322992"/>
+          </a:xfrm>
+          <a:prstGeom prst="straightConnector1">
+            <a:avLst/>
+          </a:prstGeom>
+          <a:ln w="19050">
+            <a:tailEnd type="triangle"/>
+          </a:ln>
+        </p:spPr>
+        <p:style>
+          <a:lnRef idx="1">
+            <a:schemeClr val="accent1"/>
+          </a:lnRef>
+          <a:fillRef idx="0">
+            <a:schemeClr val="accent1"/>
+          </a:fillRef>
+          <a:effectRef idx="0">
+            <a:schemeClr val="accent1"/>
+          </a:effectRef>
+          <a:fontRef idx="minor">
+            <a:schemeClr val="tx1"/>
+          </a:fontRef>
+        </p:style>
+      </p:cxnSp>
+      <p:sp>
+        <p:nvSpPr>
+          <p:cNvPr id="12" name="TextBox 11">
+            <a:extLst>
+              <a:ext uri="{FF2B5EF4-FFF2-40B4-BE49-F238E27FC236}">
+                <a16:creationId xmlns:a16="http://schemas.microsoft.com/office/drawing/2014/main" id="{0F89A906-0768-6242-24DB-901A4B6EDB59}"/>
+              </a:ext>
+            </a:extLst>
+          </p:cNvPr>
+          <p:cNvSpPr txBox="1"/>
+          <p:nvPr/>
+        </p:nvSpPr>
+        <p:spPr>
+          <a:xfrm>
+            <a:off x="1963787" y="5297179"/>
+            <a:ext cx="1817742" cy="369332"/>
+          </a:xfrm>
+          <a:prstGeom prst="rect">
+            <a:avLst/>
+          </a:prstGeom>
+          <a:ln w="19050"/>
+        </p:spPr>
+        <p:style>
+          <a:lnRef idx="2">
+            <a:schemeClr val="accent1"/>
+          </a:lnRef>
+          <a:fillRef idx="1">
+            <a:schemeClr val="lt1"/>
+          </a:fillRef>
+          <a:effectRef idx="0">
+            <a:schemeClr val="accent1"/>
+          </a:effectRef>
+          <a:fontRef idx="minor">
+            <a:schemeClr val="dk1"/>
+          </a:fontRef>
+        </p:style>
+        <p:txBody>
+          <a:bodyPr wrap="none" rtlCol="0">
+            <a:spAutoFit/>
+          </a:bodyPr>
+          <a:lstStyle/>
+          <a:p>
+            <a:pPr/>
+            <a:r>
+              <a:rPr lang="en-US" i="1" dirty="0">
+                <a:latin typeface="Cambria Math" panose="02040503050406030204" pitchFamily="18" charset="0"/>
+              </a:rPr>
+              <a:t>Entropy = 0.974</a:t>
+            </a:r>
+          </a:p>
+        </p:txBody>
+      </p:sp>
+      <mc:AlternateContent xmlns:mc="http://schemas.openxmlformats.org/markup-compatibility/2006">
+        <mc:Choice xmlns:a14="http://schemas.microsoft.com/office/drawing/2010/main" Requires="a14">
+          <p:sp>
+            <p:nvSpPr>
+              <p:cNvPr id="13" name="TextBox 12">
+                <a:extLst>
+                  <a:ext uri="{FF2B5EF4-FFF2-40B4-BE49-F238E27FC236}">
+                    <a16:creationId xmlns:a16="http://schemas.microsoft.com/office/drawing/2014/main" id="{0D183355-57BD-5E45-5D67-6ED37915B225}"/>
+                  </a:ext>
+                </a:extLst>
+              </p:cNvPr>
+              <p:cNvSpPr txBox="1"/>
+              <p:nvPr/>
+            </p:nvSpPr>
+            <p:spPr>
+              <a:xfrm>
+                <a:off x="5114417" y="5297179"/>
+                <a:ext cx="1963166" cy="369332"/>
+              </a:xfrm>
+              <a:prstGeom prst="rect">
+                <a:avLst/>
+              </a:prstGeom>
+              <a:ln w="19050"/>
+            </p:spPr>
+            <p:style>
+              <a:lnRef idx="2">
+                <a:schemeClr val="accent1"/>
+              </a:lnRef>
+              <a:fillRef idx="1">
+                <a:schemeClr val="lt1"/>
+              </a:fillRef>
+              <a:effectRef idx="0">
+                <a:schemeClr val="accent1"/>
+              </a:effectRef>
+              <a:fontRef idx="minor">
+                <a:schemeClr val="dk1"/>
+              </a:fontRef>
+            </p:style>
+            <p:txBody>
+              <a:bodyPr wrap="none" rtlCol="0">
+                <a:spAutoFit/>
+              </a:bodyPr>
+              <a:lstStyle/>
+              <a:p>
+                <a:pPr/>
+                <a14:m>
+                  <m:oMathPara xmlns:m="http://schemas.openxmlformats.org/officeDocument/2006/math">
+                    <m:oMathParaPr>
+                      <m:jc m:val="centerGroup"/>
+                    </m:oMathParaPr>
+                    <m:oMath xmlns:m="http://schemas.openxmlformats.org/officeDocument/2006/math">
+                      <m:r>
+                        <a:rPr lang="en-US" b="0" i="1" dirty="0" smtClean="0">
+                          <a:latin typeface="Cambria Math" panose="02040503050406030204" pitchFamily="18" charset="0"/>
+                        </a:rPr>
+                        <m:t>𝐸𝑛𝑡𝑟𝑜𝑝𝑦</m:t>
+                      </m:r>
+                      <m:r>
+                        <a:rPr lang="en-US" b="0" i="1" dirty="0" smtClean="0">
+                          <a:latin typeface="Cambria Math" panose="02040503050406030204" pitchFamily="18" charset="0"/>
+                        </a:rPr>
+                        <m:t>=0.537</m:t>
+                      </m:r>
+                    </m:oMath>
+                  </m:oMathPara>
+                </a14:m>
+                <a:endParaRPr lang="en-US" dirty="0"/>
+              </a:p>
+            </p:txBody>
+          </p:sp>
+        </mc:Choice>
+        <mc:Fallback>
+          <p:sp>
+            <p:nvSpPr>
+              <p:cNvPr id="13" name="TextBox 12">
+                <a:extLst>
+                  <a:ext uri="{FF2B5EF4-FFF2-40B4-BE49-F238E27FC236}">
+                    <a16:creationId xmlns:a16="http://schemas.microsoft.com/office/drawing/2014/main" id="{0D183355-57BD-5E45-5D67-6ED37915B225}"/>
+                  </a:ext>
+                </a:extLst>
+              </p:cNvPr>
+              <p:cNvSpPr txBox="1">
+                <a:spLocks noRot="1" noChangeAspect="1" noMove="1" noResize="1" noEditPoints="1" noAdjustHandles="1" noChangeArrowheads="1" noChangeShapeType="1" noTextEdit="1"/>
+              </p:cNvSpPr>
+              <p:nvPr/>
+            </p:nvSpPr>
+            <p:spPr>
+              <a:xfrm>
+                <a:off x="5114417" y="5297179"/>
+                <a:ext cx="1963166" cy="369332"/>
+              </a:xfrm>
+              <a:prstGeom prst="rect">
+                <a:avLst/>
+              </a:prstGeom>
+              <a:blipFill>
+                <a:blip r:embed="rId7"/>
+                <a:stretch>
+                  <a:fillRect b="-7813"/>
+                </a:stretch>
+              </a:blipFill>
+              <a:ln w="19050"/>
+            </p:spPr>
+            <p:txBody>
+              <a:bodyPr/>
+              <a:lstStyle/>
+              <a:p>
+                <a:r>
+                  <a:rPr lang="en-US">
+                    <a:noFill/>
+                  </a:rPr>
+                  <a:t> </a:t>
+                </a:r>
+              </a:p>
+            </p:txBody>
+          </p:sp>
+        </mc:Fallback>
+      </mc:AlternateContent>
+      <p:cxnSp>
+        <p:nvCxnSpPr>
+          <p:cNvPr id="14" name="Straight Arrow Connector 13">
+            <a:extLst>
+              <a:ext uri="{FF2B5EF4-FFF2-40B4-BE49-F238E27FC236}">
+                <a16:creationId xmlns:a16="http://schemas.microsoft.com/office/drawing/2014/main" id="{0C6167E6-E638-4DEA-5248-988B740A16E6}"/>
+              </a:ext>
+            </a:extLst>
+          </p:cNvPr>
+          <p:cNvCxnSpPr>
+            <a:endCxn id="12" idx="0"/>
+          </p:cNvCxnSpPr>
+          <p:nvPr/>
+        </p:nvCxnSpPr>
+        <p:spPr>
+          <a:xfrm flipH="1">
+            <a:off x="2872658" y="3974187"/>
+            <a:ext cx="1537227" cy="1322992"/>
+          </a:xfrm>
+          <a:prstGeom prst="straightConnector1">
+            <a:avLst/>
+          </a:prstGeom>
+          <a:ln w="19050">
+            <a:tailEnd type="triangle"/>
+          </a:ln>
+        </p:spPr>
+        <p:style>
+          <a:lnRef idx="1">
+            <a:schemeClr val="accent1"/>
+          </a:lnRef>
+          <a:fillRef idx="0">
+            <a:schemeClr val="accent1"/>
+          </a:fillRef>
+          <a:effectRef idx="0">
+            <a:schemeClr val="accent1"/>
+          </a:effectRef>
+          <a:fontRef idx="minor">
+            <a:schemeClr val="tx1"/>
+          </a:fontRef>
+        </p:style>
+      </p:cxnSp>
+      <p:cxnSp>
+        <p:nvCxnSpPr>
+          <p:cNvPr id="15" name="Straight Arrow Connector 14">
+            <a:extLst>
+              <a:ext uri="{FF2B5EF4-FFF2-40B4-BE49-F238E27FC236}">
+                <a16:creationId xmlns:a16="http://schemas.microsoft.com/office/drawing/2014/main" id="{3ACC5DDF-5A4B-9B63-2954-720DE65739EB}"/>
+              </a:ext>
+            </a:extLst>
+          </p:cNvPr>
+          <p:cNvCxnSpPr>
+            <a:endCxn id="13" idx="0"/>
+          </p:cNvCxnSpPr>
+          <p:nvPr/>
+        </p:nvCxnSpPr>
+        <p:spPr>
+          <a:xfrm>
+            <a:off x="4409885" y="3974187"/>
+            <a:ext cx="1686115" cy="1322992"/>
+          </a:xfrm>
+          <a:prstGeom prst="straightConnector1">
+            <a:avLst/>
+          </a:prstGeom>
+          <a:ln w="19050">
+            <a:tailEnd type="triangle"/>
+          </a:ln>
+        </p:spPr>
+        <p:style>
+          <a:lnRef idx="1">
+            <a:schemeClr val="accent1"/>
+          </a:lnRef>
+          <a:fillRef idx="0">
+            <a:schemeClr val="accent1"/>
+          </a:fillRef>
+          <a:effectRef idx="0">
+            <a:schemeClr val="accent1"/>
+          </a:effectRef>
+          <a:fontRef idx="minor">
+            <a:schemeClr val="tx1"/>
+          </a:fontRef>
+        </p:style>
+      </p:cxnSp>
     </p:spTree>
     <p:extLst>
       <p:ext uri="{BB962C8B-B14F-4D97-AF65-F5344CB8AC3E}">
@@ -25013,1441 +25784,6 @@
     <p:extLst>
       <p:ext uri="{BB962C8B-B14F-4D97-AF65-F5344CB8AC3E}">
         <p14:creationId xmlns:p14="http://schemas.microsoft.com/office/powerpoint/2010/main" val="1274289020"/>
-      </p:ext>
-    </p:extLst>
-  </p:cSld>
-  <p:clrMapOvr>
-    <a:masterClrMapping/>
-  </p:clrMapOvr>
-</p:sld>
-</file>
-
-<file path=ppt/slides/slide30.xml><?xml version="1.0" encoding="utf-8"?>
-<p:sld xmlns:a="http://schemas.openxmlformats.org/drawingml/2006/main" xmlns:r="http://schemas.openxmlformats.org/officeDocument/2006/relationships" xmlns:p="http://schemas.openxmlformats.org/presentationml/2006/main" show="0">
-  <p:cSld>
-    <p:spTree>
-      <p:nvGrpSpPr>
-        <p:cNvPr id="1" name=""/>
-        <p:cNvGrpSpPr/>
-        <p:nvPr/>
-      </p:nvGrpSpPr>
-      <p:grpSpPr>
-        <a:xfrm>
-          <a:off x="0" y="0"/>
-          <a:ext cx="0" cy="0"/>
-          <a:chOff x="0" y="0"/>
-          <a:chExt cx="0" cy="0"/>
-        </a:xfrm>
-      </p:grpSpPr>
-      <p:sp>
-        <p:nvSpPr>
-          <p:cNvPr id="2" name="Title 1">
-            <a:extLst>
-              <a:ext uri="{FF2B5EF4-FFF2-40B4-BE49-F238E27FC236}">
-                <a16:creationId xmlns:a16="http://schemas.microsoft.com/office/drawing/2014/main" id="{BE60887C-06BA-84A0-C69F-35AEA5716E12}"/>
-              </a:ext>
-            </a:extLst>
-          </p:cNvPr>
-          <p:cNvSpPr>
-            <a:spLocks noGrp="1"/>
-          </p:cNvSpPr>
-          <p:nvPr>
-            <p:ph type="title"/>
-          </p:nvPr>
-        </p:nvSpPr>
-        <p:spPr/>
-        <p:txBody>
-          <a:bodyPr/>
-          <a:lstStyle/>
-          <a:p>
-            <a:r>
-              <a:rPr lang="en-AU" dirty="0"/>
-              <a:t>Bias </a:t>
-            </a:r>
-          </a:p>
-        </p:txBody>
-      </p:sp>
-      <p:sp>
-        <p:nvSpPr>
-          <p:cNvPr id="3" name="Content Placeholder 2">
-            <a:extLst>
-              <a:ext uri="{FF2B5EF4-FFF2-40B4-BE49-F238E27FC236}">
-                <a16:creationId xmlns:a16="http://schemas.microsoft.com/office/drawing/2014/main" id="{B481F1D1-6070-4D59-5F41-DE56A4972550}"/>
-              </a:ext>
-            </a:extLst>
-          </p:cNvPr>
-          <p:cNvSpPr>
-            <a:spLocks noGrp="1"/>
-          </p:cNvSpPr>
-          <p:nvPr>
-            <p:ph sz="half" idx="1"/>
-          </p:nvPr>
-        </p:nvSpPr>
-        <p:spPr/>
-        <p:txBody>
-          <a:bodyPr>
-            <a:normAutofit/>
-          </a:bodyPr>
-          <a:lstStyle/>
-          <a:p>
-            <a:r>
-              <a:rPr lang="en-AU" dirty="0"/>
-              <a:t>Bias error = 1 – Accuracy of a random forest</a:t>
-            </a:r>
-          </a:p>
-        </p:txBody>
-      </p:sp>
-      <mc:AlternateContent xmlns:mc="http://schemas.openxmlformats.org/markup-compatibility/2006" xmlns:a14="http://schemas.microsoft.com/office/drawing/2010/main">
-        <mc:Choice Requires="a14">
-          <p:sp>
-            <p:nvSpPr>
-              <p:cNvPr id="25" name="Content Placeholder 2">
-                <a:extLst>
-                  <a:ext uri="{FF2B5EF4-FFF2-40B4-BE49-F238E27FC236}">
-                    <a16:creationId xmlns:a16="http://schemas.microsoft.com/office/drawing/2014/main" id="{B78EE824-AF7B-C85F-18D4-24BCC4A5273C}"/>
-                  </a:ext>
-                </a:extLst>
-              </p:cNvPr>
-              <p:cNvSpPr txBox="1">
-                <a:spLocks/>
-              </p:cNvSpPr>
-              <p:nvPr/>
-            </p:nvSpPr>
-            <p:spPr>
-              <a:xfrm>
-                <a:off x="5823857" y="1825625"/>
-                <a:ext cx="5181600" cy="4351338"/>
-              </a:xfrm>
-              <a:prstGeom prst="rect">
-                <a:avLst/>
-              </a:prstGeom>
-            </p:spPr>
-            <p:txBody>
-              <a:bodyPr vert="horz" lIns="91440" tIns="45720" rIns="91440" bIns="45720" rtlCol="0">
-                <a:normAutofit/>
-              </a:bodyPr>
-              <a:lstStyle>
-                <a:lvl1pPr marL="228600" indent="-228600" algn="l" defTabSz="914400" rtl="0" eaLnBrk="1" latinLnBrk="0" hangingPunct="1">
-                  <a:lnSpc>
-                    <a:spcPct val="90000"/>
-                  </a:lnSpc>
-                  <a:spcBef>
-                    <a:spcPts val="1000"/>
-                  </a:spcBef>
-                  <a:buFont typeface="Arial" panose="020B0604020202020204" pitchFamily="34" charset="0"/>
-                  <a:buChar char="•"/>
-                  <a:defRPr sz="2800" kern="1200">
-                    <a:solidFill>
-                      <a:schemeClr val="tx1"/>
-                    </a:solidFill>
-                    <a:latin typeface="+mn-lt"/>
-                    <a:ea typeface="+mn-ea"/>
-                    <a:cs typeface="+mn-cs"/>
-                  </a:defRPr>
-                </a:lvl1pPr>
-                <a:lvl2pPr marL="685800" indent="-228600" algn="l" defTabSz="914400" rtl="0" eaLnBrk="1" latinLnBrk="0" hangingPunct="1">
-                  <a:lnSpc>
-                    <a:spcPct val="90000"/>
-                  </a:lnSpc>
-                  <a:spcBef>
-                    <a:spcPts val="500"/>
-                  </a:spcBef>
-                  <a:buFont typeface="Arial" panose="020B0604020202020204" pitchFamily="34" charset="0"/>
-                  <a:buChar char="•"/>
-                  <a:defRPr sz="2400" kern="1200">
-                    <a:solidFill>
-                      <a:schemeClr val="tx1"/>
-                    </a:solidFill>
-                    <a:latin typeface="+mn-lt"/>
-                    <a:ea typeface="+mn-ea"/>
-                    <a:cs typeface="+mn-cs"/>
-                  </a:defRPr>
-                </a:lvl2pPr>
-                <a:lvl3pPr marL="1143000" indent="-228600" algn="l" defTabSz="914400" rtl="0" eaLnBrk="1" latinLnBrk="0" hangingPunct="1">
-                  <a:lnSpc>
-                    <a:spcPct val="90000"/>
-                  </a:lnSpc>
-                  <a:spcBef>
-                    <a:spcPts val="500"/>
-                  </a:spcBef>
-                  <a:buFont typeface="Arial" panose="020B0604020202020204" pitchFamily="34" charset="0"/>
-                  <a:buChar char="•"/>
-                  <a:defRPr sz="2000" kern="1200">
-                    <a:solidFill>
-                      <a:schemeClr val="tx1"/>
-                    </a:solidFill>
-                    <a:latin typeface="+mn-lt"/>
-                    <a:ea typeface="+mn-ea"/>
-                    <a:cs typeface="+mn-cs"/>
-                  </a:defRPr>
-                </a:lvl3pPr>
-                <a:lvl4pPr marL="1600200" indent="-228600" algn="l" defTabSz="914400" rtl="0" eaLnBrk="1" latinLnBrk="0" hangingPunct="1">
-                  <a:lnSpc>
-                    <a:spcPct val="90000"/>
-                  </a:lnSpc>
-                  <a:spcBef>
-                    <a:spcPts val="500"/>
-                  </a:spcBef>
-                  <a:buFont typeface="Arial" panose="020B0604020202020204" pitchFamily="34" charset="0"/>
-                  <a:buChar char="•"/>
-                  <a:defRPr sz="1800" kern="1200">
-                    <a:solidFill>
-                      <a:schemeClr val="tx1"/>
-                    </a:solidFill>
-                    <a:latin typeface="+mn-lt"/>
-                    <a:ea typeface="+mn-ea"/>
-                    <a:cs typeface="+mn-cs"/>
-                  </a:defRPr>
-                </a:lvl4pPr>
-                <a:lvl5pPr marL="2057400" indent="-228600" algn="l" defTabSz="914400" rtl="0" eaLnBrk="1" latinLnBrk="0" hangingPunct="1">
-                  <a:lnSpc>
-                    <a:spcPct val="90000"/>
-                  </a:lnSpc>
-                  <a:spcBef>
-                    <a:spcPts val="500"/>
-                  </a:spcBef>
-                  <a:buFont typeface="Arial" panose="020B0604020202020204" pitchFamily="34" charset="0"/>
-                  <a:buChar char="•"/>
-                  <a:defRPr sz="1800" kern="1200">
-                    <a:solidFill>
-                      <a:schemeClr val="tx1"/>
-                    </a:solidFill>
-                    <a:latin typeface="+mn-lt"/>
-                    <a:ea typeface="+mn-ea"/>
-                    <a:cs typeface="+mn-cs"/>
-                  </a:defRPr>
-                </a:lvl5pPr>
-                <a:lvl6pPr marL="2514600" indent="-228600" algn="l" defTabSz="914400" rtl="0" eaLnBrk="1" latinLnBrk="0" hangingPunct="1">
-                  <a:lnSpc>
-                    <a:spcPct val="90000"/>
-                  </a:lnSpc>
-                  <a:spcBef>
-                    <a:spcPts val="500"/>
-                  </a:spcBef>
-                  <a:buFont typeface="Arial" panose="020B0604020202020204" pitchFamily="34" charset="0"/>
-                  <a:buChar char="•"/>
-                  <a:defRPr sz="1800" kern="1200">
-                    <a:solidFill>
-                      <a:schemeClr val="tx1"/>
-                    </a:solidFill>
-                    <a:latin typeface="+mn-lt"/>
-                    <a:ea typeface="+mn-ea"/>
-                    <a:cs typeface="+mn-cs"/>
-                  </a:defRPr>
-                </a:lvl6pPr>
-                <a:lvl7pPr marL="2971800" indent="-228600" algn="l" defTabSz="914400" rtl="0" eaLnBrk="1" latinLnBrk="0" hangingPunct="1">
-                  <a:lnSpc>
-                    <a:spcPct val="90000"/>
-                  </a:lnSpc>
-                  <a:spcBef>
-                    <a:spcPts val="500"/>
-                  </a:spcBef>
-                  <a:buFont typeface="Arial" panose="020B0604020202020204" pitchFamily="34" charset="0"/>
-                  <a:buChar char="•"/>
-                  <a:defRPr sz="1800" kern="1200">
-                    <a:solidFill>
-                      <a:schemeClr val="tx1"/>
-                    </a:solidFill>
-                    <a:latin typeface="+mn-lt"/>
-                    <a:ea typeface="+mn-ea"/>
-                    <a:cs typeface="+mn-cs"/>
-                  </a:defRPr>
-                </a:lvl7pPr>
-                <a:lvl8pPr marL="3429000" indent="-228600" algn="l" defTabSz="914400" rtl="0" eaLnBrk="1" latinLnBrk="0" hangingPunct="1">
-                  <a:lnSpc>
-                    <a:spcPct val="90000"/>
-                  </a:lnSpc>
-                  <a:spcBef>
-                    <a:spcPts val="500"/>
-                  </a:spcBef>
-                  <a:buFont typeface="Arial" panose="020B0604020202020204" pitchFamily="34" charset="0"/>
-                  <a:buChar char="•"/>
-                  <a:defRPr sz="1800" kern="1200">
-                    <a:solidFill>
-                      <a:schemeClr val="tx1"/>
-                    </a:solidFill>
-                    <a:latin typeface="+mn-lt"/>
-                    <a:ea typeface="+mn-ea"/>
-                    <a:cs typeface="+mn-cs"/>
-                  </a:defRPr>
-                </a:lvl8pPr>
-                <a:lvl9pPr marL="3886200" indent="-228600" algn="l" defTabSz="914400" rtl="0" eaLnBrk="1" latinLnBrk="0" hangingPunct="1">
-                  <a:lnSpc>
-                    <a:spcPct val="90000"/>
-                  </a:lnSpc>
-                  <a:spcBef>
-                    <a:spcPts val="500"/>
-                  </a:spcBef>
-                  <a:buFont typeface="Arial" panose="020B0604020202020204" pitchFamily="34" charset="0"/>
-                  <a:buChar char="•"/>
-                  <a:defRPr sz="1800" kern="1200">
-                    <a:solidFill>
-                      <a:schemeClr val="tx1"/>
-                    </a:solidFill>
-                    <a:latin typeface="+mn-lt"/>
-                    <a:ea typeface="+mn-ea"/>
-                    <a:cs typeface="+mn-cs"/>
-                  </a:defRPr>
-                </a:lvl9pPr>
-              </a:lstStyle>
-              <a:p>
-                <a:r>
-                  <a:rPr lang="en-AU" dirty="0"/>
-                  <a:t>We have a training data set consist of points </a:t>
-                </a:r>
-                <a14:m>
-                  <m:oMath xmlns:m="http://schemas.openxmlformats.org/officeDocument/2006/math">
-                    <m:sSub>
-                      <m:sSubPr>
-                        <m:ctrlPr>
-                          <a:rPr lang="en-AU" b="0" i="1" smtClean="0">
-                            <a:latin typeface="Cambria Math" panose="02040503050406030204" pitchFamily="18" charset="0"/>
-                          </a:rPr>
-                        </m:ctrlPr>
-                      </m:sSubPr>
-                      <m:e>
-                        <m:r>
-                          <a:rPr lang="en-AU" b="0" i="1" smtClean="0">
-                            <a:latin typeface="Cambria Math" panose="02040503050406030204" pitchFamily="18" charset="0"/>
-                          </a:rPr>
-                          <m:t>𝑥</m:t>
-                        </m:r>
-                      </m:e>
-                      <m:sub>
-                        <m:r>
-                          <a:rPr lang="en-AU" b="0" i="1" smtClean="0">
-                            <a:latin typeface="Cambria Math" panose="02040503050406030204" pitchFamily="18" charset="0"/>
-                          </a:rPr>
-                          <m:t>1</m:t>
-                        </m:r>
-                      </m:sub>
-                    </m:sSub>
-                    <m:r>
-                      <a:rPr lang="en-AU" b="0" i="1" smtClean="0">
-                        <a:latin typeface="Cambria Math" panose="02040503050406030204" pitchFamily="18" charset="0"/>
-                      </a:rPr>
-                      <m:t>,</m:t>
-                    </m:r>
-                    <m:sSub>
-                      <m:sSubPr>
-                        <m:ctrlPr>
-                          <a:rPr lang="en-AU" b="0" i="1" smtClean="0">
-                            <a:latin typeface="Cambria Math" panose="02040503050406030204" pitchFamily="18" charset="0"/>
-                          </a:rPr>
-                        </m:ctrlPr>
-                      </m:sSubPr>
-                      <m:e>
-                        <m:r>
-                          <a:rPr lang="en-AU" b="0" i="1" smtClean="0">
-                            <a:latin typeface="Cambria Math" panose="02040503050406030204" pitchFamily="18" charset="0"/>
-                          </a:rPr>
-                          <m:t>𝑥</m:t>
-                        </m:r>
-                      </m:e>
-                      <m:sub>
-                        <m:r>
-                          <a:rPr lang="en-AU" b="0" i="1" smtClean="0">
-                            <a:latin typeface="Cambria Math" panose="02040503050406030204" pitchFamily="18" charset="0"/>
-                          </a:rPr>
-                          <m:t>2</m:t>
-                        </m:r>
-                      </m:sub>
-                    </m:sSub>
-                    <m:r>
-                      <a:rPr lang="en-AU" b="0" i="1" smtClean="0">
-                        <a:latin typeface="Cambria Math" panose="02040503050406030204" pitchFamily="18" charset="0"/>
-                      </a:rPr>
-                      <m:t>,</m:t>
-                    </m:r>
-                    <m:sSub>
-                      <m:sSubPr>
-                        <m:ctrlPr>
-                          <a:rPr lang="en-AU" b="0" i="1" smtClean="0">
-                            <a:latin typeface="Cambria Math" panose="02040503050406030204" pitchFamily="18" charset="0"/>
-                          </a:rPr>
-                        </m:ctrlPr>
-                      </m:sSubPr>
-                      <m:e>
-                        <m:r>
-                          <a:rPr lang="en-AU" b="0" i="1" smtClean="0">
-                            <a:latin typeface="Cambria Math" panose="02040503050406030204" pitchFamily="18" charset="0"/>
-                          </a:rPr>
-                          <m:t>𝑥</m:t>
-                        </m:r>
-                      </m:e>
-                      <m:sub>
-                        <m:r>
-                          <a:rPr lang="en-AU" b="0" i="1" smtClean="0">
-                            <a:latin typeface="Cambria Math" panose="02040503050406030204" pitchFamily="18" charset="0"/>
-                          </a:rPr>
-                          <m:t>3</m:t>
-                        </m:r>
-                      </m:sub>
-                    </m:sSub>
-                    <m:r>
-                      <a:rPr lang="en-AU" b="0" i="1" smtClean="0">
-                        <a:latin typeface="Cambria Math" panose="02040503050406030204" pitchFamily="18" charset="0"/>
-                      </a:rPr>
-                      <m:t>,…</m:t>
-                    </m:r>
-                    <m:sSub>
-                      <m:sSubPr>
-                        <m:ctrlPr>
-                          <a:rPr lang="en-AU" b="0" i="1" smtClean="0">
-                            <a:latin typeface="Cambria Math" panose="02040503050406030204" pitchFamily="18" charset="0"/>
-                          </a:rPr>
-                        </m:ctrlPr>
-                      </m:sSubPr>
-                      <m:e>
-                        <m:r>
-                          <a:rPr lang="en-AU" b="0" i="1" smtClean="0">
-                            <a:latin typeface="Cambria Math" panose="02040503050406030204" pitchFamily="18" charset="0"/>
-                          </a:rPr>
-                          <m:t>𝑥</m:t>
-                        </m:r>
-                      </m:e>
-                      <m:sub>
-                        <m:r>
-                          <a:rPr lang="en-AU" b="0" i="1" smtClean="0">
-                            <a:latin typeface="Cambria Math" panose="02040503050406030204" pitchFamily="18" charset="0"/>
-                          </a:rPr>
-                          <m:t>𝑛</m:t>
-                        </m:r>
-                      </m:sub>
-                    </m:sSub>
-                  </m:oMath>
-                </a14:m>
-                <a:r>
-                  <a:rPr lang="en-AU" dirty="0"/>
-                  <a:t> and real values </a:t>
-                </a:r>
-                <a14:m>
-                  <m:oMath xmlns:m="http://schemas.openxmlformats.org/officeDocument/2006/math">
-                    <m:sSub>
-                      <m:sSubPr>
-                        <m:ctrlPr>
-                          <a:rPr lang="en-AU" b="0" i="1" smtClean="0">
-                            <a:latin typeface="Cambria Math" panose="02040503050406030204" pitchFamily="18" charset="0"/>
-                          </a:rPr>
-                        </m:ctrlPr>
-                      </m:sSubPr>
-                      <m:e>
-                        <m:r>
-                          <a:rPr lang="en-AU" b="0" i="1" smtClean="0">
-                            <a:latin typeface="Cambria Math" panose="02040503050406030204" pitchFamily="18" charset="0"/>
-                          </a:rPr>
-                          <m:t>𝑦</m:t>
-                        </m:r>
-                      </m:e>
-                      <m:sub>
-                        <m:r>
-                          <a:rPr lang="en-AU" b="0" i="1" smtClean="0">
-                            <a:latin typeface="Cambria Math" panose="02040503050406030204" pitchFamily="18" charset="0"/>
-                          </a:rPr>
-                          <m:t>𝑖</m:t>
-                        </m:r>
-                      </m:sub>
-                    </m:sSub>
-                  </m:oMath>
-                </a14:m>
-                <a:r>
-                  <a:rPr lang="en-AU" dirty="0"/>
-                  <a:t> associated with each point </a:t>
-                </a:r>
-                <a14:m>
-                  <m:oMath xmlns:m="http://schemas.openxmlformats.org/officeDocument/2006/math">
-                    <m:sSub>
-                      <m:sSubPr>
-                        <m:ctrlPr>
-                          <a:rPr lang="en-AU" b="0" i="1" smtClean="0">
-                            <a:latin typeface="Cambria Math" panose="02040503050406030204" pitchFamily="18" charset="0"/>
-                          </a:rPr>
-                        </m:ctrlPr>
-                      </m:sSubPr>
-                      <m:e>
-                        <m:r>
-                          <a:rPr lang="en-AU" b="0" i="1" smtClean="0">
-                            <a:latin typeface="Cambria Math" panose="02040503050406030204" pitchFamily="18" charset="0"/>
-                          </a:rPr>
-                          <m:t>𝑥</m:t>
-                        </m:r>
-                      </m:e>
-                      <m:sub>
-                        <m:r>
-                          <a:rPr lang="en-AU" b="0" i="1" smtClean="0">
-                            <a:latin typeface="Cambria Math" panose="02040503050406030204" pitchFamily="18" charset="0"/>
-                          </a:rPr>
-                          <m:t>𝑖</m:t>
-                        </m:r>
-                      </m:sub>
-                    </m:sSub>
-                  </m:oMath>
-                </a14:m>
-                <a:r>
-                  <a:rPr lang="en-AU" dirty="0"/>
-                  <a:t>. </a:t>
-                </a:r>
-                <a:endParaRPr lang="en-AU" b="0" i="1" dirty="0">
-                  <a:latin typeface="Cambria Math" panose="02040503050406030204" pitchFamily="18" charset="0"/>
-                </a:endParaRPr>
-              </a:p>
-              <a:p>
-                <a:pPr marL="0" indent="0">
-                  <a:buNone/>
-                </a:pPr>
-                <a14:m>
-                  <m:oMathPara xmlns:m="http://schemas.openxmlformats.org/officeDocument/2006/math">
-                    <m:oMathParaPr>
-                      <m:jc m:val="centerGroup"/>
-                    </m:oMathParaPr>
-                    <m:oMath xmlns:m="http://schemas.openxmlformats.org/officeDocument/2006/math">
-                      <m:r>
-                        <a:rPr lang="en-AU" b="0" i="1" smtClean="0">
-                          <a:latin typeface="Cambria Math" panose="02040503050406030204" pitchFamily="18" charset="0"/>
-                        </a:rPr>
-                        <m:t>𝑦</m:t>
-                      </m:r>
-                      <m:r>
-                        <a:rPr lang="en-AU" b="0" i="1" smtClean="0">
-                          <a:latin typeface="Cambria Math" panose="02040503050406030204" pitchFamily="18" charset="0"/>
-                        </a:rPr>
-                        <m:t>=</m:t>
-                      </m:r>
-                      <m:r>
-                        <a:rPr lang="en-AU" b="0" i="1" smtClean="0">
-                          <a:latin typeface="Cambria Math" panose="02040503050406030204" pitchFamily="18" charset="0"/>
-                        </a:rPr>
-                        <m:t>𝑓</m:t>
-                      </m:r>
-                      <m:d>
-                        <m:dPr>
-                          <m:ctrlPr>
-                            <a:rPr lang="en-AU" b="0" i="1" smtClean="0">
-                              <a:latin typeface="Cambria Math" panose="02040503050406030204" pitchFamily="18" charset="0"/>
-                            </a:rPr>
-                          </m:ctrlPr>
-                        </m:dPr>
-                        <m:e>
-                          <m:sSub>
-                            <m:sSubPr>
-                              <m:ctrlPr>
-                                <a:rPr lang="en-AU" b="0" i="1" smtClean="0">
-                                  <a:latin typeface="Cambria Math" panose="02040503050406030204" pitchFamily="18" charset="0"/>
-                                </a:rPr>
-                              </m:ctrlPr>
-                            </m:sSubPr>
-                            <m:e>
-                              <m:r>
-                                <a:rPr lang="en-AU" b="0" i="1" smtClean="0">
-                                  <a:latin typeface="Cambria Math" panose="02040503050406030204" pitchFamily="18" charset="0"/>
-                                </a:rPr>
-                                <m:t>𝑥</m:t>
-                              </m:r>
-                            </m:e>
-                            <m:sub>
-                              <m:r>
-                                <a:rPr lang="en-AU" b="0" i="1" smtClean="0">
-                                  <a:latin typeface="Cambria Math" panose="02040503050406030204" pitchFamily="18" charset="0"/>
-                                </a:rPr>
-                                <m:t>𝑖</m:t>
-                              </m:r>
-                            </m:sub>
-                          </m:sSub>
-                        </m:e>
-                      </m:d>
-                      <m:r>
-                        <a:rPr lang="en-AU" b="0" i="1" smtClean="0">
-                          <a:latin typeface="Cambria Math" panose="02040503050406030204" pitchFamily="18" charset="0"/>
-                        </a:rPr>
-                        <m:t>+ </m:t>
-                      </m:r>
-                      <m:r>
-                        <a:rPr lang="en-AU" b="0" i="1" smtClean="0">
-                          <a:latin typeface="Cambria Math" panose="02040503050406030204" pitchFamily="18" charset="0"/>
-                          <a:ea typeface="Cambria Math" panose="02040503050406030204" pitchFamily="18" charset="0"/>
-                        </a:rPr>
-                        <m:t>𝜀</m:t>
-                      </m:r>
-                    </m:oMath>
-                  </m:oMathPara>
-                </a14:m>
-                <a:endParaRPr lang="en-AU" dirty="0"/>
-              </a:p>
-              <a:p>
-                <a:pPr marL="0" indent="0">
-                  <a:buNone/>
-                </a:pPr>
-                <a:r>
-                  <a:rPr lang="en-AU" dirty="0"/>
-                  <a:t>Where the noise, </a:t>
-                </a:r>
-                <a14:m>
-                  <m:oMath xmlns:m="http://schemas.openxmlformats.org/officeDocument/2006/math">
-                    <m:r>
-                      <a:rPr lang="en-AU" b="0" i="1" smtClean="0">
-                        <a:latin typeface="Cambria Math" panose="02040503050406030204" pitchFamily="18" charset="0"/>
-                        <a:ea typeface="Cambria Math" panose="02040503050406030204" pitchFamily="18" charset="0"/>
-                      </a:rPr>
-                      <m:t>𝜀</m:t>
-                    </m:r>
-                  </m:oMath>
-                </a14:m>
-                <a:r>
-                  <a:rPr lang="en-AU" dirty="0"/>
-                  <a:t>, has zero mean and variance </a:t>
-                </a:r>
-                <a14:m>
-                  <m:oMath xmlns:m="http://schemas.openxmlformats.org/officeDocument/2006/math">
-                    <m:sSup>
-                      <m:sSupPr>
-                        <m:ctrlPr>
-                          <a:rPr lang="en-AU" b="0" i="1" smtClean="0">
-                            <a:latin typeface="Cambria Math" panose="02040503050406030204" pitchFamily="18" charset="0"/>
-                            <a:ea typeface="Cambria Math" panose="02040503050406030204" pitchFamily="18" charset="0"/>
-                          </a:rPr>
-                        </m:ctrlPr>
-                      </m:sSupPr>
-                      <m:e>
-                        <m:r>
-                          <a:rPr lang="en-AU" i="1" smtClean="0">
-                            <a:latin typeface="Cambria Math" panose="02040503050406030204" pitchFamily="18" charset="0"/>
-                            <a:ea typeface="Cambria Math" panose="02040503050406030204" pitchFamily="18" charset="0"/>
-                          </a:rPr>
-                          <m:t>𝜎</m:t>
-                        </m:r>
-                      </m:e>
-                      <m:sup>
-                        <m:r>
-                          <a:rPr lang="en-AU" b="0" i="1" smtClean="0">
-                            <a:latin typeface="Cambria Math" panose="02040503050406030204" pitchFamily="18" charset="0"/>
-                            <a:ea typeface="Cambria Math" panose="02040503050406030204" pitchFamily="18" charset="0"/>
-                          </a:rPr>
-                          <m:t>2</m:t>
-                        </m:r>
-                      </m:sup>
-                    </m:sSup>
-                    <m:r>
-                      <a:rPr lang="en-AU" b="0" i="1" smtClean="0">
-                        <a:latin typeface="Cambria Math" panose="02040503050406030204" pitchFamily="18" charset="0"/>
-                        <a:ea typeface="Cambria Math" panose="02040503050406030204" pitchFamily="18" charset="0"/>
-                      </a:rPr>
-                      <m:t>.</m:t>
-                    </m:r>
-                  </m:oMath>
-                </a14:m>
-                <a:endParaRPr lang="en-AU" dirty="0"/>
-              </a:p>
-              <a:p>
-                <a:r>
-                  <a:rPr lang="en-AU" dirty="0"/>
-                  <a:t>We want to find a function </a:t>
-                </a:r>
-                <a14:m>
-                  <m:oMath xmlns:m="http://schemas.openxmlformats.org/officeDocument/2006/math">
-                    <m:sSub>
-                      <m:sSubPr>
-                        <m:ctrlPr>
-                          <a:rPr lang="en-AU" b="0" i="1" smtClean="0">
-                            <a:latin typeface="Cambria Math" panose="02040503050406030204" pitchFamily="18" charset="0"/>
-                          </a:rPr>
-                        </m:ctrlPr>
-                      </m:sSubPr>
-                      <m:e>
-                        <m:r>
-                          <a:rPr lang="en-AU" b="0" i="1" smtClean="0">
-                            <a:latin typeface="Cambria Math" panose="02040503050406030204" pitchFamily="18" charset="0"/>
-                          </a:rPr>
-                          <m:t>𝑓</m:t>
-                        </m:r>
-                      </m:e>
-                      <m:sub>
-                        <m:r>
-                          <a:rPr lang="en-AU" b="0" i="1" smtClean="0">
-                            <a:latin typeface="Cambria Math" panose="02040503050406030204" pitchFamily="18" charset="0"/>
-                          </a:rPr>
-                          <m:t>𝑐𝑎𝑝</m:t>
-                        </m:r>
-                      </m:sub>
-                    </m:sSub>
-                    <m:r>
-                      <a:rPr lang="en-AU" b="0" i="1" smtClean="0">
-                        <a:latin typeface="Cambria Math" panose="02040503050406030204" pitchFamily="18" charset="0"/>
-                      </a:rPr>
-                      <m:t>(</m:t>
-                    </m:r>
-                    <m:r>
-                      <a:rPr lang="en-AU" b="0" i="1" smtClean="0">
-                        <a:latin typeface="Cambria Math" panose="02040503050406030204" pitchFamily="18" charset="0"/>
-                      </a:rPr>
-                      <m:t>𝑥</m:t>
-                    </m:r>
-                    <m:r>
-                      <a:rPr lang="en-AU" b="0" i="1" smtClean="0">
-                        <a:latin typeface="Cambria Math" panose="02040503050406030204" pitchFamily="18" charset="0"/>
-                      </a:rPr>
-                      <m:t>,</m:t>
-                    </m:r>
-                    <m:r>
-                      <a:rPr lang="en-AU" b="0" i="1" smtClean="0">
-                        <a:latin typeface="Cambria Math" panose="02040503050406030204" pitchFamily="18" charset="0"/>
-                      </a:rPr>
-                      <m:t>𝐷</m:t>
-                    </m:r>
-                    <m:r>
-                      <a:rPr lang="en-AU" b="0" i="1" smtClean="0">
-                        <a:latin typeface="Cambria Math" panose="02040503050406030204" pitchFamily="18" charset="0"/>
-                      </a:rPr>
-                      <m:t>)</m:t>
-                    </m:r>
-                  </m:oMath>
-                </a14:m>
-                <a:r>
-                  <a:rPr lang="en-AU" dirty="0"/>
-                  <a:t>, that approximates the true function </a:t>
-                </a:r>
-                <a14:m>
-                  <m:oMath xmlns:m="http://schemas.openxmlformats.org/officeDocument/2006/math">
-                    <m:r>
-                      <a:rPr lang="en-AU" b="0" i="1" smtClean="0">
-                        <a:latin typeface="Cambria Math" panose="02040503050406030204" pitchFamily="18" charset="0"/>
-                      </a:rPr>
-                      <m:t>𝑓</m:t>
-                    </m:r>
-                    <m:d>
-                      <m:dPr>
-                        <m:ctrlPr>
-                          <a:rPr lang="en-AU" b="0" i="1" smtClean="0">
-                            <a:latin typeface="Cambria Math" panose="02040503050406030204" pitchFamily="18" charset="0"/>
-                          </a:rPr>
-                        </m:ctrlPr>
-                      </m:dPr>
-                      <m:e>
-                        <m:r>
-                          <a:rPr lang="en-AU" b="0" i="1" smtClean="0">
-                            <a:latin typeface="Cambria Math" panose="02040503050406030204" pitchFamily="18" charset="0"/>
-                          </a:rPr>
-                          <m:t>𝑥</m:t>
-                        </m:r>
-                      </m:e>
-                    </m:d>
-                  </m:oMath>
-                </a14:m>
-                <a:endParaRPr lang="en-AU" dirty="0"/>
-              </a:p>
-            </p:txBody>
-          </p:sp>
-        </mc:Choice>
-        <mc:Fallback xmlns="">
-          <p:sp>
-            <p:nvSpPr>
-              <p:cNvPr id="25" name="Content Placeholder 2">
-                <a:extLst>
-                  <a:ext uri="{FF2B5EF4-FFF2-40B4-BE49-F238E27FC236}">
-                    <a16:creationId xmlns:a16="http://schemas.microsoft.com/office/drawing/2014/main" id="{B78EE824-AF7B-C85F-18D4-24BCC4A5273C}"/>
-                  </a:ext>
-                </a:extLst>
-              </p:cNvPr>
-              <p:cNvSpPr txBox="1">
-                <a:spLocks noRot="1" noChangeAspect="1" noMove="1" noResize="1" noEditPoints="1" noAdjustHandles="1" noChangeArrowheads="1" noChangeShapeType="1" noTextEdit="1"/>
-              </p:cNvSpPr>
-              <p:nvPr/>
-            </p:nvSpPr>
-            <p:spPr>
-              <a:xfrm>
-                <a:off x="5823857" y="1825625"/>
-                <a:ext cx="5181600" cy="4351338"/>
-              </a:xfrm>
-              <a:prstGeom prst="rect">
-                <a:avLst/>
-              </a:prstGeom>
-              <a:blipFill>
-                <a:blip r:embed="rId2"/>
-                <a:stretch>
-                  <a:fillRect l="-2353" t="-2241" r="-3882" b="-840"/>
-                </a:stretch>
-              </a:blipFill>
-            </p:spPr>
-            <p:txBody>
-              <a:bodyPr/>
-              <a:lstStyle/>
-              <a:p>
-                <a:r>
-                  <a:rPr lang="en-AU">
-                    <a:noFill/>
-                  </a:rPr>
-                  <a:t> </a:t>
-                </a:r>
-              </a:p>
-            </p:txBody>
-          </p:sp>
-        </mc:Fallback>
-      </mc:AlternateContent>
-      <p:sp>
-        <p:nvSpPr>
-          <p:cNvPr id="4" name="Footer Placeholder 3">
-            <a:extLst>
-              <a:ext uri="{FF2B5EF4-FFF2-40B4-BE49-F238E27FC236}">
-                <a16:creationId xmlns:a16="http://schemas.microsoft.com/office/drawing/2014/main" id="{60979901-009C-F713-7C09-0BDFF62594F9}"/>
-              </a:ext>
-            </a:extLst>
-          </p:cNvPr>
-          <p:cNvSpPr>
-            <a:spLocks noGrp="1"/>
-          </p:cNvSpPr>
-          <p:nvPr>
-            <p:ph type="ftr" sz="quarter" idx="11"/>
-          </p:nvPr>
-        </p:nvSpPr>
-        <p:spPr/>
-        <p:txBody>
-          <a:bodyPr/>
-          <a:lstStyle/>
-          <a:p>
-            <a:r>
-              <a:rPr lang="en-US"/>
-              <a:t>M. Meenakshi Sundaram, S. Ganesh</a:t>
-            </a:r>
-          </a:p>
-        </p:txBody>
-      </p:sp>
-    </p:spTree>
-    <p:extLst>
-      <p:ext uri="{BB962C8B-B14F-4D97-AF65-F5344CB8AC3E}">
-        <p14:creationId xmlns:p14="http://schemas.microsoft.com/office/powerpoint/2010/main" val="770202501"/>
-      </p:ext>
-    </p:extLst>
-  </p:cSld>
-  <p:clrMapOvr>
-    <a:masterClrMapping/>
-  </p:clrMapOvr>
-</p:sld>
-</file>
-
-<file path=ppt/slides/slide31.xml><?xml version="1.0" encoding="utf-8"?>
-<p:sld xmlns:a="http://schemas.openxmlformats.org/drawingml/2006/main" xmlns:r="http://schemas.openxmlformats.org/officeDocument/2006/relationships" xmlns:p="http://schemas.openxmlformats.org/presentationml/2006/main" show="0">
-  <p:cSld>
-    <p:spTree>
-      <p:nvGrpSpPr>
-        <p:cNvPr id="1" name=""/>
-        <p:cNvGrpSpPr/>
-        <p:nvPr/>
-      </p:nvGrpSpPr>
-      <p:grpSpPr>
-        <a:xfrm>
-          <a:off x="0" y="0"/>
-          <a:ext cx="0" cy="0"/>
-          <a:chOff x="0" y="0"/>
-          <a:chExt cx="0" cy="0"/>
-        </a:xfrm>
-      </p:grpSpPr>
-      <mc:AlternateContent xmlns:mc="http://schemas.openxmlformats.org/markup-compatibility/2006" xmlns:a14="http://schemas.microsoft.com/office/drawing/2010/main">
-        <mc:Choice Requires="a14">
-          <p:sp>
-            <p:nvSpPr>
-              <p:cNvPr id="3" name="Content Placeholder 2">
-                <a:extLst>
-                  <a:ext uri="{FF2B5EF4-FFF2-40B4-BE49-F238E27FC236}">
-                    <a16:creationId xmlns:a16="http://schemas.microsoft.com/office/drawing/2014/main" id="{9B247013-8D09-94A6-F8CF-80FC572850C3}"/>
-                  </a:ext>
-                </a:extLst>
-              </p:cNvPr>
-              <p:cNvSpPr>
-                <a:spLocks noGrp="1"/>
-              </p:cNvSpPr>
-              <p:nvPr>
-                <p:ph idx="1"/>
-              </p:nvPr>
-            </p:nvSpPr>
-            <p:spPr>
-              <a:xfrm>
-                <a:off x="831997" y="305168"/>
-                <a:ext cx="10528005" cy="6095631"/>
-              </a:xfrm>
-            </p:spPr>
-            <p:txBody>
-              <a:bodyPr/>
-              <a:lstStyle/>
-              <a:p>
-                <a14:m>
-                  <m:oMath xmlns:m="http://schemas.openxmlformats.org/officeDocument/2006/math">
-                    <m:r>
-                      <a:rPr lang="en-AU" b="0" i="1" smtClean="0">
-                        <a:latin typeface="Cambria Math" panose="02040503050406030204" pitchFamily="18" charset="0"/>
-                      </a:rPr>
-                      <m:t>𝐷</m:t>
-                    </m:r>
-                    <m:r>
-                      <a:rPr lang="en-AU" b="0" i="1" smtClean="0">
-                        <a:latin typeface="Cambria Math" panose="02040503050406030204" pitchFamily="18" charset="0"/>
-                      </a:rPr>
-                      <m:t>=</m:t>
-                    </m:r>
-                    <m:d>
-                      <m:dPr>
-                        <m:begChr m:val="{"/>
-                        <m:endChr m:val="}"/>
-                        <m:ctrlPr>
-                          <a:rPr lang="en-AU" b="0" i="1" smtClean="0">
-                            <a:latin typeface="Cambria Math" panose="02040503050406030204" pitchFamily="18" charset="0"/>
-                          </a:rPr>
-                        </m:ctrlPr>
-                      </m:dPr>
-                      <m:e>
-                        <m:d>
-                          <m:dPr>
-                            <m:ctrlPr>
-                              <a:rPr lang="en-AU" b="0" i="1" smtClean="0">
-                                <a:latin typeface="Cambria Math" panose="02040503050406030204" pitchFamily="18" charset="0"/>
-                              </a:rPr>
-                            </m:ctrlPr>
-                          </m:dPr>
-                          <m:e>
-                            <m:sSub>
-                              <m:sSubPr>
-                                <m:ctrlPr>
-                                  <a:rPr lang="en-AU" b="0" i="1" smtClean="0">
-                                    <a:latin typeface="Cambria Math" panose="02040503050406030204" pitchFamily="18" charset="0"/>
-                                  </a:rPr>
-                                </m:ctrlPr>
-                              </m:sSubPr>
-                              <m:e>
-                                <m:r>
-                                  <a:rPr lang="en-AU" b="0" i="1" smtClean="0">
-                                    <a:latin typeface="Cambria Math" panose="02040503050406030204" pitchFamily="18" charset="0"/>
-                                  </a:rPr>
-                                  <m:t>𝑥</m:t>
-                                </m:r>
-                              </m:e>
-                              <m:sub>
-                                <m:r>
-                                  <a:rPr lang="en-AU" b="0" i="1" smtClean="0">
-                                    <a:latin typeface="Cambria Math" panose="02040503050406030204" pitchFamily="18" charset="0"/>
-                                  </a:rPr>
-                                  <m:t>1</m:t>
-                                </m:r>
-                              </m:sub>
-                            </m:sSub>
-                            <m:r>
-                              <a:rPr lang="en-AU" b="0" i="1" smtClean="0">
-                                <a:latin typeface="Cambria Math" panose="02040503050406030204" pitchFamily="18" charset="0"/>
-                              </a:rPr>
-                              <m:t>,</m:t>
-                            </m:r>
-                            <m:sSub>
-                              <m:sSubPr>
-                                <m:ctrlPr>
-                                  <a:rPr lang="en-AU" b="0" i="1" smtClean="0">
-                                    <a:latin typeface="Cambria Math" panose="02040503050406030204" pitchFamily="18" charset="0"/>
-                                  </a:rPr>
-                                </m:ctrlPr>
-                              </m:sSubPr>
-                              <m:e>
-                                <m:r>
-                                  <a:rPr lang="en-AU" b="0" i="1" smtClean="0">
-                                    <a:latin typeface="Cambria Math" panose="02040503050406030204" pitchFamily="18" charset="0"/>
-                                  </a:rPr>
-                                  <m:t>𝑦</m:t>
-                                </m:r>
-                              </m:e>
-                              <m:sub>
-                                <m:r>
-                                  <a:rPr lang="en-AU" b="0" i="1" smtClean="0">
-                                    <a:latin typeface="Cambria Math" panose="02040503050406030204" pitchFamily="18" charset="0"/>
-                                  </a:rPr>
-                                  <m:t>1</m:t>
-                                </m:r>
-                              </m:sub>
-                            </m:sSub>
-                          </m:e>
-                        </m:d>
-                        <m:r>
-                          <a:rPr lang="en-AU" b="0" i="1" smtClean="0">
-                            <a:latin typeface="Cambria Math" panose="02040503050406030204" pitchFamily="18" charset="0"/>
-                          </a:rPr>
-                          <m:t>,</m:t>
-                        </m:r>
-                        <m:d>
-                          <m:dPr>
-                            <m:ctrlPr>
-                              <a:rPr lang="en-AU" b="0" i="1" smtClean="0">
-                                <a:latin typeface="Cambria Math" panose="02040503050406030204" pitchFamily="18" charset="0"/>
-                              </a:rPr>
-                            </m:ctrlPr>
-                          </m:dPr>
-                          <m:e>
-                            <m:sSub>
-                              <m:sSubPr>
-                                <m:ctrlPr>
-                                  <a:rPr lang="en-AU" b="0" i="1" smtClean="0">
-                                    <a:latin typeface="Cambria Math" panose="02040503050406030204" pitchFamily="18" charset="0"/>
-                                  </a:rPr>
-                                </m:ctrlPr>
-                              </m:sSubPr>
-                              <m:e>
-                                <m:r>
-                                  <a:rPr lang="en-AU" b="0" i="1" smtClean="0">
-                                    <a:latin typeface="Cambria Math" panose="02040503050406030204" pitchFamily="18" charset="0"/>
-                                  </a:rPr>
-                                  <m:t>𝑥</m:t>
-                                </m:r>
-                              </m:e>
-                              <m:sub>
-                                <m:r>
-                                  <a:rPr lang="en-AU" b="0" i="1" smtClean="0">
-                                    <a:latin typeface="Cambria Math" panose="02040503050406030204" pitchFamily="18" charset="0"/>
-                                  </a:rPr>
-                                  <m:t>2</m:t>
-                                </m:r>
-                              </m:sub>
-                            </m:sSub>
-                            <m:r>
-                              <a:rPr lang="en-AU" b="0" i="1" smtClean="0">
-                                <a:latin typeface="Cambria Math" panose="02040503050406030204" pitchFamily="18" charset="0"/>
-                              </a:rPr>
-                              <m:t>,</m:t>
-                            </m:r>
-                            <m:sSub>
-                              <m:sSubPr>
-                                <m:ctrlPr>
-                                  <a:rPr lang="en-AU" b="0" i="1" smtClean="0">
-                                    <a:latin typeface="Cambria Math" panose="02040503050406030204" pitchFamily="18" charset="0"/>
-                                  </a:rPr>
-                                </m:ctrlPr>
-                              </m:sSubPr>
-                              <m:e>
-                                <m:r>
-                                  <a:rPr lang="en-AU" b="0" i="1" smtClean="0">
-                                    <a:latin typeface="Cambria Math" panose="02040503050406030204" pitchFamily="18" charset="0"/>
-                                  </a:rPr>
-                                  <m:t>𝑦</m:t>
-                                </m:r>
-                              </m:e>
-                              <m:sub>
-                                <m:r>
-                                  <a:rPr lang="en-AU" b="0" i="1" smtClean="0">
-                                    <a:latin typeface="Cambria Math" panose="02040503050406030204" pitchFamily="18" charset="0"/>
-                                  </a:rPr>
-                                  <m:t>2</m:t>
-                                </m:r>
-                              </m:sub>
-                            </m:sSub>
-                          </m:e>
-                        </m:d>
-                        <m:r>
-                          <a:rPr lang="en-AU" b="0" i="1" smtClean="0">
-                            <a:latin typeface="Cambria Math" panose="02040503050406030204" pitchFamily="18" charset="0"/>
-                          </a:rPr>
-                          <m:t>,…,</m:t>
-                        </m:r>
-                        <m:d>
-                          <m:dPr>
-                            <m:ctrlPr>
-                              <a:rPr lang="en-AU" b="0" i="1" smtClean="0">
-                                <a:latin typeface="Cambria Math" panose="02040503050406030204" pitchFamily="18" charset="0"/>
-                              </a:rPr>
-                            </m:ctrlPr>
-                          </m:dPr>
-                          <m:e>
-                            <m:sSub>
-                              <m:sSubPr>
-                                <m:ctrlPr>
-                                  <a:rPr lang="en-AU" b="0" i="1" smtClean="0">
-                                    <a:latin typeface="Cambria Math" panose="02040503050406030204" pitchFamily="18" charset="0"/>
-                                  </a:rPr>
-                                </m:ctrlPr>
-                              </m:sSubPr>
-                              <m:e>
-                                <m:r>
-                                  <a:rPr lang="en-AU" b="0" i="1" smtClean="0">
-                                    <a:latin typeface="Cambria Math" panose="02040503050406030204" pitchFamily="18" charset="0"/>
-                                  </a:rPr>
-                                  <m:t>𝑥</m:t>
-                                </m:r>
-                              </m:e>
-                              <m:sub>
-                                <m:r>
-                                  <a:rPr lang="en-AU" b="0" i="1" smtClean="0">
-                                    <a:latin typeface="Cambria Math" panose="02040503050406030204" pitchFamily="18" charset="0"/>
-                                  </a:rPr>
-                                  <m:t>𝑛</m:t>
-                                </m:r>
-                              </m:sub>
-                            </m:sSub>
-                            <m:r>
-                              <a:rPr lang="en-AU" b="0" i="1" smtClean="0">
-                                <a:latin typeface="Cambria Math" panose="02040503050406030204" pitchFamily="18" charset="0"/>
-                              </a:rPr>
-                              <m:t>,</m:t>
-                            </m:r>
-                            <m:sSub>
-                              <m:sSubPr>
-                                <m:ctrlPr>
-                                  <a:rPr lang="en-AU" b="0" i="1" smtClean="0">
-                                    <a:latin typeface="Cambria Math" panose="02040503050406030204" pitchFamily="18" charset="0"/>
-                                  </a:rPr>
-                                </m:ctrlPr>
-                              </m:sSubPr>
-                              <m:e>
-                                <m:r>
-                                  <a:rPr lang="en-AU" b="0" i="1" smtClean="0">
-                                    <a:latin typeface="Cambria Math" panose="02040503050406030204" pitchFamily="18" charset="0"/>
-                                  </a:rPr>
-                                  <m:t>𝑦</m:t>
-                                </m:r>
-                              </m:e>
-                              <m:sub>
-                                <m:r>
-                                  <a:rPr lang="en-AU" b="0" i="1" smtClean="0">
-                                    <a:latin typeface="Cambria Math" panose="02040503050406030204" pitchFamily="18" charset="0"/>
-                                  </a:rPr>
-                                  <m:t>𝑛</m:t>
-                                </m:r>
-                              </m:sub>
-                            </m:sSub>
-                          </m:e>
-                        </m:d>
-                      </m:e>
-                    </m:d>
-                  </m:oMath>
-                </a14:m>
-                <a:endParaRPr lang="en-AU" dirty="0"/>
-              </a:p>
-              <a:p>
-                <a14:m>
-                  <m:oMath xmlns:m="http://schemas.openxmlformats.org/officeDocument/2006/math">
-                    <m:r>
-                      <a:rPr lang="en-AU" b="0" i="1" smtClean="0">
-                        <a:latin typeface="Cambria Math" panose="02040503050406030204" pitchFamily="18" charset="0"/>
-                      </a:rPr>
-                      <m:t>𝐵𝑖𝑎𝑠</m:t>
-                    </m:r>
-                    <m:r>
-                      <a:rPr lang="en-AU" b="0" i="1" smtClean="0">
-                        <a:latin typeface="Cambria Math" panose="02040503050406030204" pitchFamily="18" charset="0"/>
-                      </a:rPr>
-                      <m:t>=</m:t>
-                    </m:r>
-                    <m:sSup>
-                      <m:sSupPr>
-                        <m:ctrlPr>
-                          <a:rPr lang="en-AU" b="0" i="1" smtClean="0">
-                            <a:latin typeface="Cambria Math" panose="02040503050406030204" pitchFamily="18" charset="0"/>
-                          </a:rPr>
-                        </m:ctrlPr>
-                      </m:sSupPr>
-                      <m:e>
-                        <m:d>
-                          <m:dPr>
-                            <m:ctrlPr>
-                              <a:rPr lang="en-AU" b="0" i="1" smtClean="0">
-                                <a:latin typeface="Cambria Math" panose="02040503050406030204" pitchFamily="18" charset="0"/>
-                              </a:rPr>
-                            </m:ctrlPr>
-                          </m:dPr>
-                          <m:e>
-                            <m:r>
-                              <a:rPr lang="en-AU" b="0" i="1" smtClean="0">
-                                <a:latin typeface="Cambria Math" panose="02040503050406030204" pitchFamily="18" charset="0"/>
-                              </a:rPr>
-                              <m:t>𝑦</m:t>
-                            </m:r>
-                            <m:r>
-                              <a:rPr lang="en-AU" b="0" i="1" smtClean="0">
-                                <a:latin typeface="Cambria Math" panose="02040503050406030204" pitchFamily="18" charset="0"/>
-                              </a:rPr>
-                              <m:t>−</m:t>
-                            </m:r>
-                            <m:sSub>
-                              <m:sSubPr>
-                                <m:ctrlPr>
-                                  <a:rPr lang="en-AU" b="0" i="1" smtClean="0">
-                                    <a:latin typeface="Cambria Math" panose="02040503050406030204" pitchFamily="18" charset="0"/>
-                                  </a:rPr>
-                                </m:ctrlPr>
-                              </m:sSubPr>
-                              <m:e>
-                                <m:r>
-                                  <a:rPr lang="en-AU" b="0" i="1" smtClean="0">
-                                    <a:latin typeface="Cambria Math" panose="02040503050406030204" pitchFamily="18" charset="0"/>
-                                  </a:rPr>
-                                  <m:t>𝑓</m:t>
-                                </m:r>
-                              </m:e>
-                              <m:sub>
-                                <m:r>
-                                  <a:rPr lang="en-AU" b="0" i="1" smtClean="0">
-                                    <a:latin typeface="Cambria Math" panose="02040503050406030204" pitchFamily="18" charset="0"/>
-                                  </a:rPr>
-                                  <m:t>𝑐𝑎𝑝</m:t>
-                                </m:r>
-                              </m:sub>
-                            </m:sSub>
-                            <m:d>
-                              <m:dPr>
-                                <m:ctrlPr>
-                                  <a:rPr lang="en-AU" b="0" i="1" smtClean="0">
-                                    <a:latin typeface="Cambria Math" panose="02040503050406030204" pitchFamily="18" charset="0"/>
-                                  </a:rPr>
-                                </m:ctrlPr>
-                              </m:dPr>
-                              <m:e>
-                                <m:r>
-                                  <a:rPr lang="en-AU" b="0" i="1" smtClean="0">
-                                    <a:latin typeface="Cambria Math" panose="02040503050406030204" pitchFamily="18" charset="0"/>
-                                  </a:rPr>
-                                  <m:t>𝑥</m:t>
-                                </m:r>
-                                <m:r>
-                                  <a:rPr lang="en-AU" b="0" i="1" smtClean="0">
-                                    <a:latin typeface="Cambria Math" panose="02040503050406030204" pitchFamily="18" charset="0"/>
-                                  </a:rPr>
-                                  <m:t>;</m:t>
-                                </m:r>
-                                <m:r>
-                                  <a:rPr lang="en-AU" b="0" i="1" smtClean="0">
-                                    <a:latin typeface="Cambria Math" panose="02040503050406030204" pitchFamily="18" charset="0"/>
-                                  </a:rPr>
-                                  <m:t>𝐷</m:t>
-                                </m:r>
-                              </m:e>
-                            </m:d>
-                          </m:e>
-                        </m:d>
-                      </m:e>
-                      <m:sup>
-                        <m:r>
-                          <a:rPr lang="en-AU" b="0" i="1" smtClean="0">
-                            <a:latin typeface="Cambria Math" panose="02040503050406030204" pitchFamily="18" charset="0"/>
-                          </a:rPr>
-                          <m:t>2</m:t>
-                        </m:r>
-                      </m:sup>
-                    </m:sSup>
-                  </m:oMath>
-                </a14:m>
-                <a:endParaRPr lang="en-AU" dirty="0"/>
-              </a:p>
-              <a:p>
-                <a:r>
-                  <a:rPr lang="en-AU" dirty="0"/>
-                  <a:t>Variance error:</a:t>
-                </a:r>
-              </a:p>
-              <a:p>
-                <a:pPr lvl="1"/>
-                <a:r>
-                  <a:rPr lang="en-AU" dirty="0"/>
-                  <a:t>Variance error is variability of a target function's form with respect to different training sets. Models with small variance error will not change much if you replace couple of samples in training set. Models with high variance might be affected even with small changes in training set.</a:t>
-                </a:r>
-              </a:p>
-              <a:p>
-                <a:r>
-                  <a:rPr lang="en-AU" dirty="0"/>
-                  <a:t>If the model learns to fit very closely to the points on a particular dataset, when it used to predict on another dataset it may not predict as accurately as it did in the first.</a:t>
-                </a:r>
-              </a:p>
-              <a:p>
-                <a:r>
-                  <a:rPr lang="en-AU" dirty="0"/>
-                  <a:t>Variance is the difference in the fits between different datasets.</a:t>
-                </a:r>
-              </a:p>
-              <a:p>
-                <a:r>
-                  <a:rPr lang="en-AU" dirty="0">
-                    <a:hlinkClick r:id="rId2"/>
-                  </a:rPr>
-                  <a:t>https://www.machinelearningplus.com/machine-learning/bias-variance-tradeoff/</a:t>
-                </a:r>
-                <a:endParaRPr lang="en-AU" dirty="0"/>
-              </a:p>
-              <a:p>
-                <a:endParaRPr lang="en-AU" dirty="0"/>
-              </a:p>
-              <a:p>
-                <a:endParaRPr lang="en-AU" dirty="0"/>
-              </a:p>
-            </p:txBody>
-          </p:sp>
-        </mc:Choice>
-        <mc:Fallback xmlns="">
-          <p:sp>
-            <p:nvSpPr>
-              <p:cNvPr id="3" name="Content Placeholder 2">
-                <a:extLst>
-                  <a:ext uri="{FF2B5EF4-FFF2-40B4-BE49-F238E27FC236}">
-                    <a16:creationId xmlns:a16="http://schemas.microsoft.com/office/drawing/2014/main" id="{9B247013-8D09-94A6-F8CF-80FC572850C3}"/>
-                  </a:ext>
-                </a:extLst>
-              </p:cNvPr>
-              <p:cNvSpPr>
-                <a:spLocks noGrp="1" noRot="1" noChangeAspect="1" noMove="1" noResize="1" noEditPoints="1" noAdjustHandles="1" noChangeArrowheads="1" noChangeShapeType="1" noTextEdit="1"/>
-              </p:cNvSpPr>
-              <p:nvPr>
-                <p:ph idx="1"/>
-              </p:nvPr>
-            </p:nvSpPr>
-            <p:spPr>
-              <a:xfrm>
-                <a:off x="831997" y="305168"/>
-                <a:ext cx="10528005" cy="6095631"/>
-              </a:xfrm>
-              <a:blipFill>
-                <a:blip r:embed="rId3"/>
-                <a:stretch>
-                  <a:fillRect l="-1042" r="-1505"/>
-                </a:stretch>
-              </a:blipFill>
-            </p:spPr>
-            <p:txBody>
-              <a:bodyPr/>
-              <a:lstStyle/>
-              <a:p>
-                <a:r>
-                  <a:rPr lang="en-AU">
-                    <a:noFill/>
-                  </a:rPr>
-                  <a:t> </a:t>
-                </a:r>
-              </a:p>
-            </p:txBody>
-          </p:sp>
-        </mc:Fallback>
-      </mc:AlternateContent>
-      <p:sp>
-        <p:nvSpPr>
-          <p:cNvPr id="2" name="Footer Placeholder 1">
-            <a:extLst>
-              <a:ext uri="{FF2B5EF4-FFF2-40B4-BE49-F238E27FC236}">
-                <a16:creationId xmlns:a16="http://schemas.microsoft.com/office/drawing/2014/main" id="{39C093CC-FCD5-3F16-A54D-A99B2B3A5F3A}"/>
-              </a:ext>
-            </a:extLst>
-          </p:cNvPr>
-          <p:cNvSpPr>
-            <a:spLocks noGrp="1"/>
-          </p:cNvSpPr>
-          <p:nvPr>
-            <p:ph type="ftr" sz="quarter" idx="11"/>
-          </p:nvPr>
-        </p:nvSpPr>
-        <p:spPr/>
-        <p:txBody>
-          <a:bodyPr/>
-          <a:lstStyle/>
-          <a:p>
-            <a:r>
-              <a:rPr lang="en-US"/>
-              <a:t>M. Meenakshi Sundaram, S. Ganesh</a:t>
-            </a:r>
-          </a:p>
-        </p:txBody>
-      </p:sp>
-    </p:spTree>
-    <p:extLst>
-      <p:ext uri="{BB962C8B-B14F-4D97-AF65-F5344CB8AC3E}">
-        <p14:creationId xmlns:p14="http://schemas.microsoft.com/office/powerpoint/2010/main" val="2506745509"/>
-      </p:ext>
-    </p:extLst>
-  </p:cSld>
-  <p:clrMapOvr>
-    <a:masterClrMapping/>
-  </p:clrMapOvr>
-</p:sld>
-</file>
-
-<file path=ppt/slides/slide32.xml><?xml version="1.0" encoding="utf-8"?>
-<p:sld xmlns:a="http://schemas.openxmlformats.org/drawingml/2006/main" xmlns:r="http://schemas.openxmlformats.org/officeDocument/2006/relationships" xmlns:p="http://schemas.openxmlformats.org/presentationml/2006/main" show="0">
-  <p:cSld>
-    <p:spTree>
-      <p:nvGrpSpPr>
-        <p:cNvPr id="1" name=""/>
-        <p:cNvGrpSpPr/>
-        <p:nvPr/>
-      </p:nvGrpSpPr>
-      <p:grpSpPr>
-        <a:xfrm>
-          <a:off x="0" y="0"/>
-          <a:ext cx="0" cy="0"/>
-          <a:chOff x="0" y="0"/>
-          <a:chExt cx="0" cy="0"/>
-        </a:xfrm>
-      </p:grpSpPr>
-      <p:sp>
-        <p:nvSpPr>
-          <p:cNvPr id="3" name="Content Placeholder 2">
-            <a:extLst>
-              <a:ext uri="{FF2B5EF4-FFF2-40B4-BE49-F238E27FC236}">
-                <a16:creationId xmlns:a16="http://schemas.microsoft.com/office/drawing/2014/main" id="{9B465D01-077F-9044-88F1-32B5D5B3ED62}"/>
-              </a:ext>
-            </a:extLst>
-          </p:cNvPr>
-          <p:cNvSpPr>
-            <a:spLocks noGrp="1"/>
-          </p:cNvSpPr>
-          <p:nvPr>
-            <p:ph idx="1"/>
-          </p:nvPr>
-        </p:nvSpPr>
-        <p:spPr>
-          <a:xfrm>
-            <a:off x="838200" y="308344"/>
-            <a:ext cx="10515600" cy="5868619"/>
-          </a:xfrm>
-        </p:spPr>
-        <p:txBody>
-          <a:bodyPr/>
-          <a:lstStyle/>
-          <a:p>
-            <a:r>
-              <a:rPr lang="en-AU" dirty="0"/>
-              <a:t>If a model has high bias, then it implies that the model is too simple and does not capture the relationship between the variables. This is called the </a:t>
-            </a:r>
-            <a:r>
-              <a:rPr lang="en-AU" b="1" dirty="0"/>
-              <a:t>underfitting</a:t>
-            </a:r>
-            <a:r>
-              <a:rPr lang="en-AU" dirty="0"/>
-              <a:t> of data.</a:t>
-            </a:r>
-          </a:p>
-          <a:p>
-            <a:endParaRPr lang="en-AU" dirty="0"/>
-          </a:p>
-        </p:txBody>
-      </p:sp>
-      <p:sp>
-        <p:nvSpPr>
-          <p:cNvPr id="2" name="Footer Placeholder 1">
-            <a:extLst>
-              <a:ext uri="{FF2B5EF4-FFF2-40B4-BE49-F238E27FC236}">
-                <a16:creationId xmlns:a16="http://schemas.microsoft.com/office/drawing/2014/main" id="{84687A66-F5BD-3206-2BE1-FCA554D8E165}"/>
-              </a:ext>
-            </a:extLst>
-          </p:cNvPr>
-          <p:cNvSpPr>
-            <a:spLocks noGrp="1"/>
-          </p:cNvSpPr>
-          <p:nvPr>
-            <p:ph type="ftr" sz="quarter" idx="11"/>
-          </p:nvPr>
-        </p:nvSpPr>
-        <p:spPr/>
-        <p:txBody>
-          <a:bodyPr/>
-          <a:lstStyle/>
-          <a:p>
-            <a:r>
-              <a:rPr lang="en-US"/>
-              <a:t>M. Meenakshi Sundaram, S. Ganesh</a:t>
-            </a:r>
-          </a:p>
-        </p:txBody>
-      </p:sp>
-    </p:spTree>
-    <p:extLst>
-      <p:ext uri="{BB962C8B-B14F-4D97-AF65-F5344CB8AC3E}">
-        <p14:creationId xmlns:p14="http://schemas.microsoft.com/office/powerpoint/2010/main" val="2709082398"/>
       </p:ext>
     </p:extLst>
   </p:cSld>

--- a/Notes/Decision_Trees.pptx
+++ b/Notes/Decision_Trees.pptx
@@ -243,7 +243,7 @@
           <a:p>
             <a:fld id="{0BFC49C2-91E2-4019-9562-07422A279DAF}" type="datetimeFigureOut">
               <a:rPr lang="en-US" smtClean="0"/>
-              <a:t>9/4/2023</a:t>
+              <a:t>9/5/2023</a:t>
             </a:fld>
             <a:endParaRPr lang="en-US"/>
           </a:p>
@@ -420,7 +420,7 @@
           <a:p>
             <a:fld id="{1FEA3286-221C-418A-ABA5-8CBD2C4A5B25}" type="datetimeFigureOut">
               <a:rPr lang="en-US" smtClean="0"/>
-              <a:t>9/4/2023</a:t>
+              <a:t>9/5/2023</a:t>
             </a:fld>
             <a:endParaRPr lang="en-US"/>
           </a:p>
@@ -834,7 +834,7 @@
           <a:p>
             <a:fld id="{C536D5AE-0547-4B22-9FF1-61DC50066B07}" type="datetime1">
               <a:rPr lang="en-US" smtClean="0"/>
-              <a:t>9/4/2023</a:t>
+              <a:t>9/5/2023</a:t>
             </a:fld>
             <a:endParaRPr lang="en-US"/>
           </a:p>
@@ -1035,7 +1035,7 @@
           <a:p>
             <a:fld id="{340B8BF2-BD8A-41AE-9C1D-EB089E94831C}" type="datetime1">
               <a:rPr lang="en-US" smtClean="0"/>
-              <a:t>9/4/2023</a:t>
+              <a:t>9/5/2023</a:t>
             </a:fld>
             <a:endParaRPr lang="en-US"/>
           </a:p>
@@ -1246,7 +1246,7 @@
           <a:p>
             <a:fld id="{3EFD6C31-EB7B-4A64-ABE1-F0AB246A850A}" type="datetime1">
               <a:rPr lang="en-US" smtClean="0"/>
-              <a:t>9/4/2023</a:t>
+              <a:t>9/5/2023</a:t>
             </a:fld>
             <a:endParaRPr lang="en-US"/>
           </a:p>
@@ -1447,7 +1447,7 @@
           <a:p>
             <a:fld id="{668B0DC0-B3F2-439A-9114-5F53D4377D45}" type="datetime1">
               <a:rPr lang="en-US" smtClean="0"/>
-              <a:t>9/4/2023</a:t>
+              <a:t>9/5/2023</a:t>
             </a:fld>
             <a:endParaRPr lang="en-US"/>
           </a:p>
@@ -1725,7 +1725,7 @@
           <a:p>
             <a:fld id="{320A5CD0-6878-49B6-96F5-F20F192C0B0C}" type="datetime1">
               <a:rPr lang="en-US" smtClean="0"/>
-              <a:t>9/4/2023</a:t>
+              <a:t>9/5/2023</a:t>
             </a:fld>
             <a:endParaRPr lang="en-US"/>
           </a:p>
@@ -1993,7 +1993,7 @@
           <a:p>
             <a:fld id="{0FA53E43-3A16-4047-B486-C7A15A332A3C}" type="datetime1">
               <a:rPr lang="en-US" smtClean="0"/>
-              <a:t>9/4/2023</a:t>
+              <a:t>9/5/2023</a:t>
             </a:fld>
             <a:endParaRPr lang="en-US"/>
           </a:p>
@@ -2408,7 +2408,7 @@
           <a:p>
             <a:fld id="{47026F2D-B854-4AB5-B7E3-3EA6EE97A89A}" type="datetime1">
               <a:rPr lang="en-US" smtClean="0"/>
-              <a:t>9/4/2023</a:t>
+              <a:t>9/5/2023</a:t>
             </a:fld>
             <a:endParaRPr lang="en-US"/>
           </a:p>
@@ -2552,7 +2552,7 @@
           <a:p>
             <a:fld id="{E9234E8A-3332-401A-B443-35F0A68A1277}" type="datetime1">
               <a:rPr lang="en-US" smtClean="0"/>
-              <a:t>9/4/2023</a:t>
+              <a:t>9/5/2023</a:t>
             </a:fld>
             <a:endParaRPr lang="en-US"/>
           </a:p>
@@ -2668,7 +2668,7 @@
           <a:p>
             <a:fld id="{ACF48743-21A8-4AA2-9F78-5E14E55EAB74}" type="datetime1">
               <a:rPr lang="en-US" smtClean="0"/>
-              <a:t>9/4/2023</a:t>
+              <a:t>9/5/2023</a:t>
             </a:fld>
             <a:endParaRPr lang="en-US"/>
           </a:p>
@@ -2982,7 +2982,7 @@
           <a:p>
             <a:fld id="{45C93320-C53B-4F9C-A839-A4EECC5AEF8C}" type="datetime1">
               <a:rPr lang="en-US" smtClean="0"/>
-              <a:t>9/4/2023</a:t>
+              <a:t>9/5/2023</a:t>
             </a:fld>
             <a:endParaRPr lang="en-US"/>
           </a:p>
@@ -3273,7 +3273,7 @@
           <a:p>
             <a:fld id="{F967DE46-3299-4D41-94F8-85A67C9B0629}" type="datetime1">
               <a:rPr lang="en-US" smtClean="0"/>
-              <a:t>9/4/2023</a:t>
+              <a:t>9/5/2023</a:t>
             </a:fld>
             <a:endParaRPr lang="en-US"/>
           </a:p>
@@ -3517,7 +3517,7 @@
           <a:p>
             <a:fld id="{91D75FF1-919D-4037-93C8-1AE086EC194D}" type="datetime1">
               <a:rPr lang="en-US" smtClean="0"/>
-              <a:t>9/4/2023</a:t>
+              <a:t>9/5/2023</a:t>
             </a:fld>
             <a:endParaRPr lang="en-US"/>
           </a:p>
@@ -23949,7 +23949,7 @@
         </p:blipFill>
         <p:spPr>
           <a:xfrm>
-            <a:off x="9311143" y="3016251"/>
+            <a:off x="9245619" y="3009251"/>
             <a:ext cx="2732764" cy="2328508"/>
           </a:xfrm>
           <a:prstGeom prst="rect">
@@ -23985,46 +23985,6 @@
           </a:p>
         </p:txBody>
       </p:sp>
-      <p:pic>
-        <p:nvPicPr>
-          <p:cNvPr id="6" name="Picture 5">
-            <a:extLst>
-              <a:ext uri="{FF2B5EF4-FFF2-40B4-BE49-F238E27FC236}">
-                <a16:creationId xmlns:a16="http://schemas.microsoft.com/office/drawing/2014/main" id="{0DCD09F7-0338-013D-D242-F52AF8C2430C}"/>
-              </a:ext>
-            </a:extLst>
-          </p:cNvPr>
-          <p:cNvPicPr>
-            <a:picLocks noChangeAspect="1"/>
-          </p:cNvPicPr>
-          <p:nvPr/>
-        </p:nvPicPr>
-        <p:blipFill rotWithShape="1">
-          <a:blip r:embed="rId3">
-            <a:clrChange>
-              <a:clrFrom>
-                <a:srgbClr val="FFFFFF"/>
-              </a:clrFrom>
-              <a:clrTo>
-                <a:srgbClr val="FFFFFF">
-                  <a:alpha val="0"/>
-                </a:srgbClr>
-              </a:clrTo>
-            </a:clrChange>
-          </a:blip>
-          <a:srcRect l="3675" t="10299" r="3564" b="10414"/>
-          <a:stretch/>
-        </p:blipFill>
-        <p:spPr>
-          <a:xfrm>
-            <a:off x="1640917" y="1793213"/>
-            <a:ext cx="7934325" cy="4774584"/>
-          </a:xfrm>
-          <a:prstGeom prst="rect">
-            <a:avLst/>
-          </a:prstGeom>
-        </p:spPr>
-      </p:pic>
       <p:sp>
         <p:nvSpPr>
           <p:cNvPr id="11" name="TextBox 10">
@@ -24039,7 +23999,7 @@
         </p:nvSpPr>
         <p:spPr>
           <a:xfrm>
-            <a:off x="8100557" y="1560821"/>
+            <a:off x="9245619" y="1667426"/>
             <a:ext cx="3943350" cy="1200329"/>
           </a:xfrm>
           <a:prstGeom prst="rect">
@@ -24113,783 +24073,1060 @@
           <a:lstStyle/>
           <a:p>
             <a:r>
-              <a:rPr lang="en-US"/>
+              <a:rPr lang="en-US" dirty="0"/>
               <a:t>M. Meenakshi Sundaram, S. Ganesh</a:t>
             </a:r>
           </a:p>
         </p:txBody>
       </p:sp>
-      <mc:AlternateContent xmlns:mc="http://schemas.openxmlformats.org/markup-compatibility/2006">
-        <mc:Choice xmlns:a14="http://schemas.microsoft.com/office/drawing/2010/main" Requires="a14">
-          <p:sp>
-            <p:nvSpPr>
-              <p:cNvPr id="4" name="TextBox 3">
-                <a:extLst>
-                  <a:ext uri="{FF2B5EF4-FFF2-40B4-BE49-F238E27FC236}">
-                    <a16:creationId xmlns:a16="http://schemas.microsoft.com/office/drawing/2014/main" id="{53634838-459F-7A46-D2E4-3C0DF67EA9FB}"/>
-                  </a:ext>
-                </a:extLst>
-              </p:cNvPr>
-              <p:cNvSpPr txBox="1"/>
-              <p:nvPr/>
-            </p:nvSpPr>
-            <p:spPr>
-              <a:xfrm>
-                <a:off x="1640917" y="1366391"/>
-                <a:ext cx="1906548" cy="646331"/>
-              </a:xfrm>
-              <a:prstGeom prst="rect">
-                <a:avLst/>
-              </a:prstGeom>
-              <a:ln w="19050"/>
-            </p:spPr>
-            <p:style>
-              <a:lnRef idx="2">
-                <a:schemeClr val="accent1"/>
-              </a:lnRef>
-              <a:fillRef idx="1">
-                <a:schemeClr val="lt1"/>
-              </a:fillRef>
-              <a:effectRef idx="0">
-                <a:schemeClr val="accent1"/>
-              </a:effectRef>
-              <a:fontRef idx="minor">
-                <a:schemeClr val="dk1"/>
-              </a:fontRef>
-            </p:style>
-            <p:txBody>
-              <a:bodyPr wrap="none" rtlCol="0">
-                <a:spAutoFit/>
-              </a:bodyPr>
-              <a:lstStyle/>
-              <a:p>
-                <a:pPr/>
-                <a14:m>
-                  <m:oMathPara xmlns:m="http://schemas.openxmlformats.org/officeDocument/2006/math">
-                    <m:oMathParaPr>
-                      <m:jc m:val="centerGroup"/>
-                    </m:oMathParaPr>
-                    <m:oMath xmlns:m="http://schemas.openxmlformats.org/officeDocument/2006/math">
-                      <m:r>
-                        <a:rPr lang="en-US" b="0" i="1" dirty="0" smtClean="0">
-                          <a:latin typeface="Cambria Math" panose="02040503050406030204" pitchFamily="18" charset="0"/>
-                        </a:rPr>
-                        <m:t>𝐺𝑙𝑢𝑐𝑜𝑠𝑒</m:t>
-                      </m:r>
-                      <m:r>
-                        <a:rPr lang="en-US" i="1" dirty="0" smtClean="0">
-                          <a:latin typeface="Cambria Math" panose="02040503050406030204" pitchFamily="18" charset="0"/>
-                        </a:rPr>
-                        <m:t>≤</m:t>
-                      </m:r>
-                      <m:r>
-                        <a:rPr lang="en-US" b="0" i="1" dirty="0" smtClean="0">
-                          <a:latin typeface="Cambria Math" panose="02040503050406030204" pitchFamily="18" charset="0"/>
-                        </a:rPr>
-                        <m:t>1</m:t>
-                      </m:r>
-                      <m:r>
-                        <a:rPr lang="en-US" i="1" dirty="0" smtClean="0">
-                          <a:latin typeface="Cambria Math" panose="02040503050406030204" pitchFamily="18" charset="0"/>
-                        </a:rPr>
-                        <m:t>2</m:t>
-                      </m:r>
-                      <m:r>
-                        <a:rPr lang="en-US" b="0" i="1" dirty="0" smtClean="0">
-                          <a:latin typeface="Cambria Math" panose="02040503050406030204" pitchFamily="18" charset="0"/>
-                        </a:rPr>
-                        <m:t>3</m:t>
-                      </m:r>
-                      <m:r>
-                        <a:rPr lang="en-US" i="1" dirty="0" smtClean="0">
-                          <a:latin typeface="Cambria Math" panose="02040503050406030204" pitchFamily="18" charset="0"/>
-                        </a:rPr>
-                        <m:t>.5</m:t>
-                      </m:r>
-                    </m:oMath>
-                  </m:oMathPara>
-                </a14:m>
-                <a:endParaRPr lang="en-US" dirty="0"/>
-              </a:p>
-              <a:p>
-                <a:pPr/>
-                <a14:m>
-                  <m:oMathPara xmlns:m="http://schemas.openxmlformats.org/officeDocument/2006/math">
-                    <m:oMathParaPr>
-                      <m:jc m:val="centerGroup"/>
-                    </m:oMathParaPr>
-                    <m:oMath xmlns:m="http://schemas.openxmlformats.org/officeDocument/2006/math">
-                      <m:r>
-                        <a:rPr lang="en-US" i="1" dirty="0" smtClean="0">
-                          <a:latin typeface="Cambria Math" panose="02040503050406030204" pitchFamily="18" charset="0"/>
-                        </a:rPr>
-                        <m:t>𝐸𝑛𝑡𝑟𝑜𝑝𝑦</m:t>
-                      </m:r>
-                      <m:r>
-                        <a:rPr lang="en-US" i="1" dirty="0" smtClean="0">
-                          <a:latin typeface="Cambria Math" panose="02040503050406030204" pitchFamily="18" charset="0"/>
-                        </a:rPr>
-                        <m:t> =1.0</m:t>
-                      </m:r>
-                    </m:oMath>
-                  </m:oMathPara>
-                </a14:m>
-                <a:endParaRPr lang="en-US" dirty="0"/>
-              </a:p>
-            </p:txBody>
-          </p:sp>
-        </mc:Choice>
-        <mc:Fallback>
-          <p:sp>
-            <p:nvSpPr>
-              <p:cNvPr id="4" name="TextBox 3">
-                <a:extLst>
-                  <a:ext uri="{FF2B5EF4-FFF2-40B4-BE49-F238E27FC236}">
-                    <a16:creationId xmlns:a16="http://schemas.microsoft.com/office/drawing/2014/main" id="{53634838-459F-7A46-D2E4-3C0DF67EA9FB}"/>
-                  </a:ext>
-                </a:extLst>
-              </p:cNvPr>
-              <p:cNvSpPr txBox="1">
-                <a:spLocks noRot="1" noChangeAspect="1" noMove="1" noResize="1" noEditPoints="1" noAdjustHandles="1" noChangeArrowheads="1" noChangeShapeType="1" noTextEdit="1"/>
-              </p:cNvSpPr>
-              <p:nvPr/>
-            </p:nvSpPr>
-            <p:spPr>
-              <a:xfrm>
-                <a:off x="1640917" y="1366391"/>
-                <a:ext cx="1906548" cy="646331"/>
-              </a:xfrm>
-              <a:prstGeom prst="rect">
-                <a:avLst/>
-              </a:prstGeom>
-              <a:blipFill>
-                <a:blip r:embed="rId4"/>
-                <a:stretch>
-                  <a:fillRect b="-4587"/>
-                </a:stretch>
-              </a:blipFill>
-              <a:ln w="19050"/>
-            </p:spPr>
-            <p:txBody>
-              <a:bodyPr/>
-              <a:lstStyle/>
-              <a:p>
-                <a:r>
-                  <a:rPr lang="en-US">
-                    <a:noFill/>
-                  </a:rPr>
-                  <a:t> </a:t>
-                </a:r>
-              </a:p>
-            </p:txBody>
-          </p:sp>
-        </mc:Fallback>
-      </mc:AlternateContent>
-      <mc:AlternateContent xmlns:mc="http://schemas.openxmlformats.org/markup-compatibility/2006">
-        <mc:Choice xmlns:a14="http://schemas.microsoft.com/office/drawing/2010/main" Requires="a14">
-          <p:sp>
-            <p:nvSpPr>
-              <p:cNvPr id="5" name="TextBox 4">
-                <a:extLst>
-                  <a:ext uri="{FF2B5EF4-FFF2-40B4-BE49-F238E27FC236}">
-                    <a16:creationId xmlns:a16="http://schemas.microsoft.com/office/drawing/2014/main" id="{A8770969-E353-3CA4-2EA3-1A3A20A82E76}"/>
-                  </a:ext>
-                </a:extLst>
-              </p:cNvPr>
-              <p:cNvSpPr txBox="1"/>
-              <p:nvPr/>
-            </p:nvSpPr>
-            <p:spPr>
-              <a:xfrm>
-                <a:off x="148093" y="3335714"/>
-                <a:ext cx="1859420" cy="646331"/>
-              </a:xfrm>
-              <a:prstGeom prst="rect">
-                <a:avLst/>
-              </a:prstGeom>
-              <a:ln w="19050"/>
-            </p:spPr>
-            <p:style>
-              <a:lnRef idx="2">
-                <a:schemeClr val="accent1"/>
-              </a:lnRef>
-              <a:fillRef idx="1">
-                <a:schemeClr val="lt1"/>
-              </a:fillRef>
-              <a:effectRef idx="0">
-                <a:schemeClr val="accent1"/>
-              </a:effectRef>
-              <a:fontRef idx="minor">
-                <a:schemeClr val="dk1"/>
-              </a:fontRef>
-            </p:style>
-            <p:txBody>
-              <a:bodyPr wrap="none" rtlCol="0">
-                <a:spAutoFit/>
-              </a:bodyPr>
-              <a:lstStyle/>
-              <a:p>
-                <a:pPr/>
-                <a14:m>
-                  <m:oMathPara xmlns:m="http://schemas.openxmlformats.org/officeDocument/2006/math">
-                    <m:oMathParaPr>
-                      <m:jc m:val="centerGroup"/>
-                    </m:oMathParaPr>
-                    <m:oMath xmlns:m="http://schemas.openxmlformats.org/officeDocument/2006/math">
-                      <m:r>
-                        <a:rPr lang="en-US" b="0" i="1" dirty="0" smtClean="0">
-                          <a:latin typeface="Cambria Math" panose="02040503050406030204" pitchFamily="18" charset="0"/>
-                        </a:rPr>
-                        <m:t>𝐵𝑀𝐼</m:t>
-                      </m:r>
-                      <m:r>
-                        <a:rPr lang="en-US" b="0" i="1" dirty="0" smtClean="0">
-                          <a:latin typeface="Cambria Math" panose="02040503050406030204" pitchFamily="18" charset="0"/>
-                        </a:rPr>
-                        <m:t>≤26.45</m:t>
-                      </m:r>
-                    </m:oMath>
-                  </m:oMathPara>
-                </a14:m>
-                <a:endParaRPr lang="en-US" b="0" i="1" dirty="0">
-                  <a:latin typeface="Cambria Math" panose="02040503050406030204" pitchFamily="18" charset="0"/>
-                </a:endParaRPr>
-              </a:p>
-              <a:p>
-                <a:pPr/>
-                <a:r>
-                  <a:rPr lang="en-US" i="1" dirty="0">
-                    <a:latin typeface="Cambria Math" panose="02040503050406030204" pitchFamily="18" charset="0"/>
-                  </a:rPr>
-                  <a:t>Entropy = 0.872</a:t>
-                </a:r>
-              </a:p>
-            </p:txBody>
-          </p:sp>
-        </mc:Choice>
-        <mc:Fallback>
-          <p:sp>
-            <p:nvSpPr>
-              <p:cNvPr id="5" name="TextBox 4">
-                <a:extLst>
-                  <a:ext uri="{FF2B5EF4-FFF2-40B4-BE49-F238E27FC236}">
-                    <a16:creationId xmlns:a16="http://schemas.microsoft.com/office/drawing/2014/main" id="{A8770969-E353-3CA4-2EA3-1A3A20A82E76}"/>
-                  </a:ext>
-                </a:extLst>
-              </p:cNvPr>
-              <p:cNvSpPr txBox="1">
-                <a:spLocks noRot="1" noChangeAspect="1" noMove="1" noResize="1" noEditPoints="1" noAdjustHandles="1" noChangeArrowheads="1" noChangeShapeType="1" noTextEdit="1"/>
-              </p:cNvSpPr>
-              <p:nvPr/>
-            </p:nvSpPr>
-            <p:spPr>
-              <a:xfrm>
-                <a:off x="148093" y="3335714"/>
-                <a:ext cx="1859420" cy="646331"/>
-              </a:xfrm>
-              <a:prstGeom prst="rect">
-                <a:avLst/>
-              </a:prstGeom>
-              <a:blipFill>
-                <a:blip r:embed="rId5"/>
-                <a:stretch>
-                  <a:fillRect l="-2273" b="-11009"/>
-                </a:stretch>
-              </a:blipFill>
-              <a:ln w="19050"/>
-            </p:spPr>
-            <p:txBody>
-              <a:bodyPr/>
-              <a:lstStyle/>
-              <a:p>
-                <a:r>
-                  <a:rPr lang="en-US">
-                    <a:noFill/>
-                  </a:rPr>
-                  <a:t> </a:t>
-                </a:r>
-              </a:p>
-            </p:txBody>
-          </p:sp>
-        </mc:Fallback>
-      </mc:AlternateContent>
-      <mc:AlternateContent xmlns:mc="http://schemas.openxmlformats.org/markup-compatibility/2006">
-        <mc:Choice xmlns:a14="http://schemas.microsoft.com/office/drawing/2010/main" Requires="a14">
-          <p:sp>
-            <p:nvSpPr>
-              <p:cNvPr id="7" name="TextBox 6">
-                <a:extLst>
-                  <a:ext uri="{FF2B5EF4-FFF2-40B4-BE49-F238E27FC236}">
-                    <a16:creationId xmlns:a16="http://schemas.microsoft.com/office/drawing/2014/main" id="{E50B4321-7BC9-0C9A-5769-7E95B40B37EC}"/>
-                  </a:ext>
-                </a:extLst>
-              </p:cNvPr>
-              <p:cNvSpPr txBox="1"/>
-              <p:nvPr/>
-            </p:nvSpPr>
-            <p:spPr>
-              <a:xfrm>
-                <a:off x="3298723" y="3335714"/>
-                <a:ext cx="1963166" cy="646331"/>
-              </a:xfrm>
-              <a:prstGeom prst="rect">
-                <a:avLst/>
-              </a:prstGeom>
-              <a:ln w="19050"/>
-            </p:spPr>
-            <p:style>
-              <a:lnRef idx="2">
-                <a:schemeClr val="accent1"/>
-              </a:lnRef>
-              <a:fillRef idx="1">
-                <a:schemeClr val="lt1"/>
-              </a:fillRef>
-              <a:effectRef idx="0">
-                <a:schemeClr val="accent1"/>
-              </a:effectRef>
-              <a:fontRef idx="minor">
-                <a:schemeClr val="dk1"/>
-              </a:fontRef>
-            </p:style>
-            <p:txBody>
-              <a:bodyPr wrap="none" rtlCol="0">
-                <a:spAutoFit/>
-              </a:bodyPr>
-              <a:lstStyle/>
-              <a:p>
-                <a:pPr/>
-                <a14:m>
-                  <m:oMathPara xmlns:m="http://schemas.openxmlformats.org/officeDocument/2006/math">
-                    <m:oMathParaPr>
-                      <m:jc m:val="centerGroup"/>
-                    </m:oMathParaPr>
-                    <m:oMath xmlns:m="http://schemas.openxmlformats.org/officeDocument/2006/math">
-                      <m:r>
-                        <a:rPr lang="en-US" b="0" i="1" dirty="0" smtClean="0">
-                          <a:latin typeface="Cambria Math" panose="02040503050406030204" pitchFamily="18" charset="0"/>
-                        </a:rPr>
-                        <m:t>𝐺𝑙𝑢𝑐𝑜𝑠𝑒</m:t>
-                      </m:r>
-                      <m:r>
-                        <a:rPr lang="en-US" b="0" i="1" dirty="0" smtClean="0">
-                          <a:latin typeface="Cambria Math" panose="02040503050406030204" pitchFamily="18" charset="0"/>
-                        </a:rPr>
-                        <m:t>≤154.5</m:t>
-                      </m:r>
-                    </m:oMath>
-                  </m:oMathPara>
-                </a14:m>
-                <a:endParaRPr lang="en-US" dirty="0"/>
-              </a:p>
-              <a:p>
-                <a:pPr/>
-                <a14:m>
-                  <m:oMathPara xmlns:m="http://schemas.openxmlformats.org/officeDocument/2006/math">
-                    <m:oMathParaPr>
-                      <m:jc m:val="centerGroup"/>
-                    </m:oMathParaPr>
-                    <m:oMath xmlns:m="http://schemas.openxmlformats.org/officeDocument/2006/math">
-                      <m:r>
-                        <a:rPr lang="en-US" b="0" i="1" dirty="0" smtClean="0">
-                          <a:latin typeface="Cambria Math" panose="02040503050406030204" pitchFamily="18" charset="0"/>
-                        </a:rPr>
-                        <m:t>𝐸𝑛𝑡𝑟𝑜𝑝𝑦</m:t>
-                      </m:r>
-                      <m:r>
-                        <a:rPr lang="en-US" b="0" i="1" dirty="0" smtClean="0">
-                          <a:latin typeface="Cambria Math" panose="02040503050406030204" pitchFamily="18" charset="0"/>
-                        </a:rPr>
-                        <m:t>=0.865</m:t>
-                      </m:r>
-                    </m:oMath>
-                  </m:oMathPara>
-                </a14:m>
-                <a:endParaRPr lang="en-US" dirty="0"/>
-              </a:p>
-            </p:txBody>
-          </p:sp>
-        </mc:Choice>
-        <mc:Fallback>
-          <p:sp>
-            <p:nvSpPr>
-              <p:cNvPr id="7" name="TextBox 6">
-                <a:extLst>
-                  <a:ext uri="{FF2B5EF4-FFF2-40B4-BE49-F238E27FC236}">
-                    <a16:creationId xmlns:a16="http://schemas.microsoft.com/office/drawing/2014/main" id="{E50B4321-7BC9-0C9A-5769-7E95B40B37EC}"/>
-                  </a:ext>
-                </a:extLst>
-              </p:cNvPr>
-              <p:cNvSpPr txBox="1">
-                <a:spLocks noRot="1" noChangeAspect="1" noMove="1" noResize="1" noEditPoints="1" noAdjustHandles="1" noChangeArrowheads="1" noChangeShapeType="1" noTextEdit="1"/>
-              </p:cNvSpPr>
-              <p:nvPr/>
-            </p:nvSpPr>
-            <p:spPr>
-              <a:xfrm>
-                <a:off x="3298723" y="3335714"/>
-                <a:ext cx="1963166" cy="646331"/>
-              </a:xfrm>
-              <a:prstGeom prst="rect">
-                <a:avLst/>
-              </a:prstGeom>
-              <a:blipFill>
-                <a:blip r:embed="rId6"/>
-                <a:stretch>
-                  <a:fillRect b="-4587"/>
-                </a:stretch>
-              </a:blipFill>
-              <a:ln w="19050"/>
-            </p:spPr>
-            <p:txBody>
-              <a:bodyPr/>
-              <a:lstStyle/>
-              <a:p>
-                <a:r>
-                  <a:rPr lang="en-US">
-                    <a:noFill/>
-                  </a:rPr>
-                  <a:t> </a:t>
-                </a:r>
-              </a:p>
-            </p:txBody>
-          </p:sp>
-        </mc:Fallback>
-      </mc:AlternateContent>
-      <p:cxnSp>
-        <p:nvCxnSpPr>
-          <p:cNvPr id="8" name="Straight Arrow Connector 7">
+      <p:grpSp>
+        <p:nvGrpSpPr>
+          <p:cNvPr id="16" name="Group 15">
             <a:extLst>
               <a:ext uri="{FF2B5EF4-FFF2-40B4-BE49-F238E27FC236}">
-                <a16:creationId xmlns:a16="http://schemas.microsoft.com/office/drawing/2014/main" id="{E9DC2C04-5AFD-3D1C-73E6-218A7859CB55}"/>
+                <a16:creationId xmlns:a16="http://schemas.microsoft.com/office/drawing/2014/main" id="{623951DE-4257-F702-96FC-1E676E64FE83}"/>
               </a:ext>
             </a:extLst>
           </p:cNvPr>
-          <p:cNvCxnSpPr>
-            <a:stCxn id="4" idx="2"/>
-            <a:endCxn id="5" idx="0"/>
-          </p:cNvCxnSpPr>
+          <p:cNvGrpSpPr/>
           <p:nvPr/>
-        </p:nvCxnSpPr>
-        <p:spPr>
-          <a:xfrm flipH="1">
-            <a:off x="1077803" y="2012722"/>
-            <a:ext cx="1516388" cy="1322992"/>
+        </p:nvGrpSpPr>
+        <p:grpSpPr>
+          <a:xfrm>
+            <a:off x="838200" y="1705072"/>
+            <a:ext cx="8997598" cy="4300120"/>
+            <a:chOff x="-1756209" y="1366391"/>
+            <a:chExt cx="8997598" cy="4300120"/>
           </a:xfrm>
-          <a:prstGeom prst="straightConnector1">
-            <a:avLst/>
-          </a:prstGeom>
-          <a:ln w="19050">
-            <a:tailEnd type="triangle"/>
-          </a:ln>
-        </p:spPr>
-        <p:style>
-          <a:lnRef idx="1">
-            <a:schemeClr val="accent1"/>
-          </a:lnRef>
-          <a:fillRef idx="0">
-            <a:schemeClr val="accent1"/>
-          </a:fillRef>
-          <a:effectRef idx="0">
-            <a:schemeClr val="accent1"/>
-          </a:effectRef>
-          <a:fontRef idx="minor">
-            <a:schemeClr val="tx1"/>
-          </a:fontRef>
-        </p:style>
-      </p:cxnSp>
-      <p:cxnSp>
-        <p:nvCxnSpPr>
-          <p:cNvPr id="10" name="Straight Arrow Connector 9">
-            <a:extLst>
-              <a:ext uri="{FF2B5EF4-FFF2-40B4-BE49-F238E27FC236}">
-                <a16:creationId xmlns:a16="http://schemas.microsoft.com/office/drawing/2014/main" id="{A5DDBE92-E5D1-EC99-138E-CAB70E50438E}"/>
-              </a:ext>
-            </a:extLst>
-          </p:cNvPr>
-          <p:cNvCxnSpPr>
-            <a:stCxn id="4" idx="2"/>
-            <a:endCxn id="7" idx="0"/>
-          </p:cNvCxnSpPr>
-          <p:nvPr/>
-        </p:nvCxnSpPr>
-        <p:spPr>
-          <a:xfrm>
-            <a:off x="2594191" y="2012722"/>
-            <a:ext cx="1686115" cy="1322992"/>
-          </a:xfrm>
-          <a:prstGeom prst="straightConnector1">
-            <a:avLst/>
-          </a:prstGeom>
-          <a:ln w="19050">
-            <a:tailEnd type="triangle"/>
-          </a:ln>
-        </p:spPr>
-        <p:style>
-          <a:lnRef idx="1">
-            <a:schemeClr val="accent1"/>
-          </a:lnRef>
-          <a:fillRef idx="0">
-            <a:schemeClr val="accent1"/>
-          </a:fillRef>
-          <a:effectRef idx="0">
-            <a:schemeClr val="accent1"/>
-          </a:effectRef>
-          <a:fontRef idx="minor">
-            <a:schemeClr val="tx1"/>
-          </a:fontRef>
-        </p:style>
-      </p:cxnSp>
-      <p:sp>
-        <p:nvSpPr>
-          <p:cNvPr id="12" name="TextBox 11">
-            <a:extLst>
-              <a:ext uri="{FF2B5EF4-FFF2-40B4-BE49-F238E27FC236}">
-                <a16:creationId xmlns:a16="http://schemas.microsoft.com/office/drawing/2014/main" id="{0F89A906-0768-6242-24DB-901A4B6EDB59}"/>
-              </a:ext>
-            </a:extLst>
-          </p:cNvPr>
-          <p:cNvSpPr txBox="1"/>
-          <p:nvPr/>
-        </p:nvSpPr>
-        <p:spPr>
-          <a:xfrm>
-            <a:off x="1963787" y="5297179"/>
-            <a:ext cx="1817742" cy="369332"/>
-          </a:xfrm>
-          <a:prstGeom prst="rect">
-            <a:avLst/>
-          </a:prstGeom>
-          <a:ln w="19050"/>
-        </p:spPr>
-        <p:style>
-          <a:lnRef idx="2">
-            <a:schemeClr val="accent1"/>
-          </a:lnRef>
-          <a:fillRef idx="1">
-            <a:schemeClr val="lt1"/>
-          </a:fillRef>
-          <a:effectRef idx="0">
-            <a:schemeClr val="accent1"/>
-          </a:effectRef>
-          <a:fontRef idx="minor">
-            <a:schemeClr val="dk1"/>
-          </a:fontRef>
-        </p:style>
-        <p:txBody>
-          <a:bodyPr wrap="none" rtlCol="0">
-            <a:spAutoFit/>
-          </a:bodyPr>
-          <a:lstStyle/>
-          <a:p>
-            <a:pPr/>
-            <a:r>
-              <a:rPr lang="en-US" i="1" dirty="0">
-                <a:latin typeface="Cambria Math" panose="02040503050406030204" pitchFamily="18" charset="0"/>
-              </a:rPr>
-              <a:t>Entropy = 0.974</a:t>
-            </a:r>
-          </a:p>
-        </p:txBody>
-      </p:sp>
-      <mc:AlternateContent xmlns:mc="http://schemas.openxmlformats.org/markup-compatibility/2006">
-        <mc:Choice xmlns:a14="http://schemas.microsoft.com/office/drawing/2010/main" Requires="a14">
-          <p:sp>
-            <p:nvSpPr>
-              <p:cNvPr id="13" name="TextBox 12">
-                <a:extLst>
-                  <a:ext uri="{FF2B5EF4-FFF2-40B4-BE49-F238E27FC236}">
-                    <a16:creationId xmlns:a16="http://schemas.microsoft.com/office/drawing/2014/main" id="{0D183355-57BD-5E45-5D67-6ED37915B225}"/>
-                  </a:ext>
-                </a:extLst>
-              </p:cNvPr>
-              <p:cNvSpPr txBox="1"/>
-              <p:nvPr/>
-            </p:nvSpPr>
-            <p:spPr>
-              <a:xfrm>
-                <a:off x="5114417" y="5297179"/>
-                <a:ext cx="1963166" cy="369332"/>
-              </a:xfrm>
-              <a:prstGeom prst="rect">
-                <a:avLst/>
-              </a:prstGeom>
-              <a:ln w="19050"/>
-            </p:spPr>
-            <p:style>
-              <a:lnRef idx="2">
-                <a:schemeClr val="accent1"/>
-              </a:lnRef>
-              <a:fillRef idx="1">
-                <a:schemeClr val="lt1"/>
-              </a:fillRef>
-              <a:effectRef idx="0">
-                <a:schemeClr val="accent1"/>
-              </a:effectRef>
-              <a:fontRef idx="minor">
-                <a:schemeClr val="dk1"/>
-              </a:fontRef>
-            </p:style>
-            <p:txBody>
-              <a:bodyPr wrap="none" rtlCol="0">
-                <a:spAutoFit/>
-              </a:bodyPr>
-              <a:lstStyle/>
-              <a:p>
-                <a:pPr/>
-                <a14:m>
-                  <m:oMathPara xmlns:m="http://schemas.openxmlformats.org/officeDocument/2006/math">
-                    <m:oMathParaPr>
-                      <m:jc m:val="centerGroup"/>
-                    </m:oMathParaPr>
-                    <m:oMath xmlns:m="http://schemas.openxmlformats.org/officeDocument/2006/math">
-                      <m:r>
-                        <a:rPr lang="en-US" b="0" i="1" dirty="0" smtClean="0">
-                          <a:latin typeface="Cambria Math" panose="02040503050406030204" pitchFamily="18" charset="0"/>
-                        </a:rPr>
-                        <m:t>𝐸𝑛𝑡𝑟𝑜𝑝𝑦</m:t>
-                      </m:r>
-                      <m:r>
-                        <a:rPr lang="en-US" b="0" i="1" dirty="0" smtClean="0">
-                          <a:latin typeface="Cambria Math" panose="02040503050406030204" pitchFamily="18" charset="0"/>
-                        </a:rPr>
-                        <m:t>=0.537</m:t>
-                      </m:r>
-                    </m:oMath>
-                  </m:oMathPara>
-                </a14:m>
-                <a:endParaRPr lang="en-US" dirty="0"/>
-              </a:p>
-            </p:txBody>
-          </p:sp>
-        </mc:Choice>
-        <mc:Fallback>
-          <p:sp>
-            <p:nvSpPr>
-              <p:cNvPr id="13" name="TextBox 12">
-                <a:extLst>
-                  <a:ext uri="{FF2B5EF4-FFF2-40B4-BE49-F238E27FC236}">
-                    <a16:creationId xmlns:a16="http://schemas.microsoft.com/office/drawing/2014/main" id="{0D183355-57BD-5E45-5D67-6ED37915B225}"/>
-                  </a:ext>
-                </a:extLst>
-              </p:cNvPr>
-              <p:cNvSpPr txBox="1">
-                <a:spLocks noRot="1" noChangeAspect="1" noMove="1" noResize="1" noEditPoints="1" noAdjustHandles="1" noChangeArrowheads="1" noChangeShapeType="1" noTextEdit="1"/>
-              </p:cNvSpPr>
-              <p:nvPr/>
-            </p:nvSpPr>
-            <p:spPr>
-              <a:xfrm>
-                <a:off x="5114417" y="5297179"/>
-                <a:ext cx="1963166" cy="369332"/>
-              </a:xfrm>
-              <a:prstGeom prst="rect">
-                <a:avLst/>
-              </a:prstGeom>
-              <a:blipFill>
-                <a:blip r:embed="rId7"/>
-                <a:stretch>
-                  <a:fillRect b="-7813"/>
-                </a:stretch>
-              </a:blipFill>
-              <a:ln w="19050"/>
-            </p:spPr>
-            <p:txBody>
-              <a:bodyPr/>
-              <a:lstStyle/>
-              <a:p>
-                <a:r>
-                  <a:rPr lang="en-US">
-                    <a:noFill/>
-                  </a:rPr>
-                  <a:t> </a:t>
-                </a:r>
-              </a:p>
-            </p:txBody>
-          </p:sp>
-        </mc:Fallback>
-      </mc:AlternateContent>
-      <p:cxnSp>
-        <p:nvCxnSpPr>
-          <p:cNvPr id="14" name="Straight Arrow Connector 13">
-            <a:extLst>
-              <a:ext uri="{FF2B5EF4-FFF2-40B4-BE49-F238E27FC236}">
-                <a16:creationId xmlns:a16="http://schemas.microsoft.com/office/drawing/2014/main" id="{0C6167E6-E638-4DEA-5248-988B740A16E6}"/>
-              </a:ext>
-            </a:extLst>
-          </p:cNvPr>
-          <p:cNvCxnSpPr>
-            <a:endCxn id="12" idx="0"/>
-          </p:cNvCxnSpPr>
-          <p:nvPr/>
-        </p:nvCxnSpPr>
-        <p:spPr>
-          <a:xfrm flipH="1">
-            <a:off x="2872658" y="3974187"/>
-            <a:ext cx="1537227" cy="1322992"/>
-          </a:xfrm>
-          <a:prstGeom prst="straightConnector1">
-            <a:avLst/>
-          </a:prstGeom>
-          <a:ln w="19050">
-            <a:tailEnd type="triangle"/>
-          </a:ln>
-        </p:spPr>
-        <p:style>
-          <a:lnRef idx="1">
-            <a:schemeClr val="accent1"/>
-          </a:lnRef>
-          <a:fillRef idx="0">
-            <a:schemeClr val="accent1"/>
-          </a:fillRef>
-          <a:effectRef idx="0">
-            <a:schemeClr val="accent1"/>
-          </a:effectRef>
-          <a:fontRef idx="minor">
-            <a:schemeClr val="tx1"/>
-          </a:fontRef>
-        </p:style>
-      </p:cxnSp>
-      <p:cxnSp>
-        <p:nvCxnSpPr>
-          <p:cNvPr id="15" name="Straight Arrow Connector 14">
-            <a:extLst>
-              <a:ext uri="{FF2B5EF4-FFF2-40B4-BE49-F238E27FC236}">
-                <a16:creationId xmlns:a16="http://schemas.microsoft.com/office/drawing/2014/main" id="{3ACC5DDF-5A4B-9B63-2954-720DE65739EB}"/>
-              </a:ext>
-            </a:extLst>
-          </p:cNvPr>
-          <p:cNvCxnSpPr>
-            <a:endCxn id="13" idx="0"/>
-          </p:cNvCxnSpPr>
-          <p:nvPr/>
-        </p:nvCxnSpPr>
-        <p:spPr>
-          <a:xfrm>
-            <a:off x="4409885" y="3974187"/>
-            <a:ext cx="1686115" cy="1322992"/>
-          </a:xfrm>
-          <a:prstGeom prst="straightConnector1">
-            <a:avLst/>
-          </a:prstGeom>
-          <a:ln w="19050">
-            <a:tailEnd type="triangle"/>
-          </a:ln>
-        </p:spPr>
-        <p:style>
-          <a:lnRef idx="1">
-            <a:schemeClr val="accent1"/>
-          </a:lnRef>
-          <a:fillRef idx="0">
-            <a:schemeClr val="accent1"/>
-          </a:fillRef>
-          <a:effectRef idx="0">
-            <a:schemeClr val="accent1"/>
-          </a:effectRef>
-          <a:fontRef idx="minor">
-            <a:schemeClr val="tx1"/>
-          </a:fontRef>
-        </p:style>
-      </p:cxnSp>
+        </p:grpSpPr>
+        <mc:AlternateContent xmlns:mc="http://schemas.openxmlformats.org/markup-compatibility/2006">
+          <mc:Choice xmlns:a14="http://schemas.microsoft.com/office/drawing/2010/main" Requires="a14">
+            <p:sp>
+              <p:nvSpPr>
+                <p:cNvPr id="4" name="TextBox 3">
+                  <a:extLst>
+                    <a:ext uri="{FF2B5EF4-FFF2-40B4-BE49-F238E27FC236}">
+                      <a16:creationId xmlns:a16="http://schemas.microsoft.com/office/drawing/2014/main" id="{53634838-459F-7A46-D2E4-3C0DF67EA9FB}"/>
+                    </a:ext>
+                  </a:extLst>
+                </p:cNvPr>
+                <p:cNvSpPr txBox="1"/>
+                <p:nvPr/>
+              </p:nvSpPr>
+              <p:spPr>
+                <a:xfrm>
+                  <a:off x="1640917" y="1366391"/>
+                  <a:ext cx="1906548" cy="646331"/>
+                </a:xfrm>
+                <a:prstGeom prst="rect">
+                  <a:avLst/>
+                </a:prstGeom>
+                <a:ln w="19050"/>
+              </p:spPr>
+              <p:style>
+                <a:lnRef idx="2">
+                  <a:schemeClr val="accent1"/>
+                </a:lnRef>
+                <a:fillRef idx="1">
+                  <a:schemeClr val="lt1"/>
+                </a:fillRef>
+                <a:effectRef idx="0">
+                  <a:schemeClr val="accent1"/>
+                </a:effectRef>
+                <a:fontRef idx="minor">
+                  <a:schemeClr val="dk1"/>
+                </a:fontRef>
+              </p:style>
+              <p:txBody>
+                <a:bodyPr wrap="none" rtlCol="0">
+                  <a:spAutoFit/>
+                </a:bodyPr>
+                <a:lstStyle/>
+                <a:p>
+                  <a:pPr/>
+                  <a14:m>
+                    <m:oMathPara xmlns:m="http://schemas.openxmlformats.org/officeDocument/2006/math">
+                      <m:oMathParaPr>
+                        <m:jc m:val="centerGroup"/>
+                      </m:oMathParaPr>
+                      <m:oMath xmlns:m="http://schemas.openxmlformats.org/officeDocument/2006/math">
+                        <m:r>
+                          <a:rPr lang="en-US" b="0" i="1" dirty="0" smtClean="0">
+                            <a:latin typeface="Cambria Math" panose="02040503050406030204" pitchFamily="18" charset="0"/>
+                          </a:rPr>
+                          <m:t>𝐺𝑙𝑢𝑐𝑜𝑠𝑒</m:t>
+                        </m:r>
+                        <m:r>
+                          <a:rPr lang="en-US" i="1" dirty="0" smtClean="0">
+                            <a:latin typeface="Cambria Math" panose="02040503050406030204" pitchFamily="18" charset="0"/>
+                          </a:rPr>
+                          <m:t>≤</m:t>
+                        </m:r>
+                        <m:r>
+                          <a:rPr lang="en-US" b="0" i="1" dirty="0" smtClean="0">
+                            <a:latin typeface="Cambria Math" panose="02040503050406030204" pitchFamily="18" charset="0"/>
+                          </a:rPr>
+                          <m:t>1</m:t>
+                        </m:r>
+                        <m:r>
+                          <a:rPr lang="en-US" i="1" dirty="0" smtClean="0">
+                            <a:latin typeface="Cambria Math" panose="02040503050406030204" pitchFamily="18" charset="0"/>
+                          </a:rPr>
+                          <m:t>2</m:t>
+                        </m:r>
+                        <m:r>
+                          <a:rPr lang="en-US" b="0" i="1" dirty="0" smtClean="0">
+                            <a:latin typeface="Cambria Math" panose="02040503050406030204" pitchFamily="18" charset="0"/>
+                          </a:rPr>
+                          <m:t>3</m:t>
+                        </m:r>
+                        <m:r>
+                          <a:rPr lang="en-US" i="1" dirty="0" smtClean="0">
+                            <a:latin typeface="Cambria Math" panose="02040503050406030204" pitchFamily="18" charset="0"/>
+                          </a:rPr>
+                          <m:t>.5</m:t>
+                        </m:r>
+                      </m:oMath>
+                    </m:oMathPara>
+                  </a14:m>
+                  <a:endParaRPr lang="en-US" dirty="0"/>
+                </a:p>
+                <a:p>
+                  <a:pPr/>
+                  <a14:m>
+                    <m:oMathPara xmlns:m="http://schemas.openxmlformats.org/officeDocument/2006/math">
+                      <m:oMathParaPr>
+                        <m:jc m:val="centerGroup"/>
+                      </m:oMathParaPr>
+                      <m:oMath xmlns:m="http://schemas.openxmlformats.org/officeDocument/2006/math">
+                        <m:r>
+                          <a:rPr lang="en-US" i="1" dirty="0" smtClean="0">
+                            <a:latin typeface="Cambria Math" panose="02040503050406030204" pitchFamily="18" charset="0"/>
+                          </a:rPr>
+                          <m:t>𝐸𝑛𝑡𝑟𝑜𝑝𝑦</m:t>
+                        </m:r>
+                        <m:r>
+                          <a:rPr lang="en-US" i="1" dirty="0" smtClean="0">
+                            <a:latin typeface="Cambria Math" panose="02040503050406030204" pitchFamily="18" charset="0"/>
+                          </a:rPr>
+                          <m:t> =1.0</m:t>
+                        </m:r>
+                      </m:oMath>
+                    </m:oMathPara>
+                  </a14:m>
+                  <a:endParaRPr lang="en-US" dirty="0"/>
+                </a:p>
+              </p:txBody>
+            </p:sp>
+          </mc:Choice>
+          <mc:Fallback>
+            <p:sp>
+              <p:nvSpPr>
+                <p:cNvPr id="4" name="TextBox 3">
+                  <a:extLst>
+                    <a:ext uri="{FF2B5EF4-FFF2-40B4-BE49-F238E27FC236}">
+                      <a16:creationId xmlns:a16="http://schemas.microsoft.com/office/drawing/2014/main" id="{53634838-459F-7A46-D2E4-3C0DF67EA9FB}"/>
+                    </a:ext>
+                  </a:extLst>
+                </p:cNvPr>
+                <p:cNvSpPr txBox="1">
+                  <a:spLocks noRot="1" noChangeAspect="1" noMove="1" noResize="1" noEditPoints="1" noAdjustHandles="1" noChangeArrowheads="1" noChangeShapeType="1" noTextEdit="1"/>
+                </p:cNvSpPr>
+                <p:nvPr/>
+              </p:nvSpPr>
+              <p:spPr>
+                <a:xfrm>
+                  <a:off x="1640917" y="1366391"/>
+                  <a:ext cx="1906548" cy="646331"/>
+                </a:xfrm>
+                <a:prstGeom prst="rect">
+                  <a:avLst/>
+                </a:prstGeom>
+                <a:blipFill>
+                  <a:blip r:embed="rId3"/>
+                  <a:stretch>
+                    <a:fillRect b="-4587"/>
+                  </a:stretch>
+                </a:blipFill>
+                <a:ln w="19050"/>
+              </p:spPr>
+              <p:txBody>
+                <a:bodyPr/>
+                <a:lstStyle/>
+                <a:p>
+                  <a:r>
+                    <a:rPr lang="en-AU">
+                      <a:noFill/>
+                    </a:rPr>
+                    <a:t> </a:t>
+                  </a:r>
+                </a:p>
+              </p:txBody>
+            </p:sp>
+          </mc:Fallback>
+        </mc:AlternateContent>
+        <mc:AlternateContent xmlns:mc="http://schemas.openxmlformats.org/markup-compatibility/2006">
+          <mc:Choice xmlns:a14="http://schemas.microsoft.com/office/drawing/2010/main" Requires="a14">
+            <p:sp>
+              <p:nvSpPr>
+                <p:cNvPr id="5" name="TextBox 4">
+                  <a:extLst>
+                    <a:ext uri="{FF2B5EF4-FFF2-40B4-BE49-F238E27FC236}">
+                      <a16:creationId xmlns:a16="http://schemas.microsoft.com/office/drawing/2014/main" id="{A8770969-E353-3CA4-2EA3-1A3A20A82E76}"/>
+                    </a:ext>
+                  </a:extLst>
+                </p:cNvPr>
+                <p:cNvSpPr txBox="1"/>
+                <p:nvPr/>
+              </p:nvSpPr>
+              <p:spPr>
+                <a:xfrm>
+                  <a:off x="-750206" y="3328419"/>
+                  <a:ext cx="1859420" cy="646331"/>
+                </a:xfrm>
+                <a:prstGeom prst="rect">
+                  <a:avLst/>
+                </a:prstGeom>
+                <a:ln w="19050"/>
+              </p:spPr>
+              <p:style>
+                <a:lnRef idx="2">
+                  <a:schemeClr val="accent1"/>
+                </a:lnRef>
+                <a:fillRef idx="1">
+                  <a:schemeClr val="lt1"/>
+                </a:fillRef>
+                <a:effectRef idx="0">
+                  <a:schemeClr val="accent1"/>
+                </a:effectRef>
+                <a:fontRef idx="minor">
+                  <a:schemeClr val="dk1"/>
+                </a:fontRef>
+              </p:style>
+              <p:txBody>
+                <a:bodyPr wrap="none" rtlCol="0">
+                  <a:spAutoFit/>
+                </a:bodyPr>
+                <a:lstStyle/>
+                <a:p>
+                  <a:pPr/>
+                  <a14:m>
+                    <m:oMathPara xmlns:m="http://schemas.openxmlformats.org/officeDocument/2006/math">
+                      <m:oMathParaPr>
+                        <m:jc m:val="centerGroup"/>
+                      </m:oMathParaPr>
+                      <m:oMath xmlns:m="http://schemas.openxmlformats.org/officeDocument/2006/math">
+                        <m:r>
+                          <a:rPr lang="en-US" b="0" i="1" dirty="0" smtClean="0">
+                            <a:latin typeface="Cambria Math" panose="02040503050406030204" pitchFamily="18" charset="0"/>
+                          </a:rPr>
+                          <m:t>𝐵𝑀𝐼</m:t>
+                        </m:r>
+                        <m:r>
+                          <a:rPr lang="en-US" b="0" i="1" dirty="0" smtClean="0">
+                            <a:latin typeface="Cambria Math" panose="02040503050406030204" pitchFamily="18" charset="0"/>
+                          </a:rPr>
+                          <m:t>≤26.45</m:t>
+                        </m:r>
+                      </m:oMath>
+                    </m:oMathPara>
+                  </a14:m>
+                  <a:endParaRPr lang="en-US" b="0" i="1" dirty="0">
+                    <a:latin typeface="Cambria Math" panose="02040503050406030204" pitchFamily="18" charset="0"/>
+                  </a:endParaRPr>
+                </a:p>
+                <a:p>
+                  <a:r>
+                    <a:rPr lang="en-US" i="1" dirty="0">
+                      <a:latin typeface="Cambria Math" panose="02040503050406030204" pitchFamily="18" charset="0"/>
+                    </a:rPr>
+                    <a:t>Entropy = 0.872</a:t>
+                  </a:r>
+                </a:p>
+              </p:txBody>
+            </p:sp>
+          </mc:Choice>
+          <mc:Fallback>
+            <p:sp>
+              <p:nvSpPr>
+                <p:cNvPr id="5" name="TextBox 4">
+                  <a:extLst>
+                    <a:ext uri="{FF2B5EF4-FFF2-40B4-BE49-F238E27FC236}">
+                      <a16:creationId xmlns:a16="http://schemas.microsoft.com/office/drawing/2014/main" id="{A8770969-E353-3CA4-2EA3-1A3A20A82E76}"/>
+                    </a:ext>
+                  </a:extLst>
+                </p:cNvPr>
+                <p:cNvSpPr txBox="1">
+                  <a:spLocks noRot="1" noChangeAspect="1" noMove="1" noResize="1" noEditPoints="1" noAdjustHandles="1" noChangeArrowheads="1" noChangeShapeType="1" noTextEdit="1"/>
+                </p:cNvSpPr>
+                <p:nvPr/>
+              </p:nvSpPr>
+              <p:spPr>
+                <a:xfrm>
+                  <a:off x="-750206" y="3328419"/>
+                  <a:ext cx="1859420" cy="646331"/>
+                </a:xfrm>
+                <a:prstGeom prst="rect">
+                  <a:avLst/>
+                </a:prstGeom>
+                <a:blipFill>
+                  <a:blip r:embed="rId4"/>
+                  <a:stretch>
+                    <a:fillRect l="-2597" b="-11009"/>
+                  </a:stretch>
+                </a:blipFill>
+                <a:ln w="19050"/>
+              </p:spPr>
+              <p:txBody>
+                <a:bodyPr/>
+                <a:lstStyle/>
+                <a:p>
+                  <a:r>
+                    <a:rPr lang="en-AU">
+                      <a:noFill/>
+                    </a:rPr>
+                    <a:t> </a:t>
+                  </a:r>
+                </a:p>
+              </p:txBody>
+            </p:sp>
+          </mc:Fallback>
+        </mc:AlternateContent>
+        <mc:AlternateContent xmlns:mc="http://schemas.openxmlformats.org/markup-compatibility/2006">
+          <mc:Choice xmlns:a14="http://schemas.microsoft.com/office/drawing/2010/main" Requires="a14">
+            <p:sp>
+              <p:nvSpPr>
+                <p:cNvPr id="7" name="TextBox 6">
+                  <a:extLst>
+                    <a:ext uri="{FF2B5EF4-FFF2-40B4-BE49-F238E27FC236}">
+                      <a16:creationId xmlns:a16="http://schemas.microsoft.com/office/drawing/2014/main" id="{E50B4321-7BC9-0C9A-5769-7E95B40B37EC}"/>
+                    </a:ext>
+                  </a:extLst>
+                </p:cNvPr>
+                <p:cNvSpPr txBox="1"/>
+                <p:nvPr/>
+              </p:nvSpPr>
+              <p:spPr>
+                <a:xfrm>
+                  <a:off x="4232926" y="3328419"/>
+                  <a:ext cx="1963166" cy="646331"/>
+                </a:xfrm>
+                <a:prstGeom prst="rect">
+                  <a:avLst/>
+                </a:prstGeom>
+                <a:ln w="19050"/>
+              </p:spPr>
+              <p:style>
+                <a:lnRef idx="2">
+                  <a:schemeClr val="accent1"/>
+                </a:lnRef>
+                <a:fillRef idx="1">
+                  <a:schemeClr val="lt1"/>
+                </a:fillRef>
+                <a:effectRef idx="0">
+                  <a:schemeClr val="accent1"/>
+                </a:effectRef>
+                <a:fontRef idx="minor">
+                  <a:schemeClr val="dk1"/>
+                </a:fontRef>
+              </p:style>
+              <p:txBody>
+                <a:bodyPr wrap="none" rtlCol="0">
+                  <a:spAutoFit/>
+                </a:bodyPr>
+                <a:lstStyle/>
+                <a:p>
+                  <a:pPr/>
+                  <a14:m>
+                    <m:oMathPara xmlns:m="http://schemas.openxmlformats.org/officeDocument/2006/math">
+                      <m:oMathParaPr>
+                        <m:jc m:val="centerGroup"/>
+                      </m:oMathParaPr>
+                      <m:oMath xmlns:m="http://schemas.openxmlformats.org/officeDocument/2006/math">
+                        <m:r>
+                          <a:rPr lang="en-US" b="0" i="1" dirty="0" smtClean="0">
+                            <a:latin typeface="Cambria Math" panose="02040503050406030204" pitchFamily="18" charset="0"/>
+                          </a:rPr>
+                          <m:t>𝐺𝑙𝑢𝑐𝑜𝑠𝑒</m:t>
+                        </m:r>
+                        <m:r>
+                          <a:rPr lang="en-US" b="0" i="1" dirty="0" smtClean="0">
+                            <a:latin typeface="Cambria Math" panose="02040503050406030204" pitchFamily="18" charset="0"/>
+                          </a:rPr>
+                          <m:t>≤154.5</m:t>
+                        </m:r>
+                      </m:oMath>
+                    </m:oMathPara>
+                  </a14:m>
+                  <a:endParaRPr lang="en-US" dirty="0"/>
+                </a:p>
+                <a:p>
+                  <a:pPr/>
+                  <a14:m>
+                    <m:oMathPara xmlns:m="http://schemas.openxmlformats.org/officeDocument/2006/math">
+                      <m:oMathParaPr>
+                        <m:jc m:val="centerGroup"/>
+                      </m:oMathParaPr>
+                      <m:oMath xmlns:m="http://schemas.openxmlformats.org/officeDocument/2006/math">
+                        <m:r>
+                          <a:rPr lang="en-US" b="0" i="1" dirty="0" smtClean="0">
+                            <a:latin typeface="Cambria Math" panose="02040503050406030204" pitchFamily="18" charset="0"/>
+                          </a:rPr>
+                          <m:t>𝐸𝑛𝑡𝑟𝑜𝑝𝑦</m:t>
+                        </m:r>
+                        <m:r>
+                          <a:rPr lang="en-US" b="0" i="1" dirty="0" smtClean="0">
+                            <a:latin typeface="Cambria Math" panose="02040503050406030204" pitchFamily="18" charset="0"/>
+                          </a:rPr>
+                          <m:t>=0.865</m:t>
+                        </m:r>
+                      </m:oMath>
+                    </m:oMathPara>
+                  </a14:m>
+                  <a:endParaRPr lang="en-US" dirty="0"/>
+                </a:p>
+              </p:txBody>
+            </p:sp>
+          </mc:Choice>
+          <mc:Fallback>
+            <p:sp>
+              <p:nvSpPr>
+                <p:cNvPr id="7" name="TextBox 6">
+                  <a:extLst>
+                    <a:ext uri="{FF2B5EF4-FFF2-40B4-BE49-F238E27FC236}">
+                      <a16:creationId xmlns:a16="http://schemas.microsoft.com/office/drawing/2014/main" id="{E50B4321-7BC9-0C9A-5769-7E95B40B37EC}"/>
+                    </a:ext>
+                  </a:extLst>
+                </p:cNvPr>
+                <p:cNvSpPr txBox="1">
+                  <a:spLocks noRot="1" noChangeAspect="1" noMove="1" noResize="1" noEditPoints="1" noAdjustHandles="1" noChangeArrowheads="1" noChangeShapeType="1" noTextEdit="1"/>
+                </p:cNvSpPr>
+                <p:nvPr/>
+              </p:nvSpPr>
+              <p:spPr>
+                <a:xfrm>
+                  <a:off x="4232926" y="3328419"/>
+                  <a:ext cx="1963166" cy="646331"/>
+                </a:xfrm>
+                <a:prstGeom prst="rect">
+                  <a:avLst/>
+                </a:prstGeom>
+                <a:blipFill>
+                  <a:blip r:embed="rId5"/>
+                  <a:stretch>
+                    <a:fillRect b="-4587"/>
+                  </a:stretch>
+                </a:blipFill>
+                <a:ln w="19050"/>
+              </p:spPr>
+              <p:txBody>
+                <a:bodyPr/>
+                <a:lstStyle/>
+                <a:p>
+                  <a:r>
+                    <a:rPr lang="en-AU">
+                      <a:noFill/>
+                    </a:rPr>
+                    <a:t> </a:t>
+                  </a:r>
+                </a:p>
+              </p:txBody>
+            </p:sp>
+          </mc:Fallback>
+        </mc:AlternateContent>
+        <p:cxnSp>
+          <p:nvCxnSpPr>
+            <p:cNvPr id="8" name="Straight Arrow Connector 7">
+              <a:extLst>
+                <a:ext uri="{FF2B5EF4-FFF2-40B4-BE49-F238E27FC236}">
+                  <a16:creationId xmlns:a16="http://schemas.microsoft.com/office/drawing/2014/main" id="{E9DC2C04-5AFD-3D1C-73E6-218A7859CB55}"/>
+                </a:ext>
+              </a:extLst>
+            </p:cNvPr>
+            <p:cNvCxnSpPr>
+              <a:stCxn id="4" idx="2"/>
+              <a:endCxn id="5" idx="0"/>
+            </p:cNvCxnSpPr>
+            <p:nvPr/>
+          </p:nvCxnSpPr>
+          <p:spPr>
+            <a:xfrm flipH="1">
+              <a:off x="179504" y="2012722"/>
+              <a:ext cx="2414687" cy="1315697"/>
+            </a:xfrm>
+            <a:prstGeom prst="straightConnector1">
+              <a:avLst/>
+            </a:prstGeom>
+            <a:ln w="19050">
+              <a:tailEnd type="triangle"/>
+            </a:ln>
+          </p:spPr>
+          <p:style>
+            <a:lnRef idx="1">
+              <a:schemeClr val="accent1"/>
+            </a:lnRef>
+            <a:fillRef idx="0">
+              <a:schemeClr val="accent1"/>
+            </a:fillRef>
+            <a:effectRef idx="0">
+              <a:schemeClr val="accent1"/>
+            </a:effectRef>
+            <a:fontRef idx="minor">
+              <a:schemeClr val="tx1"/>
+            </a:fontRef>
+          </p:style>
+        </p:cxnSp>
+        <p:cxnSp>
+          <p:nvCxnSpPr>
+            <p:cNvPr id="10" name="Straight Arrow Connector 9">
+              <a:extLst>
+                <a:ext uri="{FF2B5EF4-FFF2-40B4-BE49-F238E27FC236}">
+                  <a16:creationId xmlns:a16="http://schemas.microsoft.com/office/drawing/2014/main" id="{A5DDBE92-E5D1-EC99-138E-CAB70E50438E}"/>
+                </a:ext>
+              </a:extLst>
+            </p:cNvPr>
+            <p:cNvCxnSpPr>
+              <a:stCxn id="4" idx="2"/>
+              <a:endCxn id="7" idx="0"/>
+            </p:cNvCxnSpPr>
+            <p:nvPr/>
+          </p:nvCxnSpPr>
+          <p:spPr>
+            <a:xfrm>
+              <a:off x="2594191" y="2012722"/>
+              <a:ext cx="2620318" cy="1315697"/>
+            </a:xfrm>
+            <a:prstGeom prst="straightConnector1">
+              <a:avLst/>
+            </a:prstGeom>
+            <a:ln w="19050">
+              <a:tailEnd type="triangle"/>
+            </a:ln>
+          </p:spPr>
+          <p:style>
+            <a:lnRef idx="1">
+              <a:schemeClr val="accent1"/>
+            </a:lnRef>
+            <a:fillRef idx="0">
+              <a:schemeClr val="accent1"/>
+            </a:fillRef>
+            <a:effectRef idx="0">
+              <a:schemeClr val="accent1"/>
+            </a:effectRef>
+            <a:fontRef idx="minor">
+              <a:schemeClr val="tx1"/>
+            </a:fontRef>
+          </p:style>
+        </p:cxnSp>
+        <p:sp>
+          <p:nvSpPr>
+            <p:cNvPr id="12" name="TextBox 11">
+              <a:extLst>
+                <a:ext uri="{FF2B5EF4-FFF2-40B4-BE49-F238E27FC236}">
+                  <a16:creationId xmlns:a16="http://schemas.microsoft.com/office/drawing/2014/main" id="{0F89A906-0768-6242-24DB-901A4B6EDB59}"/>
+                </a:ext>
+              </a:extLst>
+            </p:cNvPr>
+            <p:cNvSpPr txBox="1"/>
+            <p:nvPr/>
+          </p:nvSpPr>
+          <p:spPr>
+            <a:xfrm>
+              <a:off x="3298268" y="5280947"/>
+              <a:ext cx="1817742" cy="369332"/>
+            </a:xfrm>
+            <a:prstGeom prst="rect">
+              <a:avLst/>
+            </a:prstGeom>
+            <a:ln w="19050"/>
+          </p:spPr>
+          <p:style>
+            <a:lnRef idx="2">
+              <a:schemeClr val="accent1"/>
+            </a:lnRef>
+            <a:fillRef idx="1">
+              <a:schemeClr val="lt1"/>
+            </a:fillRef>
+            <a:effectRef idx="0">
+              <a:schemeClr val="accent1"/>
+            </a:effectRef>
+            <a:fontRef idx="minor">
+              <a:schemeClr val="dk1"/>
+            </a:fontRef>
+          </p:style>
+          <p:txBody>
+            <a:bodyPr wrap="none" rtlCol="0">
+              <a:spAutoFit/>
+            </a:bodyPr>
+            <a:lstStyle/>
+            <a:p>
+              <a:r>
+                <a:rPr lang="en-US" i="1" dirty="0">
+                  <a:latin typeface="Cambria Math" panose="02040503050406030204" pitchFamily="18" charset="0"/>
+                </a:rPr>
+                <a:t>Entropy = 0.974</a:t>
+              </a:r>
+            </a:p>
+          </p:txBody>
+        </p:sp>
+        <mc:AlternateContent xmlns:mc="http://schemas.openxmlformats.org/markup-compatibility/2006">
+          <mc:Choice xmlns:a14="http://schemas.microsoft.com/office/drawing/2010/main" Requires="a14">
+            <p:sp>
+              <p:nvSpPr>
+                <p:cNvPr id="13" name="TextBox 12">
+                  <a:extLst>
+                    <a:ext uri="{FF2B5EF4-FFF2-40B4-BE49-F238E27FC236}">
+                      <a16:creationId xmlns:a16="http://schemas.microsoft.com/office/drawing/2014/main" id="{0D183355-57BD-5E45-5D67-6ED37915B225}"/>
+                    </a:ext>
+                  </a:extLst>
+                </p:cNvPr>
+                <p:cNvSpPr txBox="1"/>
+                <p:nvPr/>
+              </p:nvSpPr>
+              <p:spPr>
+                <a:xfrm>
+                  <a:off x="5278223" y="5266204"/>
+                  <a:ext cx="1963166" cy="369332"/>
+                </a:xfrm>
+                <a:prstGeom prst="rect">
+                  <a:avLst/>
+                </a:prstGeom>
+                <a:ln w="19050"/>
+              </p:spPr>
+              <p:style>
+                <a:lnRef idx="2">
+                  <a:schemeClr val="accent1"/>
+                </a:lnRef>
+                <a:fillRef idx="1">
+                  <a:schemeClr val="lt1"/>
+                </a:fillRef>
+                <a:effectRef idx="0">
+                  <a:schemeClr val="accent1"/>
+                </a:effectRef>
+                <a:fontRef idx="minor">
+                  <a:schemeClr val="dk1"/>
+                </a:fontRef>
+              </p:style>
+              <p:txBody>
+                <a:bodyPr wrap="none" rtlCol="0">
+                  <a:spAutoFit/>
+                </a:bodyPr>
+                <a:lstStyle/>
+                <a:p>
+                  <a:pPr/>
+                  <a14:m>
+                    <m:oMathPara xmlns:m="http://schemas.openxmlformats.org/officeDocument/2006/math">
+                      <m:oMathParaPr>
+                        <m:jc m:val="centerGroup"/>
+                      </m:oMathParaPr>
+                      <m:oMath xmlns:m="http://schemas.openxmlformats.org/officeDocument/2006/math">
+                        <m:r>
+                          <a:rPr lang="en-US" b="0" i="1" dirty="0" smtClean="0">
+                            <a:latin typeface="Cambria Math" panose="02040503050406030204" pitchFamily="18" charset="0"/>
+                          </a:rPr>
+                          <m:t>𝐸𝑛𝑡𝑟𝑜𝑝𝑦</m:t>
+                        </m:r>
+                        <m:r>
+                          <a:rPr lang="en-US" b="0" i="1" dirty="0" smtClean="0">
+                            <a:latin typeface="Cambria Math" panose="02040503050406030204" pitchFamily="18" charset="0"/>
+                          </a:rPr>
+                          <m:t>=0.537</m:t>
+                        </m:r>
+                      </m:oMath>
+                    </m:oMathPara>
+                  </a14:m>
+                  <a:endParaRPr lang="en-US" dirty="0"/>
+                </a:p>
+              </p:txBody>
+            </p:sp>
+          </mc:Choice>
+          <mc:Fallback>
+            <p:sp>
+              <p:nvSpPr>
+                <p:cNvPr id="13" name="TextBox 12">
+                  <a:extLst>
+                    <a:ext uri="{FF2B5EF4-FFF2-40B4-BE49-F238E27FC236}">
+                      <a16:creationId xmlns:a16="http://schemas.microsoft.com/office/drawing/2014/main" id="{0D183355-57BD-5E45-5D67-6ED37915B225}"/>
+                    </a:ext>
+                  </a:extLst>
+                </p:cNvPr>
+                <p:cNvSpPr txBox="1">
+                  <a:spLocks noRot="1" noChangeAspect="1" noMove="1" noResize="1" noEditPoints="1" noAdjustHandles="1" noChangeArrowheads="1" noChangeShapeType="1" noTextEdit="1"/>
+                </p:cNvSpPr>
+                <p:nvPr/>
+              </p:nvSpPr>
+              <p:spPr>
+                <a:xfrm>
+                  <a:off x="5278223" y="5266204"/>
+                  <a:ext cx="1963166" cy="369332"/>
+                </a:xfrm>
+                <a:prstGeom prst="rect">
+                  <a:avLst/>
+                </a:prstGeom>
+                <a:blipFill>
+                  <a:blip r:embed="rId6"/>
+                  <a:stretch>
+                    <a:fillRect b="-7813"/>
+                  </a:stretch>
+                </a:blipFill>
+                <a:ln w="19050"/>
+              </p:spPr>
+              <p:txBody>
+                <a:bodyPr/>
+                <a:lstStyle/>
+                <a:p>
+                  <a:r>
+                    <a:rPr lang="en-AU">
+                      <a:noFill/>
+                    </a:rPr>
+                    <a:t> </a:t>
+                  </a:r>
+                </a:p>
+              </p:txBody>
+            </p:sp>
+          </mc:Fallback>
+        </mc:AlternateContent>
+        <p:cxnSp>
+          <p:nvCxnSpPr>
+            <p:cNvPr id="14" name="Straight Arrow Connector 13">
+              <a:extLst>
+                <a:ext uri="{FF2B5EF4-FFF2-40B4-BE49-F238E27FC236}">
+                  <a16:creationId xmlns:a16="http://schemas.microsoft.com/office/drawing/2014/main" id="{0C6167E6-E638-4DEA-5248-988B740A16E6}"/>
+                </a:ext>
+              </a:extLst>
+            </p:cNvPr>
+            <p:cNvCxnSpPr>
+              <a:cxnSpLocks/>
+              <a:stCxn id="7" idx="2"/>
+              <a:endCxn id="12" idx="0"/>
+            </p:cNvCxnSpPr>
+            <p:nvPr/>
+          </p:nvCxnSpPr>
+          <p:spPr>
+            <a:xfrm flipH="1">
+              <a:off x="4207139" y="3974750"/>
+              <a:ext cx="1007370" cy="1306197"/>
+            </a:xfrm>
+            <a:prstGeom prst="straightConnector1">
+              <a:avLst/>
+            </a:prstGeom>
+            <a:ln w="19050">
+              <a:tailEnd type="triangle"/>
+            </a:ln>
+          </p:spPr>
+          <p:style>
+            <a:lnRef idx="1">
+              <a:schemeClr val="accent1"/>
+            </a:lnRef>
+            <a:fillRef idx="0">
+              <a:schemeClr val="accent1"/>
+            </a:fillRef>
+            <a:effectRef idx="0">
+              <a:schemeClr val="accent1"/>
+            </a:effectRef>
+            <a:fontRef idx="minor">
+              <a:schemeClr val="tx1"/>
+            </a:fontRef>
+          </p:style>
+        </p:cxnSp>
+        <p:cxnSp>
+          <p:nvCxnSpPr>
+            <p:cNvPr id="15" name="Straight Arrow Connector 14">
+              <a:extLst>
+                <a:ext uri="{FF2B5EF4-FFF2-40B4-BE49-F238E27FC236}">
+                  <a16:creationId xmlns:a16="http://schemas.microsoft.com/office/drawing/2014/main" id="{3ACC5DDF-5A4B-9B63-2954-720DE65739EB}"/>
+                </a:ext>
+              </a:extLst>
+            </p:cNvPr>
+            <p:cNvCxnSpPr>
+              <a:cxnSpLocks/>
+              <a:stCxn id="7" idx="2"/>
+              <a:endCxn id="13" idx="0"/>
+            </p:cNvCxnSpPr>
+            <p:nvPr/>
+          </p:nvCxnSpPr>
+          <p:spPr>
+            <a:xfrm>
+              <a:off x="5214509" y="3974750"/>
+              <a:ext cx="1045297" cy="1291454"/>
+            </a:xfrm>
+            <a:prstGeom prst="straightConnector1">
+              <a:avLst/>
+            </a:prstGeom>
+            <a:ln w="19050">
+              <a:tailEnd type="triangle"/>
+            </a:ln>
+          </p:spPr>
+          <p:style>
+            <a:lnRef idx="1">
+              <a:schemeClr val="accent1"/>
+            </a:lnRef>
+            <a:fillRef idx="0">
+              <a:schemeClr val="accent1"/>
+            </a:fillRef>
+            <a:effectRef idx="0">
+              <a:schemeClr val="accent1"/>
+            </a:effectRef>
+            <a:fontRef idx="minor">
+              <a:schemeClr val="tx1"/>
+            </a:fontRef>
+          </p:style>
+        </p:cxnSp>
+        <p:sp>
+          <p:nvSpPr>
+            <p:cNvPr id="17" name="TextBox 16">
+              <a:extLst>
+                <a:ext uri="{FF2B5EF4-FFF2-40B4-BE49-F238E27FC236}">
+                  <a16:creationId xmlns:a16="http://schemas.microsoft.com/office/drawing/2014/main" id="{8EBCD9BF-37A8-8805-A1D9-053D3D1F74AB}"/>
+                </a:ext>
+              </a:extLst>
+            </p:cNvPr>
+            <p:cNvSpPr txBox="1"/>
+            <p:nvPr/>
+          </p:nvSpPr>
+          <p:spPr>
+            <a:xfrm>
+              <a:off x="-1756209" y="5297179"/>
+              <a:ext cx="1817742" cy="369332"/>
+            </a:xfrm>
+            <a:prstGeom prst="rect">
+              <a:avLst/>
+            </a:prstGeom>
+            <a:ln w="19050"/>
+          </p:spPr>
+          <p:style>
+            <a:lnRef idx="2">
+              <a:schemeClr val="accent1"/>
+            </a:lnRef>
+            <a:fillRef idx="1">
+              <a:schemeClr val="lt1"/>
+            </a:fillRef>
+            <a:effectRef idx="0">
+              <a:schemeClr val="accent1"/>
+            </a:effectRef>
+            <a:fontRef idx="minor">
+              <a:schemeClr val="dk1"/>
+            </a:fontRef>
+          </p:style>
+          <p:txBody>
+            <a:bodyPr wrap="none" rtlCol="0">
+              <a:spAutoFit/>
+            </a:bodyPr>
+            <a:lstStyle/>
+            <a:p>
+              <a:r>
+                <a:rPr lang="en-US" i="1" dirty="0">
+                  <a:latin typeface="Cambria Math" panose="02040503050406030204" pitchFamily="18" charset="0"/>
+                </a:rPr>
+                <a:t>Entropy = 0.144</a:t>
+              </a:r>
+            </a:p>
+          </p:txBody>
+        </p:sp>
+        <mc:AlternateContent xmlns:mc="http://schemas.openxmlformats.org/markup-compatibility/2006">
+          <mc:Choice xmlns:a14="http://schemas.microsoft.com/office/drawing/2010/main" Requires="a14">
+            <p:sp>
+              <p:nvSpPr>
+                <p:cNvPr id="18" name="TextBox 17">
+                  <a:extLst>
+                    <a:ext uri="{FF2B5EF4-FFF2-40B4-BE49-F238E27FC236}">
+                      <a16:creationId xmlns:a16="http://schemas.microsoft.com/office/drawing/2014/main" id="{FB2B96DE-8C80-9BC1-831D-EDBF98B0FBA5}"/>
+                    </a:ext>
+                  </a:extLst>
+                </p:cNvPr>
+                <p:cNvSpPr txBox="1"/>
+                <p:nvPr/>
+              </p:nvSpPr>
+              <p:spPr>
+                <a:xfrm>
+                  <a:off x="223746" y="5295237"/>
+                  <a:ext cx="1963166" cy="369332"/>
+                </a:xfrm>
+                <a:prstGeom prst="rect">
+                  <a:avLst/>
+                </a:prstGeom>
+                <a:ln w="19050"/>
+              </p:spPr>
+              <p:style>
+                <a:lnRef idx="2">
+                  <a:schemeClr val="accent1"/>
+                </a:lnRef>
+                <a:fillRef idx="1">
+                  <a:schemeClr val="lt1"/>
+                </a:fillRef>
+                <a:effectRef idx="0">
+                  <a:schemeClr val="accent1"/>
+                </a:effectRef>
+                <a:fontRef idx="minor">
+                  <a:schemeClr val="dk1"/>
+                </a:fontRef>
+              </p:style>
+              <p:txBody>
+                <a:bodyPr wrap="none" rtlCol="0">
+                  <a:spAutoFit/>
+                </a:bodyPr>
+                <a:lstStyle/>
+                <a:p>
+                  <a:pPr/>
+                  <a14:m>
+                    <m:oMathPara xmlns:m="http://schemas.openxmlformats.org/officeDocument/2006/math">
+                      <m:oMathParaPr>
+                        <m:jc m:val="centerGroup"/>
+                      </m:oMathParaPr>
+                      <m:oMath xmlns:m="http://schemas.openxmlformats.org/officeDocument/2006/math">
+                        <m:r>
+                          <a:rPr lang="en-US" b="0" i="1" dirty="0" smtClean="0">
+                            <a:latin typeface="Cambria Math" panose="02040503050406030204" pitchFamily="18" charset="0"/>
+                          </a:rPr>
+                          <m:t>𝐸𝑛𝑡𝑟𝑜𝑝𝑦</m:t>
+                        </m:r>
+                        <m:r>
+                          <a:rPr lang="en-US" b="0" i="1" dirty="0" smtClean="0">
+                            <a:latin typeface="Cambria Math" panose="02040503050406030204" pitchFamily="18" charset="0"/>
+                          </a:rPr>
+                          <m:t>=0.957</m:t>
+                        </m:r>
+                      </m:oMath>
+                    </m:oMathPara>
+                  </a14:m>
+                  <a:endParaRPr lang="en-US" dirty="0"/>
+                </a:p>
+              </p:txBody>
+            </p:sp>
+          </mc:Choice>
+          <mc:Fallback>
+            <p:sp>
+              <p:nvSpPr>
+                <p:cNvPr id="18" name="TextBox 17">
+                  <a:extLst>
+                    <a:ext uri="{FF2B5EF4-FFF2-40B4-BE49-F238E27FC236}">
+                      <a16:creationId xmlns:a16="http://schemas.microsoft.com/office/drawing/2014/main" id="{FB2B96DE-8C80-9BC1-831D-EDBF98B0FBA5}"/>
+                    </a:ext>
+                  </a:extLst>
+                </p:cNvPr>
+                <p:cNvSpPr txBox="1">
+                  <a:spLocks noRot="1" noChangeAspect="1" noMove="1" noResize="1" noEditPoints="1" noAdjustHandles="1" noChangeArrowheads="1" noChangeShapeType="1" noTextEdit="1"/>
+                </p:cNvSpPr>
+                <p:nvPr/>
+              </p:nvSpPr>
+              <p:spPr>
+                <a:xfrm>
+                  <a:off x="223746" y="5295237"/>
+                  <a:ext cx="1963166" cy="369332"/>
+                </a:xfrm>
+                <a:prstGeom prst="rect">
+                  <a:avLst/>
+                </a:prstGeom>
+                <a:blipFill>
+                  <a:blip r:embed="rId7"/>
+                  <a:stretch>
+                    <a:fillRect b="-7813"/>
+                  </a:stretch>
+                </a:blipFill>
+                <a:ln w="19050"/>
+              </p:spPr>
+              <p:txBody>
+                <a:bodyPr/>
+                <a:lstStyle/>
+                <a:p>
+                  <a:r>
+                    <a:rPr lang="en-AU">
+                      <a:noFill/>
+                    </a:rPr>
+                    <a:t> </a:t>
+                  </a:r>
+                </a:p>
+              </p:txBody>
+            </p:sp>
+          </mc:Fallback>
+        </mc:AlternateContent>
+        <p:cxnSp>
+          <p:nvCxnSpPr>
+            <p:cNvPr id="19" name="Straight Arrow Connector 18">
+              <a:extLst>
+                <a:ext uri="{FF2B5EF4-FFF2-40B4-BE49-F238E27FC236}">
+                  <a16:creationId xmlns:a16="http://schemas.microsoft.com/office/drawing/2014/main" id="{917B5954-D0FC-753A-7AEE-4A7D5DB20BD5}"/>
+                </a:ext>
+              </a:extLst>
+            </p:cNvPr>
+            <p:cNvCxnSpPr>
+              <a:cxnSpLocks/>
+              <a:stCxn id="5" idx="2"/>
+              <a:endCxn id="17" idx="0"/>
+            </p:cNvCxnSpPr>
+            <p:nvPr/>
+          </p:nvCxnSpPr>
+          <p:spPr>
+            <a:xfrm flipH="1">
+              <a:off x="-847338" y="3974750"/>
+              <a:ext cx="1026842" cy="1322429"/>
+            </a:xfrm>
+            <a:prstGeom prst="straightConnector1">
+              <a:avLst/>
+            </a:prstGeom>
+            <a:ln w="19050">
+              <a:tailEnd type="triangle"/>
+            </a:ln>
+          </p:spPr>
+          <p:style>
+            <a:lnRef idx="1">
+              <a:schemeClr val="accent1"/>
+            </a:lnRef>
+            <a:fillRef idx="0">
+              <a:schemeClr val="accent1"/>
+            </a:fillRef>
+            <a:effectRef idx="0">
+              <a:schemeClr val="accent1"/>
+            </a:effectRef>
+            <a:fontRef idx="minor">
+              <a:schemeClr val="tx1"/>
+            </a:fontRef>
+          </p:style>
+        </p:cxnSp>
+        <p:cxnSp>
+          <p:nvCxnSpPr>
+            <p:cNvPr id="20" name="Straight Arrow Connector 19">
+              <a:extLst>
+                <a:ext uri="{FF2B5EF4-FFF2-40B4-BE49-F238E27FC236}">
+                  <a16:creationId xmlns:a16="http://schemas.microsoft.com/office/drawing/2014/main" id="{BB933174-D4B6-02F1-9889-B4F44CAEAD0C}"/>
+                </a:ext>
+              </a:extLst>
+            </p:cNvPr>
+            <p:cNvCxnSpPr>
+              <a:cxnSpLocks/>
+              <a:stCxn id="5" idx="2"/>
+              <a:endCxn id="18" idx="0"/>
+            </p:cNvCxnSpPr>
+            <p:nvPr/>
+          </p:nvCxnSpPr>
+          <p:spPr>
+            <a:xfrm>
+              <a:off x="179504" y="3974750"/>
+              <a:ext cx="1025825" cy="1320487"/>
+            </a:xfrm>
+            <a:prstGeom prst="straightConnector1">
+              <a:avLst/>
+            </a:prstGeom>
+            <a:ln w="19050">
+              <a:tailEnd type="triangle"/>
+            </a:ln>
+          </p:spPr>
+          <p:style>
+            <a:lnRef idx="1">
+              <a:schemeClr val="accent1"/>
+            </a:lnRef>
+            <a:fillRef idx="0">
+              <a:schemeClr val="accent1"/>
+            </a:fillRef>
+            <a:effectRef idx="0">
+              <a:schemeClr val="accent1"/>
+            </a:effectRef>
+            <a:fontRef idx="minor">
+              <a:schemeClr val="tx1"/>
+            </a:fontRef>
+          </p:style>
+        </p:cxnSp>
+      </p:grpSp>
     </p:spTree>
     <p:extLst>
       <p:ext uri="{BB962C8B-B14F-4D97-AF65-F5344CB8AC3E}">

--- a/Notes/Decision_Trees.pptx
+++ b/Notes/Decision_Trees.pptx
@@ -243,7 +243,7 @@
           <a:p>
             <a:fld id="{0BFC49C2-91E2-4019-9562-07422A279DAF}" type="datetimeFigureOut">
               <a:rPr lang="en-US" smtClean="0"/>
-              <a:t>9/5/2023</a:t>
+              <a:t>9/11/2023</a:t>
             </a:fld>
             <a:endParaRPr lang="en-US"/>
           </a:p>
@@ -420,7 +420,7 @@
           <a:p>
             <a:fld id="{1FEA3286-221C-418A-ABA5-8CBD2C4A5B25}" type="datetimeFigureOut">
               <a:rPr lang="en-US" smtClean="0"/>
-              <a:t>9/5/2023</a:t>
+              <a:t>9/11/2023</a:t>
             </a:fld>
             <a:endParaRPr lang="en-US"/>
           </a:p>
@@ -834,7 +834,7 @@
           <a:p>
             <a:fld id="{C536D5AE-0547-4B22-9FF1-61DC50066B07}" type="datetime1">
               <a:rPr lang="en-US" smtClean="0"/>
-              <a:t>9/5/2023</a:t>
+              <a:t>9/11/2023</a:t>
             </a:fld>
             <a:endParaRPr lang="en-US"/>
           </a:p>
@@ -1035,7 +1035,7 @@
           <a:p>
             <a:fld id="{340B8BF2-BD8A-41AE-9C1D-EB089E94831C}" type="datetime1">
               <a:rPr lang="en-US" smtClean="0"/>
-              <a:t>9/5/2023</a:t>
+              <a:t>9/11/2023</a:t>
             </a:fld>
             <a:endParaRPr lang="en-US"/>
           </a:p>
@@ -1246,7 +1246,7 @@
           <a:p>
             <a:fld id="{3EFD6C31-EB7B-4A64-ABE1-F0AB246A850A}" type="datetime1">
               <a:rPr lang="en-US" smtClean="0"/>
-              <a:t>9/5/2023</a:t>
+              <a:t>9/11/2023</a:t>
             </a:fld>
             <a:endParaRPr lang="en-US"/>
           </a:p>
@@ -1447,7 +1447,7 @@
           <a:p>
             <a:fld id="{668B0DC0-B3F2-439A-9114-5F53D4377D45}" type="datetime1">
               <a:rPr lang="en-US" smtClean="0"/>
-              <a:t>9/5/2023</a:t>
+              <a:t>9/11/2023</a:t>
             </a:fld>
             <a:endParaRPr lang="en-US"/>
           </a:p>
@@ -1725,7 +1725,7 @@
           <a:p>
             <a:fld id="{320A5CD0-6878-49B6-96F5-F20F192C0B0C}" type="datetime1">
               <a:rPr lang="en-US" smtClean="0"/>
-              <a:t>9/5/2023</a:t>
+              <a:t>9/11/2023</a:t>
             </a:fld>
             <a:endParaRPr lang="en-US"/>
           </a:p>
@@ -1993,7 +1993,7 @@
           <a:p>
             <a:fld id="{0FA53E43-3A16-4047-B486-C7A15A332A3C}" type="datetime1">
               <a:rPr lang="en-US" smtClean="0"/>
-              <a:t>9/5/2023</a:t>
+              <a:t>9/11/2023</a:t>
             </a:fld>
             <a:endParaRPr lang="en-US"/>
           </a:p>
@@ -2408,7 +2408,7 @@
           <a:p>
             <a:fld id="{47026F2D-B854-4AB5-B7E3-3EA6EE97A89A}" type="datetime1">
               <a:rPr lang="en-US" smtClean="0"/>
-              <a:t>9/5/2023</a:t>
+              <a:t>9/11/2023</a:t>
             </a:fld>
             <a:endParaRPr lang="en-US"/>
           </a:p>
@@ -2552,7 +2552,7 @@
           <a:p>
             <a:fld id="{E9234E8A-3332-401A-B443-35F0A68A1277}" type="datetime1">
               <a:rPr lang="en-US" smtClean="0"/>
-              <a:t>9/5/2023</a:t>
+              <a:t>9/11/2023</a:t>
             </a:fld>
             <a:endParaRPr lang="en-US"/>
           </a:p>
@@ -2668,7 +2668,7 @@
           <a:p>
             <a:fld id="{ACF48743-21A8-4AA2-9F78-5E14E55EAB74}" type="datetime1">
               <a:rPr lang="en-US" smtClean="0"/>
-              <a:t>9/5/2023</a:t>
+              <a:t>9/11/2023</a:t>
             </a:fld>
             <a:endParaRPr lang="en-US"/>
           </a:p>
@@ -2982,7 +2982,7 @@
           <a:p>
             <a:fld id="{45C93320-C53B-4F9C-A839-A4EECC5AEF8C}" type="datetime1">
               <a:rPr lang="en-US" smtClean="0"/>
-              <a:t>9/5/2023</a:t>
+              <a:t>9/11/2023</a:t>
             </a:fld>
             <a:endParaRPr lang="en-US"/>
           </a:p>
@@ -3273,7 +3273,7 @@
           <a:p>
             <a:fld id="{F967DE46-3299-4D41-94F8-85A67C9B0629}" type="datetime1">
               <a:rPr lang="en-US" smtClean="0"/>
-              <a:t>9/5/2023</a:t>
+              <a:t>9/11/2023</a:t>
             </a:fld>
             <a:endParaRPr lang="en-US"/>
           </a:p>
@@ -3517,7 +3517,7 @@
           <a:p>
             <a:fld id="{91D75FF1-919D-4037-93C8-1AE086EC194D}" type="datetime1">
               <a:rPr lang="en-US" smtClean="0"/>
-              <a:t>9/5/2023</a:t>
+              <a:t>9/11/2023</a:t>
             </a:fld>
             <a:endParaRPr lang="en-US"/>
           </a:p>
@@ -23382,6 +23382,36 @@
           <a:chExt cx="0" cy="0"/>
         </a:xfrm>
       </p:grpSpPr>
+      <p:pic>
+        <p:nvPicPr>
+          <p:cNvPr id="5" name="Picture 4">
+            <a:extLst>
+              <a:ext uri="{FF2B5EF4-FFF2-40B4-BE49-F238E27FC236}">
+                <a16:creationId xmlns:a16="http://schemas.microsoft.com/office/drawing/2014/main" id="{78BAC438-5076-7355-4F59-6C93117ADF1E}"/>
+              </a:ext>
+            </a:extLst>
+          </p:cNvPr>
+          <p:cNvPicPr>
+            <a:picLocks noChangeAspect="1"/>
+          </p:cNvPicPr>
+          <p:nvPr/>
+        </p:nvPicPr>
+        <p:blipFill>
+          <a:blip r:embed="rId2"/>
+          <a:stretch>
+            <a:fillRect/>
+          </a:stretch>
+        </p:blipFill>
+        <p:spPr>
+          <a:xfrm>
+            <a:off x="2988585" y="1690688"/>
+            <a:ext cx="5189982" cy="4653666"/>
+          </a:xfrm>
+          <a:prstGeom prst="rect">
+            <a:avLst/>
+          </a:prstGeom>
+        </p:spPr>
+      </p:pic>
       <p:sp>
         <p:nvSpPr>
           <p:cNvPr id="2" name="Title 1">
@@ -23417,36 +23447,6 @@
           </a:p>
         </p:txBody>
       </p:sp>
-      <p:pic>
-        <p:nvPicPr>
-          <p:cNvPr id="8" name="Picture 7">
-            <a:extLst>
-              <a:ext uri="{FF2B5EF4-FFF2-40B4-BE49-F238E27FC236}">
-                <a16:creationId xmlns:a16="http://schemas.microsoft.com/office/drawing/2014/main" id="{DC78D4D6-0722-A9A5-2404-7E1EA0BF2B3C}"/>
-              </a:ext>
-            </a:extLst>
-          </p:cNvPr>
-          <p:cNvPicPr>
-            <a:picLocks noChangeAspect="1"/>
-          </p:cNvPicPr>
-          <p:nvPr/>
-        </p:nvPicPr>
-        <p:blipFill>
-          <a:blip r:embed="rId2"/>
-          <a:stretch>
-            <a:fillRect/>
-          </a:stretch>
-        </p:blipFill>
-        <p:spPr>
-          <a:xfrm>
-            <a:off x="3325915" y="1476611"/>
-            <a:ext cx="5540170" cy="5016264"/>
-          </a:xfrm>
-          <a:prstGeom prst="rect">
-            <a:avLst/>
-          </a:prstGeom>
-        </p:spPr>
-      </p:pic>
       <p:sp>
         <p:nvSpPr>
           <p:cNvPr id="9" name="TextBox 8">
@@ -23461,8 +23461,8 @@
         </p:nvSpPr>
         <p:spPr>
           <a:xfrm>
-            <a:off x="9334500" y="2743200"/>
-            <a:ext cx="2438400" cy="2585323"/>
+            <a:off x="9109752" y="2184657"/>
+            <a:ext cx="2438400" cy="3416320"/>
           </a:xfrm>
           <a:prstGeom prst="rect">
             <a:avLst/>
@@ -23477,7 +23477,7 @@
           <a:p>
             <a:r>
               <a:rPr lang="en-US" dirty="0"/>
-              <a:t>We see that the lowest variance is at depth 2 with low prediction error. </a:t>
+              <a:t>We see that the low variance and low bias is between depth 2 - 7 with low prediction error. </a:t>
             </a:r>
           </a:p>
           <a:p>
@@ -23486,7 +23486,7 @@
           <a:p>
             <a:r>
               <a:rPr lang="en-US" dirty="0"/>
-              <a:t>While bias grows lower with increasing depth we will be in higher variance territory. </a:t>
+              <a:t>While bias grows lower with increasing depth &gt;7 we will be in higher variance territory and higher generalization error. </a:t>
             </a:r>
           </a:p>
         </p:txBody>
@@ -23564,7 +23564,7 @@
         </p:nvCxnSpPr>
         <p:spPr>
           <a:xfrm>
-            <a:off x="6229350" y="1811573"/>
+            <a:off x="4853556" y="1752867"/>
             <a:ext cx="0" cy="4337050"/>
           </a:xfrm>
           <a:prstGeom prst="line">
@@ -23606,7 +23606,7 @@
         </p:nvSpPr>
         <p:spPr>
           <a:xfrm>
-            <a:off x="6910716" y="3788120"/>
+            <a:off x="6757228" y="3066481"/>
             <a:ext cx="1040093" cy="461665"/>
           </a:xfrm>
           <a:prstGeom prst="rect">
@@ -23620,12 +23620,14 @@
           </a:bodyPr>
           <a:lstStyle/>
           <a:p>
+            <a:pPr algn="ctr"/>
             <a:r>
               <a:rPr lang="en-US" sz="1200" dirty="0"/>
               <a:t>Low Bias</a:t>
             </a:r>
           </a:p>
           <a:p>
+            <a:pPr algn="ctr"/>
             <a:r>
               <a:rPr lang="en-US" sz="1200" dirty="0"/>
               <a:t>High Variance</a:t>
@@ -23649,7 +23651,7 @@
         </p:nvCxnSpPr>
         <p:spPr>
           <a:xfrm>
-            <a:off x="4210050" y="1868723"/>
+            <a:off x="3808245" y="1752867"/>
             <a:ext cx="0" cy="4279900"/>
           </a:xfrm>
           <a:prstGeom prst="line">
@@ -23714,7 +23716,7 @@
         </p:blipFill>
         <p:spPr bwMode="auto">
           <a:xfrm>
-            <a:off x="3828985" y="2353863"/>
+            <a:off x="3833412" y="2353863"/>
             <a:ext cx="773431" cy="777240"/>
           </a:xfrm>
           <a:prstGeom prst="rect">
@@ -23745,8 +23747,8 @@
           <p:nvPr/>
         </p:nvSpPr>
         <p:spPr>
-          <a:xfrm rot="16200000">
-            <a:off x="3688677" y="3574044"/>
+          <a:xfrm>
+            <a:off x="3852843" y="3159511"/>
             <a:ext cx="1012265" cy="461665"/>
           </a:xfrm>
           <a:prstGeom prst="rect">
@@ -23760,6 +23762,7 @@
           </a:bodyPr>
           <a:lstStyle/>
           <a:p>
+            <a:pPr algn="ctr"/>
             <a:r>
               <a:rPr lang="en-US" sz="1200" dirty="0"/>
               <a:t>Low Bias</a:t>
@@ -23810,7 +23813,7 @@
         </p:blipFill>
         <p:spPr bwMode="auto">
           <a:xfrm>
-            <a:off x="3390587" y="5371383"/>
+            <a:off x="3028627" y="5022701"/>
             <a:ext cx="773431" cy="777240"/>
           </a:xfrm>
           <a:prstGeom prst="rect">
@@ -23842,7 +23845,7 @@
         </p:nvSpPr>
         <p:spPr>
           <a:xfrm>
-            <a:off x="2402125" y="5628252"/>
+            <a:off x="1897259" y="5180488"/>
             <a:ext cx="1040093" cy="461665"/>
           </a:xfrm>
           <a:prstGeom prst="rect">
@@ -23856,6 +23859,7 @@
           </a:bodyPr>
           <a:lstStyle/>
           <a:p>
+            <a:pPr algn="ctr"/>
             <a:r>
               <a:rPr lang="en-US" sz="1200" dirty="0"/>
               <a:t>High Bias</a:t>
@@ -23927,36 +23931,6 @@
           <a:chExt cx="0" cy="0"/>
         </a:xfrm>
       </p:grpSpPr>
-      <p:pic>
-        <p:nvPicPr>
-          <p:cNvPr id="9" name="Picture 8">
-            <a:extLst>
-              <a:ext uri="{FF2B5EF4-FFF2-40B4-BE49-F238E27FC236}">
-                <a16:creationId xmlns:a16="http://schemas.microsoft.com/office/drawing/2014/main" id="{21CC3873-2B26-C420-60DB-BE65AC9C9C55}"/>
-              </a:ext>
-            </a:extLst>
-          </p:cNvPr>
-          <p:cNvPicPr>
-            <a:picLocks noChangeAspect="1"/>
-          </p:cNvPicPr>
-          <p:nvPr/>
-        </p:nvPicPr>
-        <p:blipFill>
-          <a:blip r:embed="rId2"/>
-          <a:stretch>
-            <a:fillRect/>
-          </a:stretch>
-        </p:blipFill>
-        <p:spPr>
-          <a:xfrm>
-            <a:off x="9245619" y="3009251"/>
-            <a:ext cx="2732764" cy="2328508"/>
-          </a:xfrm>
-          <a:prstGeom prst="rect">
-            <a:avLst/>
-          </a:prstGeom>
-        </p:spPr>
-      </p:pic>
       <p:sp>
         <p:nvSpPr>
           <p:cNvPr id="2" name="Title 1">
@@ -23980,74 +23954,8 @@
           <a:p>
             <a:r>
               <a:rPr lang="en-US" dirty="0"/>
-              <a:t>Low Bias Low Variance Tree</a:t>
+              <a:t>Entropy Loss Optimized Depth 4 Tree on a Training Data</a:t>
             </a:r>
-          </a:p>
-        </p:txBody>
-      </p:sp>
-      <p:sp>
-        <p:nvSpPr>
-          <p:cNvPr id="11" name="TextBox 10">
-            <a:extLst>
-              <a:ext uri="{FF2B5EF4-FFF2-40B4-BE49-F238E27FC236}">
-                <a16:creationId xmlns:a16="http://schemas.microsoft.com/office/drawing/2014/main" id="{5F0E3E63-6D7D-43BF-E36B-8956F197CAA6}"/>
-              </a:ext>
-            </a:extLst>
-          </p:cNvPr>
-          <p:cNvSpPr txBox="1"/>
-          <p:nvPr/>
-        </p:nvSpPr>
-        <p:spPr>
-          <a:xfrm>
-            <a:off x="9245619" y="1667426"/>
-            <a:ext cx="3943350" cy="1200329"/>
-          </a:xfrm>
-          <a:prstGeom prst="rect">
-            <a:avLst/>
-          </a:prstGeom>
-          <a:noFill/>
-        </p:spPr>
-        <p:txBody>
-          <a:bodyPr wrap="square">
-            <a:spAutoFit/>
-          </a:bodyPr>
-          <a:lstStyle/>
-          <a:p>
-            <a:r>
-              <a:rPr lang="en-US" b="0" i="0" dirty="0">
-                <a:effectLst/>
-                <a:latin typeface="Consolas" panose="020B0609020204030204" pitchFamily="49" charset="0"/>
-              </a:rPr>
-              <a:t>Accuracy 	- 74.35 </a:t>
-            </a:r>
-          </a:p>
-          <a:p>
-            <a:r>
-              <a:rPr lang="en-US" b="0" i="0" dirty="0">
-                <a:effectLst/>
-                <a:latin typeface="Consolas" panose="020B0609020204030204" pitchFamily="49" charset="0"/>
-              </a:rPr>
-              <a:t>Recall 		- 69.70 </a:t>
-            </a:r>
-          </a:p>
-          <a:p>
-            <a:r>
-              <a:rPr lang="en-US" b="0" i="0" dirty="0">
-                <a:effectLst/>
-                <a:latin typeface="Consolas" panose="020B0609020204030204" pitchFamily="49" charset="0"/>
-              </a:rPr>
-              <a:t>Precision 	- 54.12 </a:t>
-            </a:r>
-          </a:p>
-          <a:p>
-            <a:r>
-              <a:rPr lang="en-US" b="0" i="0" dirty="0">
-                <a:effectLst/>
-                <a:latin typeface="Consolas" panose="020B0609020204030204" pitchFamily="49" charset="0"/>
-              </a:rPr>
-              <a:t>FPR 		- 23.78</a:t>
-            </a:r>
-            <a:endParaRPr lang="en-US" dirty="0"/>
           </a:p>
         </p:txBody>
       </p:sp>
@@ -24079,1054 +23987,369 @@
           </a:p>
         </p:txBody>
       </p:sp>
-      <p:grpSp>
-        <p:nvGrpSpPr>
-          <p:cNvPr id="16" name="Group 15">
+      <p:pic>
+        <p:nvPicPr>
+          <p:cNvPr id="1829" name="Picture 1828">
             <a:extLst>
               <a:ext uri="{FF2B5EF4-FFF2-40B4-BE49-F238E27FC236}">
-                <a16:creationId xmlns:a16="http://schemas.microsoft.com/office/drawing/2014/main" id="{623951DE-4257-F702-96FC-1E676E64FE83}"/>
+                <a16:creationId xmlns:a16="http://schemas.microsoft.com/office/drawing/2014/main" id="{697AE9DD-C055-F6B8-A557-0CE5B051E2A0}"/>
               </a:ext>
             </a:extLst>
           </p:cNvPr>
-          <p:cNvGrpSpPr/>
+          <p:cNvPicPr>
+            <a:picLocks noChangeAspect="1"/>
+          </p:cNvPicPr>
           <p:nvPr/>
-        </p:nvGrpSpPr>
-        <p:grpSpPr>
+        </p:nvPicPr>
+        <p:blipFill>
+          <a:blip r:embed="rId2">
+            <a:clrChange>
+              <a:clrFrom>
+                <a:srgbClr val="FFFFFF"/>
+              </a:clrFrom>
+              <a:clrTo>
+                <a:srgbClr val="FFFFFF">
+                  <a:alpha val="0"/>
+                </a:srgbClr>
+              </a:clrTo>
+            </a:clrChange>
+            <a:extLst>
+              <a:ext uri="{28A0092B-C50C-407E-A947-70E740481C1C}">
+                <a14:useLocalDpi xmlns:a14="http://schemas.microsoft.com/office/drawing/2010/main" val="0"/>
+              </a:ext>
+            </a:extLst>
+          </a:blip>
+          <a:stretch>
+            <a:fillRect/>
+          </a:stretch>
+        </p:blipFill>
+        <p:spPr>
           <a:xfrm>
-            <a:off x="838200" y="1705072"/>
-            <a:ext cx="8997598" cy="4300120"/>
-            <a:chOff x="-1756209" y="1366391"/>
-            <a:chExt cx="8997598" cy="4300120"/>
+            <a:off x="0" y="1966624"/>
+            <a:ext cx="12192000" cy="4113790"/>
           </a:xfrm>
-        </p:grpSpPr>
-        <mc:AlternateContent xmlns:mc="http://schemas.openxmlformats.org/markup-compatibility/2006">
-          <mc:Choice xmlns:a14="http://schemas.microsoft.com/office/drawing/2010/main" Requires="a14">
-            <p:sp>
-              <p:nvSpPr>
-                <p:cNvPr id="4" name="TextBox 3">
+          <a:prstGeom prst="rect">
+            <a:avLst/>
+          </a:prstGeom>
+        </p:spPr>
+      </p:pic>
+      <p:graphicFrame>
+        <p:nvGraphicFramePr>
+          <p:cNvPr id="1832" name="Table 1832">
+            <a:extLst>
+              <a:ext uri="{FF2B5EF4-FFF2-40B4-BE49-F238E27FC236}">
+                <a16:creationId xmlns:a16="http://schemas.microsoft.com/office/drawing/2014/main" id="{6D88EA68-71AA-A277-E605-19BCDE0202AB}"/>
+              </a:ext>
+            </a:extLst>
+          </p:cNvPr>
+          <p:cNvGraphicFramePr>
+            <a:graphicFrameLocks noGrp="1"/>
+          </p:cNvGraphicFramePr>
+          <p:nvPr>
+            <p:extLst>
+              <p:ext uri="{D42A27DB-BD31-4B8C-83A1-F6EECF244321}">
+                <p14:modId xmlns:p14="http://schemas.microsoft.com/office/powerpoint/2010/main" val="1600549559"/>
+              </p:ext>
+            </p:extLst>
+          </p:nvPr>
+        </p:nvGraphicFramePr>
+        <p:xfrm>
+          <a:off x="9199844" y="1549098"/>
+          <a:ext cx="2558486" cy="1472215"/>
+        </p:xfrm>
+        <a:graphic>
+          <a:graphicData uri="http://schemas.openxmlformats.org/drawingml/2006/table">
+            <a:tbl>
+              <a:tblPr firstRow="1" bandRow="1">
+                <a:tableStyleId>{5C22544A-7EE6-4342-B048-85BDC9FD1C3A}</a:tableStyleId>
+              </a:tblPr>
+              <a:tblGrid>
+                <a:gridCol w="1279243">
                   <a:extLst>
-                    <a:ext uri="{FF2B5EF4-FFF2-40B4-BE49-F238E27FC236}">
-                      <a16:creationId xmlns:a16="http://schemas.microsoft.com/office/drawing/2014/main" id="{53634838-459F-7A46-D2E4-3C0DF67EA9FB}"/>
+                    <a:ext uri="{9D8B030D-6E8A-4147-A177-3AD203B41FA5}">
+                      <a16:colId xmlns:a16="http://schemas.microsoft.com/office/drawing/2014/main" val="3757442658"/>
                     </a:ext>
                   </a:extLst>
-                </p:cNvPr>
-                <p:cNvSpPr txBox="1"/>
-                <p:nvPr/>
-              </p:nvSpPr>
-              <p:spPr>
-                <a:xfrm>
-                  <a:off x="1640917" y="1366391"/>
-                  <a:ext cx="1906548" cy="646331"/>
-                </a:xfrm>
-                <a:prstGeom prst="rect">
-                  <a:avLst/>
-                </a:prstGeom>
-                <a:ln w="19050"/>
-              </p:spPr>
-              <p:style>
-                <a:lnRef idx="2">
-                  <a:schemeClr val="accent1"/>
-                </a:lnRef>
-                <a:fillRef idx="1">
-                  <a:schemeClr val="lt1"/>
-                </a:fillRef>
-                <a:effectRef idx="0">
-                  <a:schemeClr val="accent1"/>
-                </a:effectRef>
-                <a:fontRef idx="minor">
-                  <a:schemeClr val="dk1"/>
-                </a:fontRef>
-              </p:style>
-              <p:txBody>
-                <a:bodyPr wrap="none" rtlCol="0">
-                  <a:spAutoFit/>
-                </a:bodyPr>
-                <a:lstStyle/>
-                <a:p>
-                  <a:pPr/>
-                  <a14:m>
-                    <m:oMathPara xmlns:m="http://schemas.openxmlformats.org/officeDocument/2006/math">
-                      <m:oMathParaPr>
-                        <m:jc m:val="centerGroup"/>
-                      </m:oMathParaPr>
-                      <m:oMath xmlns:m="http://schemas.openxmlformats.org/officeDocument/2006/math">
-                        <m:r>
-                          <a:rPr lang="en-US" b="0" i="1" dirty="0" smtClean="0">
-                            <a:latin typeface="Cambria Math" panose="02040503050406030204" pitchFamily="18" charset="0"/>
-                          </a:rPr>
-                          <m:t>𝐺𝑙𝑢𝑐𝑜𝑠𝑒</m:t>
-                        </m:r>
-                        <m:r>
-                          <a:rPr lang="en-US" i="1" dirty="0" smtClean="0">
-                            <a:latin typeface="Cambria Math" panose="02040503050406030204" pitchFamily="18" charset="0"/>
-                          </a:rPr>
-                          <m:t>≤</m:t>
-                        </m:r>
-                        <m:r>
-                          <a:rPr lang="en-US" b="0" i="1" dirty="0" smtClean="0">
-                            <a:latin typeface="Cambria Math" panose="02040503050406030204" pitchFamily="18" charset="0"/>
-                          </a:rPr>
-                          <m:t>1</m:t>
-                        </m:r>
-                        <m:r>
-                          <a:rPr lang="en-US" i="1" dirty="0" smtClean="0">
-                            <a:latin typeface="Cambria Math" panose="02040503050406030204" pitchFamily="18" charset="0"/>
-                          </a:rPr>
-                          <m:t>2</m:t>
-                        </m:r>
-                        <m:r>
-                          <a:rPr lang="en-US" b="0" i="1" dirty="0" smtClean="0">
-                            <a:latin typeface="Cambria Math" panose="02040503050406030204" pitchFamily="18" charset="0"/>
-                          </a:rPr>
-                          <m:t>3</m:t>
-                        </m:r>
-                        <m:r>
-                          <a:rPr lang="en-US" i="1" dirty="0" smtClean="0">
-                            <a:latin typeface="Cambria Math" panose="02040503050406030204" pitchFamily="18" charset="0"/>
-                          </a:rPr>
-                          <m:t>.5</m:t>
-                        </m:r>
-                      </m:oMath>
-                    </m:oMathPara>
-                  </a14:m>
-                  <a:endParaRPr lang="en-US" dirty="0"/>
-                </a:p>
-                <a:p>
-                  <a:pPr/>
-                  <a14:m>
-                    <m:oMathPara xmlns:m="http://schemas.openxmlformats.org/officeDocument/2006/math">
-                      <m:oMathParaPr>
-                        <m:jc m:val="centerGroup"/>
-                      </m:oMathParaPr>
-                      <m:oMath xmlns:m="http://schemas.openxmlformats.org/officeDocument/2006/math">
-                        <m:r>
-                          <a:rPr lang="en-US" i="1" dirty="0" smtClean="0">
-                            <a:latin typeface="Cambria Math" panose="02040503050406030204" pitchFamily="18" charset="0"/>
-                          </a:rPr>
-                          <m:t>𝐸𝑛𝑡𝑟𝑜𝑝𝑦</m:t>
-                        </m:r>
-                        <m:r>
-                          <a:rPr lang="en-US" i="1" dirty="0" smtClean="0">
-                            <a:latin typeface="Cambria Math" panose="02040503050406030204" pitchFamily="18" charset="0"/>
-                          </a:rPr>
-                          <m:t> =1.0</m:t>
-                        </m:r>
-                      </m:oMath>
-                    </m:oMathPara>
-                  </a14:m>
-                  <a:endParaRPr lang="en-US" dirty="0"/>
-                </a:p>
-              </p:txBody>
-            </p:sp>
-          </mc:Choice>
-          <mc:Fallback>
-            <p:sp>
-              <p:nvSpPr>
-                <p:cNvPr id="4" name="TextBox 3">
+                </a:gridCol>
+                <a:gridCol w="1279243">
                   <a:extLst>
-                    <a:ext uri="{FF2B5EF4-FFF2-40B4-BE49-F238E27FC236}">
-                      <a16:creationId xmlns:a16="http://schemas.microsoft.com/office/drawing/2014/main" id="{53634838-459F-7A46-D2E4-3C0DF67EA9FB}"/>
+                    <a:ext uri="{9D8B030D-6E8A-4147-A177-3AD203B41FA5}">
+                      <a16:colId xmlns:a16="http://schemas.microsoft.com/office/drawing/2014/main" val="216245063"/>
                     </a:ext>
                   </a:extLst>
-                </p:cNvPr>
-                <p:cNvSpPr txBox="1">
-                  <a:spLocks noRot="1" noChangeAspect="1" noMove="1" noResize="1" noEditPoints="1" noAdjustHandles="1" noChangeArrowheads="1" noChangeShapeType="1" noTextEdit="1"/>
-                </p:cNvSpPr>
-                <p:nvPr/>
-              </p:nvSpPr>
-              <p:spPr>
-                <a:xfrm>
-                  <a:off x="1640917" y="1366391"/>
-                  <a:ext cx="1906548" cy="646331"/>
-                </a:xfrm>
-                <a:prstGeom prst="rect">
-                  <a:avLst/>
-                </a:prstGeom>
-                <a:blipFill>
-                  <a:blip r:embed="rId3"/>
-                  <a:stretch>
-                    <a:fillRect b="-4587"/>
-                  </a:stretch>
-                </a:blipFill>
-                <a:ln w="19050"/>
-              </p:spPr>
-              <p:txBody>
-                <a:bodyPr/>
-                <a:lstStyle/>
-                <a:p>
-                  <a:r>
-                    <a:rPr lang="en-AU">
-                      <a:noFill/>
-                    </a:rPr>
-                    <a:t> </a:t>
-                  </a:r>
-                </a:p>
-              </p:txBody>
-            </p:sp>
-          </mc:Fallback>
-        </mc:AlternateContent>
-        <mc:AlternateContent xmlns:mc="http://schemas.openxmlformats.org/markup-compatibility/2006">
-          <mc:Choice xmlns:a14="http://schemas.microsoft.com/office/drawing/2010/main" Requires="a14">
-            <p:sp>
-              <p:nvSpPr>
-                <p:cNvPr id="5" name="TextBox 4">
-                  <a:extLst>
-                    <a:ext uri="{FF2B5EF4-FFF2-40B4-BE49-F238E27FC236}">
-                      <a16:creationId xmlns:a16="http://schemas.microsoft.com/office/drawing/2014/main" id="{A8770969-E353-3CA4-2EA3-1A3A20A82E76}"/>
-                    </a:ext>
-                  </a:extLst>
-                </p:cNvPr>
-                <p:cNvSpPr txBox="1"/>
-                <p:nvPr/>
-              </p:nvSpPr>
-              <p:spPr>
-                <a:xfrm>
-                  <a:off x="-750206" y="3328419"/>
-                  <a:ext cx="1859420" cy="646331"/>
-                </a:xfrm>
-                <a:prstGeom prst="rect">
-                  <a:avLst/>
-                </a:prstGeom>
-                <a:ln w="19050"/>
-              </p:spPr>
-              <p:style>
-                <a:lnRef idx="2">
-                  <a:schemeClr val="accent1"/>
-                </a:lnRef>
-                <a:fillRef idx="1">
-                  <a:schemeClr val="lt1"/>
-                </a:fillRef>
-                <a:effectRef idx="0">
-                  <a:schemeClr val="accent1"/>
-                </a:effectRef>
-                <a:fontRef idx="minor">
-                  <a:schemeClr val="dk1"/>
-                </a:fontRef>
-              </p:style>
-              <p:txBody>
-                <a:bodyPr wrap="none" rtlCol="0">
-                  <a:spAutoFit/>
-                </a:bodyPr>
-                <a:lstStyle/>
-                <a:p>
-                  <a:pPr/>
-                  <a14:m>
-                    <m:oMathPara xmlns:m="http://schemas.openxmlformats.org/officeDocument/2006/math">
-                      <m:oMathParaPr>
-                        <m:jc m:val="centerGroup"/>
-                      </m:oMathParaPr>
-                      <m:oMath xmlns:m="http://schemas.openxmlformats.org/officeDocument/2006/math">
-                        <m:r>
-                          <a:rPr lang="en-US" b="0" i="1" dirty="0" smtClean="0">
-                            <a:latin typeface="Cambria Math" panose="02040503050406030204" pitchFamily="18" charset="0"/>
-                          </a:rPr>
-                          <m:t>𝐵𝑀𝐼</m:t>
-                        </m:r>
-                        <m:r>
-                          <a:rPr lang="en-US" b="0" i="1" dirty="0" smtClean="0">
-                            <a:latin typeface="Cambria Math" panose="02040503050406030204" pitchFamily="18" charset="0"/>
-                          </a:rPr>
-                          <m:t>≤26.45</m:t>
-                        </m:r>
-                      </m:oMath>
-                    </m:oMathPara>
-                  </a14:m>
-                  <a:endParaRPr lang="en-US" b="0" i="1" dirty="0">
-                    <a:latin typeface="Cambria Math" panose="02040503050406030204" pitchFamily="18" charset="0"/>
-                  </a:endParaRPr>
-                </a:p>
-                <a:p>
-                  <a:r>
-                    <a:rPr lang="en-US" i="1" dirty="0">
-                      <a:latin typeface="Cambria Math" panose="02040503050406030204" pitchFamily="18" charset="0"/>
-                    </a:rPr>
-                    <a:t>Entropy = 0.872</a:t>
-                  </a:r>
-                </a:p>
-              </p:txBody>
-            </p:sp>
-          </mc:Choice>
-          <mc:Fallback>
-            <p:sp>
-              <p:nvSpPr>
-                <p:cNvPr id="5" name="TextBox 4">
-                  <a:extLst>
-                    <a:ext uri="{FF2B5EF4-FFF2-40B4-BE49-F238E27FC236}">
-                      <a16:creationId xmlns:a16="http://schemas.microsoft.com/office/drawing/2014/main" id="{A8770969-E353-3CA4-2EA3-1A3A20A82E76}"/>
-                    </a:ext>
-                  </a:extLst>
-                </p:cNvPr>
-                <p:cNvSpPr txBox="1">
-                  <a:spLocks noRot="1" noChangeAspect="1" noMove="1" noResize="1" noEditPoints="1" noAdjustHandles="1" noChangeArrowheads="1" noChangeShapeType="1" noTextEdit="1"/>
-                </p:cNvSpPr>
-                <p:nvPr/>
-              </p:nvSpPr>
-              <p:spPr>
-                <a:xfrm>
-                  <a:off x="-750206" y="3328419"/>
-                  <a:ext cx="1859420" cy="646331"/>
-                </a:xfrm>
-                <a:prstGeom prst="rect">
-                  <a:avLst/>
-                </a:prstGeom>
-                <a:blipFill>
-                  <a:blip r:embed="rId4"/>
-                  <a:stretch>
-                    <a:fillRect l="-2597" b="-11009"/>
-                  </a:stretch>
-                </a:blipFill>
-                <a:ln w="19050"/>
-              </p:spPr>
-              <p:txBody>
-                <a:bodyPr/>
-                <a:lstStyle/>
-                <a:p>
-                  <a:r>
-                    <a:rPr lang="en-AU">
-                      <a:noFill/>
-                    </a:rPr>
-                    <a:t> </a:t>
-                  </a:r>
-                </a:p>
-              </p:txBody>
-            </p:sp>
-          </mc:Fallback>
-        </mc:AlternateContent>
-        <mc:AlternateContent xmlns:mc="http://schemas.openxmlformats.org/markup-compatibility/2006">
-          <mc:Choice xmlns:a14="http://schemas.microsoft.com/office/drawing/2010/main" Requires="a14">
-            <p:sp>
-              <p:nvSpPr>
-                <p:cNvPr id="7" name="TextBox 6">
-                  <a:extLst>
-                    <a:ext uri="{FF2B5EF4-FFF2-40B4-BE49-F238E27FC236}">
-                      <a16:creationId xmlns:a16="http://schemas.microsoft.com/office/drawing/2014/main" id="{E50B4321-7BC9-0C9A-5769-7E95B40B37EC}"/>
-                    </a:ext>
-                  </a:extLst>
-                </p:cNvPr>
-                <p:cNvSpPr txBox="1"/>
-                <p:nvPr/>
-              </p:nvSpPr>
-              <p:spPr>
-                <a:xfrm>
-                  <a:off x="4232926" y="3328419"/>
-                  <a:ext cx="1963166" cy="646331"/>
-                </a:xfrm>
-                <a:prstGeom prst="rect">
-                  <a:avLst/>
-                </a:prstGeom>
-                <a:ln w="19050"/>
-              </p:spPr>
-              <p:style>
-                <a:lnRef idx="2">
-                  <a:schemeClr val="accent1"/>
-                </a:lnRef>
-                <a:fillRef idx="1">
-                  <a:schemeClr val="lt1"/>
-                </a:fillRef>
-                <a:effectRef idx="0">
-                  <a:schemeClr val="accent1"/>
-                </a:effectRef>
-                <a:fontRef idx="minor">
-                  <a:schemeClr val="dk1"/>
-                </a:fontRef>
-              </p:style>
-              <p:txBody>
-                <a:bodyPr wrap="none" rtlCol="0">
-                  <a:spAutoFit/>
-                </a:bodyPr>
-                <a:lstStyle/>
-                <a:p>
-                  <a:pPr/>
-                  <a14:m>
-                    <m:oMathPara xmlns:m="http://schemas.openxmlformats.org/officeDocument/2006/math">
-                      <m:oMathParaPr>
-                        <m:jc m:val="centerGroup"/>
-                      </m:oMathParaPr>
-                      <m:oMath xmlns:m="http://schemas.openxmlformats.org/officeDocument/2006/math">
-                        <m:r>
-                          <a:rPr lang="en-US" b="0" i="1" dirty="0" smtClean="0">
-                            <a:latin typeface="Cambria Math" panose="02040503050406030204" pitchFamily="18" charset="0"/>
-                          </a:rPr>
-                          <m:t>𝐺𝑙𝑢𝑐𝑜𝑠𝑒</m:t>
-                        </m:r>
-                        <m:r>
-                          <a:rPr lang="en-US" b="0" i="1" dirty="0" smtClean="0">
-                            <a:latin typeface="Cambria Math" panose="02040503050406030204" pitchFamily="18" charset="0"/>
-                          </a:rPr>
-                          <m:t>≤154.5</m:t>
-                        </m:r>
-                      </m:oMath>
-                    </m:oMathPara>
-                  </a14:m>
-                  <a:endParaRPr lang="en-US" dirty="0"/>
-                </a:p>
-                <a:p>
-                  <a:pPr/>
-                  <a14:m>
-                    <m:oMathPara xmlns:m="http://schemas.openxmlformats.org/officeDocument/2006/math">
-                      <m:oMathParaPr>
-                        <m:jc m:val="centerGroup"/>
-                      </m:oMathParaPr>
-                      <m:oMath xmlns:m="http://schemas.openxmlformats.org/officeDocument/2006/math">
-                        <m:r>
-                          <a:rPr lang="en-US" b="0" i="1" dirty="0" smtClean="0">
-                            <a:latin typeface="Cambria Math" panose="02040503050406030204" pitchFamily="18" charset="0"/>
-                          </a:rPr>
-                          <m:t>𝐸𝑛𝑡𝑟𝑜𝑝𝑦</m:t>
-                        </m:r>
-                        <m:r>
-                          <a:rPr lang="en-US" b="0" i="1" dirty="0" smtClean="0">
-                            <a:latin typeface="Cambria Math" panose="02040503050406030204" pitchFamily="18" charset="0"/>
-                          </a:rPr>
-                          <m:t>=0.865</m:t>
-                        </m:r>
-                      </m:oMath>
-                    </m:oMathPara>
-                  </a14:m>
-                  <a:endParaRPr lang="en-US" dirty="0"/>
-                </a:p>
-              </p:txBody>
-            </p:sp>
-          </mc:Choice>
-          <mc:Fallback>
-            <p:sp>
-              <p:nvSpPr>
-                <p:cNvPr id="7" name="TextBox 6">
-                  <a:extLst>
-                    <a:ext uri="{FF2B5EF4-FFF2-40B4-BE49-F238E27FC236}">
-                      <a16:creationId xmlns:a16="http://schemas.microsoft.com/office/drawing/2014/main" id="{E50B4321-7BC9-0C9A-5769-7E95B40B37EC}"/>
-                    </a:ext>
-                  </a:extLst>
-                </p:cNvPr>
-                <p:cNvSpPr txBox="1">
-                  <a:spLocks noRot="1" noChangeAspect="1" noMove="1" noResize="1" noEditPoints="1" noAdjustHandles="1" noChangeArrowheads="1" noChangeShapeType="1" noTextEdit="1"/>
-                </p:cNvSpPr>
-                <p:nvPr/>
-              </p:nvSpPr>
-              <p:spPr>
-                <a:xfrm>
-                  <a:off x="4232926" y="3328419"/>
-                  <a:ext cx="1963166" cy="646331"/>
-                </a:xfrm>
-                <a:prstGeom prst="rect">
-                  <a:avLst/>
-                </a:prstGeom>
-                <a:blipFill>
-                  <a:blip r:embed="rId5"/>
-                  <a:stretch>
-                    <a:fillRect b="-4587"/>
-                  </a:stretch>
-                </a:blipFill>
-                <a:ln w="19050"/>
-              </p:spPr>
-              <p:txBody>
-                <a:bodyPr/>
-                <a:lstStyle/>
-                <a:p>
-                  <a:r>
-                    <a:rPr lang="en-AU">
-                      <a:noFill/>
-                    </a:rPr>
-                    <a:t> </a:t>
-                  </a:r>
-                </a:p>
-              </p:txBody>
-            </p:sp>
-          </mc:Fallback>
-        </mc:AlternateContent>
-        <p:cxnSp>
-          <p:nvCxnSpPr>
-            <p:cNvPr id="8" name="Straight Arrow Connector 7">
-              <a:extLst>
-                <a:ext uri="{FF2B5EF4-FFF2-40B4-BE49-F238E27FC236}">
-                  <a16:creationId xmlns:a16="http://schemas.microsoft.com/office/drawing/2014/main" id="{E9DC2C04-5AFD-3D1C-73E6-218A7859CB55}"/>
-                </a:ext>
-              </a:extLst>
-            </p:cNvPr>
-            <p:cNvCxnSpPr>
-              <a:stCxn id="4" idx="2"/>
-              <a:endCxn id="5" idx="0"/>
-            </p:cNvCxnSpPr>
-            <p:nvPr/>
-          </p:nvCxnSpPr>
-          <p:spPr>
-            <a:xfrm flipH="1">
-              <a:off x="179504" y="2012722"/>
-              <a:ext cx="2414687" cy="1315697"/>
-            </a:xfrm>
-            <a:prstGeom prst="straightConnector1">
-              <a:avLst/>
-            </a:prstGeom>
-            <a:ln w="19050">
-              <a:tailEnd type="triangle"/>
-            </a:ln>
-          </p:spPr>
-          <p:style>
-            <a:lnRef idx="1">
-              <a:schemeClr val="accent1"/>
-            </a:lnRef>
-            <a:fillRef idx="0">
-              <a:schemeClr val="accent1"/>
-            </a:fillRef>
-            <a:effectRef idx="0">
-              <a:schemeClr val="accent1"/>
-            </a:effectRef>
-            <a:fontRef idx="minor">
-              <a:schemeClr val="tx1"/>
-            </a:fontRef>
-          </p:style>
-        </p:cxnSp>
-        <p:cxnSp>
-          <p:nvCxnSpPr>
-            <p:cNvPr id="10" name="Straight Arrow Connector 9">
-              <a:extLst>
-                <a:ext uri="{FF2B5EF4-FFF2-40B4-BE49-F238E27FC236}">
-                  <a16:creationId xmlns:a16="http://schemas.microsoft.com/office/drawing/2014/main" id="{A5DDBE92-E5D1-EC99-138E-CAB70E50438E}"/>
-                </a:ext>
-              </a:extLst>
-            </p:cNvPr>
-            <p:cNvCxnSpPr>
-              <a:stCxn id="4" idx="2"/>
-              <a:endCxn id="7" idx="0"/>
-            </p:cNvCxnSpPr>
-            <p:nvPr/>
-          </p:nvCxnSpPr>
-          <p:spPr>
-            <a:xfrm>
-              <a:off x="2594191" y="2012722"/>
-              <a:ext cx="2620318" cy="1315697"/>
-            </a:xfrm>
-            <a:prstGeom prst="straightConnector1">
-              <a:avLst/>
-            </a:prstGeom>
-            <a:ln w="19050">
-              <a:tailEnd type="triangle"/>
-            </a:ln>
-          </p:spPr>
-          <p:style>
-            <a:lnRef idx="1">
-              <a:schemeClr val="accent1"/>
-            </a:lnRef>
-            <a:fillRef idx="0">
-              <a:schemeClr val="accent1"/>
-            </a:fillRef>
-            <a:effectRef idx="0">
-              <a:schemeClr val="accent1"/>
-            </a:effectRef>
-            <a:fontRef idx="minor">
-              <a:schemeClr val="tx1"/>
-            </a:fontRef>
-          </p:style>
-        </p:cxnSp>
-        <p:sp>
-          <p:nvSpPr>
-            <p:cNvPr id="12" name="TextBox 11">
-              <a:extLst>
-                <a:ext uri="{FF2B5EF4-FFF2-40B4-BE49-F238E27FC236}">
-                  <a16:creationId xmlns:a16="http://schemas.microsoft.com/office/drawing/2014/main" id="{0F89A906-0768-6242-24DB-901A4B6EDB59}"/>
-                </a:ext>
-              </a:extLst>
-            </p:cNvPr>
-            <p:cNvSpPr txBox="1"/>
-            <p:nvPr/>
-          </p:nvSpPr>
-          <p:spPr>
-            <a:xfrm>
-              <a:off x="3298268" y="5280947"/>
-              <a:ext cx="1817742" cy="369332"/>
-            </a:xfrm>
-            <a:prstGeom prst="rect">
-              <a:avLst/>
-            </a:prstGeom>
-            <a:ln w="19050"/>
-          </p:spPr>
-          <p:style>
-            <a:lnRef idx="2">
-              <a:schemeClr val="accent1"/>
-            </a:lnRef>
-            <a:fillRef idx="1">
-              <a:schemeClr val="lt1"/>
-            </a:fillRef>
-            <a:effectRef idx="0">
-              <a:schemeClr val="accent1"/>
-            </a:effectRef>
-            <a:fontRef idx="minor">
-              <a:schemeClr val="dk1"/>
-            </a:fontRef>
-          </p:style>
-          <p:txBody>
-            <a:bodyPr wrap="none" rtlCol="0">
-              <a:spAutoFit/>
-            </a:bodyPr>
-            <a:lstStyle/>
-            <a:p>
-              <a:r>
-                <a:rPr lang="en-US" i="1" dirty="0">
-                  <a:latin typeface="Cambria Math" panose="02040503050406030204" pitchFamily="18" charset="0"/>
-                </a:rPr>
-                <a:t>Entropy = 0.974</a:t>
-              </a:r>
-            </a:p>
-          </p:txBody>
-        </p:sp>
-        <mc:AlternateContent xmlns:mc="http://schemas.openxmlformats.org/markup-compatibility/2006">
-          <mc:Choice xmlns:a14="http://schemas.microsoft.com/office/drawing/2010/main" Requires="a14">
-            <p:sp>
-              <p:nvSpPr>
-                <p:cNvPr id="13" name="TextBox 12">
-                  <a:extLst>
-                    <a:ext uri="{FF2B5EF4-FFF2-40B4-BE49-F238E27FC236}">
-                      <a16:creationId xmlns:a16="http://schemas.microsoft.com/office/drawing/2014/main" id="{0D183355-57BD-5E45-5D67-6ED37915B225}"/>
-                    </a:ext>
-                  </a:extLst>
-                </p:cNvPr>
-                <p:cNvSpPr txBox="1"/>
-                <p:nvPr/>
-              </p:nvSpPr>
-              <p:spPr>
-                <a:xfrm>
-                  <a:off x="5278223" y="5266204"/>
-                  <a:ext cx="1963166" cy="369332"/>
-                </a:xfrm>
-                <a:prstGeom prst="rect">
-                  <a:avLst/>
-                </a:prstGeom>
-                <a:ln w="19050"/>
-              </p:spPr>
-              <p:style>
-                <a:lnRef idx="2">
-                  <a:schemeClr val="accent1"/>
-                </a:lnRef>
-                <a:fillRef idx="1">
-                  <a:schemeClr val="lt1"/>
-                </a:fillRef>
-                <a:effectRef idx="0">
-                  <a:schemeClr val="accent1"/>
-                </a:effectRef>
-                <a:fontRef idx="minor">
-                  <a:schemeClr val="dk1"/>
-                </a:fontRef>
-              </p:style>
-              <p:txBody>
-                <a:bodyPr wrap="none" rtlCol="0">
-                  <a:spAutoFit/>
-                </a:bodyPr>
-                <a:lstStyle/>
-                <a:p>
-                  <a:pPr/>
-                  <a14:m>
-                    <m:oMathPara xmlns:m="http://schemas.openxmlformats.org/officeDocument/2006/math">
-                      <m:oMathParaPr>
-                        <m:jc m:val="centerGroup"/>
-                      </m:oMathParaPr>
-                      <m:oMath xmlns:m="http://schemas.openxmlformats.org/officeDocument/2006/math">
-                        <m:r>
-                          <a:rPr lang="en-US" b="0" i="1" dirty="0" smtClean="0">
-                            <a:latin typeface="Cambria Math" panose="02040503050406030204" pitchFamily="18" charset="0"/>
-                          </a:rPr>
-                          <m:t>𝐸𝑛𝑡𝑟𝑜𝑝𝑦</m:t>
-                        </m:r>
-                        <m:r>
-                          <a:rPr lang="en-US" b="0" i="1" dirty="0" smtClean="0">
-                            <a:latin typeface="Cambria Math" panose="02040503050406030204" pitchFamily="18" charset="0"/>
-                          </a:rPr>
-                          <m:t>=0.537</m:t>
-                        </m:r>
-                      </m:oMath>
-                    </m:oMathPara>
-                  </a14:m>
-                  <a:endParaRPr lang="en-US" dirty="0"/>
-                </a:p>
-              </p:txBody>
-            </p:sp>
-          </mc:Choice>
-          <mc:Fallback>
-            <p:sp>
-              <p:nvSpPr>
-                <p:cNvPr id="13" name="TextBox 12">
-                  <a:extLst>
-                    <a:ext uri="{FF2B5EF4-FFF2-40B4-BE49-F238E27FC236}">
-                      <a16:creationId xmlns:a16="http://schemas.microsoft.com/office/drawing/2014/main" id="{0D183355-57BD-5E45-5D67-6ED37915B225}"/>
-                    </a:ext>
-                  </a:extLst>
-                </p:cNvPr>
-                <p:cNvSpPr txBox="1">
-                  <a:spLocks noRot="1" noChangeAspect="1" noMove="1" noResize="1" noEditPoints="1" noAdjustHandles="1" noChangeArrowheads="1" noChangeShapeType="1" noTextEdit="1"/>
-                </p:cNvSpPr>
-                <p:nvPr/>
-              </p:nvSpPr>
-              <p:spPr>
-                <a:xfrm>
-                  <a:off x="5278223" y="5266204"/>
-                  <a:ext cx="1963166" cy="369332"/>
-                </a:xfrm>
-                <a:prstGeom prst="rect">
-                  <a:avLst/>
-                </a:prstGeom>
-                <a:blipFill>
-                  <a:blip r:embed="rId6"/>
-                  <a:stretch>
-                    <a:fillRect b="-7813"/>
-                  </a:stretch>
-                </a:blipFill>
-                <a:ln w="19050"/>
-              </p:spPr>
-              <p:txBody>
-                <a:bodyPr/>
-                <a:lstStyle/>
-                <a:p>
-                  <a:r>
-                    <a:rPr lang="en-AU">
-                      <a:noFill/>
-                    </a:rPr>
-                    <a:t> </a:t>
-                  </a:r>
-                </a:p>
-              </p:txBody>
-            </p:sp>
-          </mc:Fallback>
-        </mc:AlternateContent>
-        <p:cxnSp>
-          <p:nvCxnSpPr>
-            <p:cNvPr id="14" name="Straight Arrow Connector 13">
-              <a:extLst>
-                <a:ext uri="{FF2B5EF4-FFF2-40B4-BE49-F238E27FC236}">
-                  <a16:creationId xmlns:a16="http://schemas.microsoft.com/office/drawing/2014/main" id="{0C6167E6-E638-4DEA-5248-988B740A16E6}"/>
-                </a:ext>
-              </a:extLst>
-            </p:cNvPr>
-            <p:cNvCxnSpPr>
-              <a:cxnSpLocks/>
-              <a:stCxn id="7" idx="2"/>
-              <a:endCxn id="12" idx="0"/>
-            </p:cNvCxnSpPr>
-            <p:nvPr/>
-          </p:nvCxnSpPr>
-          <p:spPr>
-            <a:xfrm flipH="1">
-              <a:off x="4207139" y="3974750"/>
-              <a:ext cx="1007370" cy="1306197"/>
-            </a:xfrm>
-            <a:prstGeom prst="straightConnector1">
-              <a:avLst/>
-            </a:prstGeom>
-            <a:ln w="19050">
-              <a:tailEnd type="triangle"/>
-            </a:ln>
-          </p:spPr>
-          <p:style>
-            <a:lnRef idx="1">
-              <a:schemeClr val="accent1"/>
-            </a:lnRef>
-            <a:fillRef idx="0">
-              <a:schemeClr val="accent1"/>
-            </a:fillRef>
-            <a:effectRef idx="0">
-              <a:schemeClr val="accent1"/>
-            </a:effectRef>
-            <a:fontRef idx="minor">
-              <a:schemeClr val="tx1"/>
-            </a:fontRef>
-          </p:style>
-        </p:cxnSp>
-        <p:cxnSp>
-          <p:nvCxnSpPr>
-            <p:cNvPr id="15" name="Straight Arrow Connector 14">
-              <a:extLst>
-                <a:ext uri="{FF2B5EF4-FFF2-40B4-BE49-F238E27FC236}">
-                  <a16:creationId xmlns:a16="http://schemas.microsoft.com/office/drawing/2014/main" id="{3ACC5DDF-5A4B-9B63-2954-720DE65739EB}"/>
-                </a:ext>
-              </a:extLst>
-            </p:cNvPr>
-            <p:cNvCxnSpPr>
-              <a:cxnSpLocks/>
-              <a:stCxn id="7" idx="2"/>
-              <a:endCxn id="13" idx="0"/>
-            </p:cNvCxnSpPr>
-            <p:nvPr/>
-          </p:nvCxnSpPr>
-          <p:spPr>
-            <a:xfrm>
-              <a:off x="5214509" y="3974750"/>
-              <a:ext cx="1045297" cy="1291454"/>
-            </a:xfrm>
-            <a:prstGeom prst="straightConnector1">
-              <a:avLst/>
-            </a:prstGeom>
-            <a:ln w="19050">
-              <a:tailEnd type="triangle"/>
-            </a:ln>
-          </p:spPr>
-          <p:style>
-            <a:lnRef idx="1">
-              <a:schemeClr val="accent1"/>
-            </a:lnRef>
-            <a:fillRef idx="0">
-              <a:schemeClr val="accent1"/>
-            </a:fillRef>
-            <a:effectRef idx="0">
-              <a:schemeClr val="accent1"/>
-            </a:effectRef>
-            <a:fontRef idx="minor">
-              <a:schemeClr val="tx1"/>
-            </a:fontRef>
-          </p:style>
-        </p:cxnSp>
-        <p:sp>
-          <p:nvSpPr>
-            <p:cNvPr id="17" name="TextBox 16">
-              <a:extLst>
-                <a:ext uri="{FF2B5EF4-FFF2-40B4-BE49-F238E27FC236}">
-                  <a16:creationId xmlns:a16="http://schemas.microsoft.com/office/drawing/2014/main" id="{8EBCD9BF-37A8-8805-A1D9-053D3D1F74AB}"/>
-                </a:ext>
-              </a:extLst>
-            </p:cNvPr>
-            <p:cNvSpPr txBox="1"/>
-            <p:nvPr/>
-          </p:nvSpPr>
-          <p:spPr>
-            <a:xfrm>
-              <a:off x="-1756209" y="5297179"/>
-              <a:ext cx="1817742" cy="369332"/>
-            </a:xfrm>
-            <a:prstGeom prst="rect">
-              <a:avLst/>
-            </a:prstGeom>
-            <a:ln w="19050"/>
-          </p:spPr>
-          <p:style>
-            <a:lnRef idx="2">
-              <a:schemeClr val="accent1"/>
-            </a:lnRef>
-            <a:fillRef idx="1">
-              <a:schemeClr val="lt1"/>
-            </a:fillRef>
-            <a:effectRef idx="0">
-              <a:schemeClr val="accent1"/>
-            </a:effectRef>
-            <a:fontRef idx="minor">
-              <a:schemeClr val="dk1"/>
-            </a:fontRef>
-          </p:style>
-          <p:txBody>
-            <a:bodyPr wrap="none" rtlCol="0">
-              <a:spAutoFit/>
-            </a:bodyPr>
-            <a:lstStyle/>
-            <a:p>
-              <a:r>
-                <a:rPr lang="en-US" i="1" dirty="0">
-                  <a:latin typeface="Cambria Math" panose="02040503050406030204" pitchFamily="18" charset="0"/>
-                </a:rPr>
-                <a:t>Entropy = 0.144</a:t>
-              </a:r>
-            </a:p>
-          </p:txBody>
-        </p:sp>
-        <mc:AlternateContent xmlns:mc="http://schemas.openxmlformats.org/markup-compatibility/2006">
-          <mc:Choice xmlns:a14="http://schemas.microsoft.com/office/drawing/2010/main" Requires="a14">
-            <p:sp>
-              <p:nvSpPr>
-                <p:cNvPr id="18" name="TextBox 17">
-                  <a:extLst>
-                    <a:ext uri="{FF2B5EF4-FFF2-40B4-BE49-F238E27FC236}">
-                      <a16:creationId xmlns:a16="http://schemas.microsoft.com/office/drawing/2014/main" id="{FB2B96DE-8C80-9BC1-831D-EDBF98B0FBA5}"/>
-                    </a:ext>
-                  </a:extLst>
-                </p:cNvPr>
-                <p:cNvSpPr txBox="1"/>
-                <p:nvPr/>
-              </p:nvSpPr>
-              <p:spPr>
-                <a:xfrm>
-                  <a:off x="223746" y="5295237"/>
-                  <a:ext cx="1963166" cy="369332"/>
-                </a:xfrm>
-                <a:prstGeom prst="rect">
-                  <a:avLst/>
-                </a:prstGeom>
-                <a:ln w="19050"/>
-              </p:spPr>
-              <p:style>
-                <a:lnRef idx="2">
-                  <a:schemeClr val="accent1"/>
-                </a:lnRef>
-                <a:fillRef idx="1">
-                  <a:schemeClr val="lt1"/>
-                </a:fillRef>
-                <a:effectRef idx="0">
-                  <a:schemeClr val="accent1"/>
-                </a:effectRef>
-                <a:fontRef idx="minor">
-                  <a:schemeClr val="dk1"/>
-                </a:fontRef>
-              </p:style>
-              <p:txBody>
-                <a:bodyPr wrap="none" rtlCol="0">
-                  <a:spAutoFit/>
-                </a:bodyPr>
-                <a:lstStyle/>
-                <a:p>
-                  <a:pPr/>
-                  <a14:m>
-                    <m:oMathPara xmlns:m="http://schemas.openxmlformats.org/officeDocument/2006/math">
-                      <m:oMathParaPr>
-                        <m:jc m:val="centerGroup"/>
-                      </m:oMathParaPr>
-                      <m:oMath xmlns:m="http://schemas.openxmlformats.org/officeDocument/2006/math">
-                        <m:r>
-                          <a:rPr lang="en-US" b="0" i="1" dirty="0" smtClean="0">
-                            <a:latin typeface="Cambria Math" panose="02040503050406030204" pitchFamily="18" charset="0"/>
-                          </a:rPr>
-                          <m:t>𝐸𝑛𝑡𝑟𝑜𝑝𝑦</m:t>
-                        </m:r>
-                        <m:r>
-                          <a:rPr lang="en-US" b="0" i="1" dirty="0" smtClean="0">
-                            <a:latin typeface="Cambria Math" panose="02040503050406030204" pitchFamily="18" charset="0"/>
-                          </a:rPr>
-                          <m:t>=0.957</m:t>
-                        </m:r>
-                      </m:oMath>
-                    </m:oMathPara>
-                  </a14:m>
-                  <a:endParaRPr lang="en-US" dirty="0"/>
-                </a:p>
-              </p:txBody>
-            </p:sp>
-          </mc:Choice>
-          <mc:Fallback>
-            <p:sp>
-              <p:nvSpPr>
-                <p:cNvPr id="18" name="TextBox 17">
-                  <a:extLst>
-                    <a:ext uri="{FF2B5EF4-FFF2-40B4-BE49-F238E27FC236}">
-                      <a16:creationId xmlns:a16="http://schemas.microsoft.com/office/drawing/2014/main" id="{FB2B96DE-8C80-9BC1-831D-EDBF98B0FBA5}"/>
-                    </a:ext>
-                  </a:extLst>
-                </p:cNvPr>
-                <p:cNvSpPr txBox="1">
-                  <a:spLocks noRot="1" noChangeAspect="1" noMove="1" noResize="1" noEditPoints="1" noAdjustHandles="1" noChangeArrowheads="1" noChangeShapeType="1" noTextEdit="1"/>
-                </p:cNvSpPr>
-                <p:nvPr/>
-              </p:nvSpPr>
-              <p:spPr>
-                <a:xfrm>
-                  <a:off x="223746" y="5295237"/>
-                  <a:ext cx="1963166" cy="369332"/>
-                </a:xfrm>
-                <a:prstGeom prst="rect">
-                  <a:avLst/>
-                </a:prstGeom>
-                <a:blipFill>
-                  <a:blip r:embed="rId7"/>
-                  <a:stretch>
-                    <a:fillRect b="-7813"/>
-                  </a:stretch>
-                </a:blipFill>
-                <a:ln w="19050"/>
-              </p:spPr>
-              <p:txBody>
-                <a:bodyPr/>
-                <a:lstStyle/>
-                <a:p>
-                  <a:r>
-                    <a:rPr lang="en-AU">
-                      <a:noFill/>
-                    </a:rPr>
-                    <a:t> </a:t>
-                  </a:r>
-                </a:p>
-              </p:txBody>
-            </p:sp>
-          </mc:Fallback>
-        </mc:AlternateContent>
-        <p:cxnSp>
-          <p:nvCxnSpPr>
-            <p:cNvPr id="19" name="Straight Arrow Connector 18">
-              <a:extLst>
-                <a:ext uri="{FF2B5EF4-FFF2-40B4-BE49-F238E27FC236}">
-                  <a16:creationId xmlns:a16="http://schemas.microsoft.com/office/drawing/2014/main" id="{917B5954-D0FC-753A-7AEE-4A7D5DB20BD5}"/>
-                </a:ext>
-              </a:extLst>
-            </p:cNvPr>
-            <p:cNvCxnSpPr>
-              <a:cxnSpLocks/>
-              <a:stCxn id="5" idx="2"/>
-              <a:endCxn id="17" idx="0"/>
-            </p:cNvCxnSpPr>
-            <p:nvPr/>
-          </p:nvCxnSpPr>
-          <p:spPr>
-            <a:xfrm flipH="1">
-              <a:off x="-847338" y="3974750"/>
-              <a:ext cx="1026842" cy="1322429"/>
-            </a:xfrm>
-            <a:prstGeom prst="straightConnector1">
-              <a:avLst/>
-            </a:prstGeom>
-            <a:ln w="19050">
-              <a:tailEnd type="triangle"/>
-            </a:ln>
-          </p:spPr>
-          <p:style>
-            <a:lnRef idx="1">
-              <a:schemeClr val="accent1"/>
-            </a:lnRef>
-            <a:fillRef idx="0">
-              <a:schemeClr val="accent1"/>
-            </a:fillRef>
-            <a:effectRef idx="0">
-              <a:schemeClr val="accent1"/>
-            </a:effectRef>
-            <a:fontRef idx="minor">
-              <a:schemeClr val="tx1"/>
-            </a:fontRef>
-          </p:style>
-        </p:cxnSp>
-        <p:cxnSp>
-          <p:nvCxnSpPr>
-            <p:cNvPr id="20" name="Straight Arrow Connector 19">
-              <a:extLst>
-                <a:ext uri="{FF2B5EF4-FFF2-40B4-BE49-F238E27FC236}">
-                  <a16:creationId xmlns:a16="http://schemas.microsoft.com/office/drawing/2014/main" id="{BB933174-D4B6-02F1-9889-B4F44CAEAD0C}"/>
-                </a:ext>
-              </a:extLst>
-            </p:cNvPr>
-            <p:cNvCxnSpPr>
-              <a:cxnSpLocks/>
-              <a:stCxn id="5" idx="2"/>
-              <a:endCxn id="18" idx="0"/>
-            </p:cNvCxnSpPr>
-            <p:nvPr/>
-          </p:nvCxnSpPr>
-          <p:spPr>
-            <a:xfrm>
-              <a:off x="179504" y="3974750"/>
-              <a:ext cx="1025825" cy="1320487"/>
-            </a:xfrm>
-            <a:prstGeom prst="straightConnector1">
-              <a:avLst/>
-            </a:prstGeom>
-            <a:ln w="19050">
-              <a:tailEnd type="triangle"/>
-            </a:ln>
-          </p:spPr>
-          <p:style>
-            <a:lnRef idx="1">
-              <a:schemeClr val="accent1"/>
-            </a:lnRef>
-            <a:fillRef idx="0">
-              <a:schemeClr val="accent1"/>
-            </a:fillRef>
-            <a:effectRef idx="0">
-              <a:schemeClr val="accent1"/>
-            </a:effectRef>
-            <a:fontRef idx="minor">
-              <a:schemeClr val="tx1"/>
-            </a:fontRef>
-          </p:style>
-        </p:cxnSp>
-      </p:grpSp>
+                </a:gridCol>
+              </a:tblGrid>
+              <a:tr h="294443">
+                <a:tc>
+                  <a:txBody>
+                    <a:bodyPr/>
+                    <a:lstStyle/>
+                    <a:p>
+                      <a:r>
+                        <a:rPr lang="en-US" sz="1400" dirty="0"/>
+                        <a:t>Metrics</a:t>
+                      </a:r>
+                    </a:p>
+                  </a:txBody>
+                  <a:tcPr marL="73611" marR="73611" marT="36805" marB="36805"/>
+                </a:tc>
+                <a:tc>
+                  <a:txBody>
+                    <a:bodyPr/>
+                    <a:lstStyle/>
+                    <a:p>
+                      <a:r>
+                        <a:rPr lang="en-US" sz="1400" dirty="0"/>
+                        <a:t>Value on Test</a:t>
+                      </a:r>
+                    </a:p>
+                  </a:txBody>
+                  <a:tcPr marL="73611" marR="73611" marT="36805" marB="36805"/>
+                </a:tc>
+                <a:extLst>
+                  <a:ext uri="{0D108BD9-81ED-4DB2-BD59-A6C34878D82A}">
+                    <a16:rowId xmlns:a16="http://schemas.microsoft.com/office/drawing/2014/main" val="1139231213"/>
+                  </a:ext>
+                </a:extLst>
+              </a:tr>
+              <a:tr h="294443">
+                <a:tc>
+                  <a:txBody>
+                    <a:bodyPr/>
+                    <a:lstStyle/>
+                    <a:p>
+                      <a:r>
+                        <a:rPr lang="en-US" sz="1400" b="0" i="0" kern="1200" dirty="0">
+                          <a:solidFill>
+                            <a:schemeClr val="dk1"/>
+                          </a:solidFill>
+                          <a:effectLst/>
+                          <a:latin typeface="+mn-lt"/>
+                          <a:ea typeface="+mn-ea"/>
+                          <a:cs typeface="+mn-cs"/>
+                        </a:rPr>
+                        <a:t>Accuracy</a:t>
+                      </a:r>
+                      <a:endParaRPr lang="en-US" sz="1400" dirty="0"/>
+                    </a:p>
+                  </a:txBody>
+                  <a:tcPr marL="73611" marR="73611" marT="36805" marB="36805"/>
+                </a:tc>
+                <a:tc>
+                  <a:txBody>
+                    <a:bodyPr/>
+                    <a:lstStyle/>
+                    <a:p>
+                      <a:r>
+                        <a:rPr lang="en-US" sz="1400" b="0" i="0" kern="1200" dirty="0">
+                          <a:solidFill>
+                            <a:schemeClr val="dk1"/>
+                          </a:solidFill>
+                          <a:effectLst/>
+                          <a:latin typeface="+mn-lt"/>
+                          <a:ea typeface="+mn-ea"/>
+                          <a:cs typeface="+mn-cs"/>
+                        </a:rPr>
+                        <a:t>76.52</a:t>
+                      </a:r>
+                      <a:endParaRPr lang="en-US" sz="1400" dirty="0"/>
+                    </a:p>
+                  </a:txBody>
+                  <a:tcPr marL="73611" marR="73611" marT="36805" marB="36805"/>
+                </a:tc>
+                <a:extLst>
+                  <a:ext uri="{0D108BD9-81ED-4DB2-BD59-A6C34878D82A}">
+                    <a16:rowId xmlns:a16="http://schemas.microsoft.com/office/drawing/2014/main" val="171036476"/>
+                  </a:ext>
+                </a:extLst>
+              </a:tr>
+              <a:tr h="294443">
+                <a:tc>
+                  <a:txBody>
+                    <a:bodyPr/>
+                    <a:lstStyle/>
+                    <a:p>
+                      <a:r>
+                        <a:rPr lang="en-US" sz="1400" b="0" i="0" kern="1200" dirty="0">
+                          <a:solidFill>
+                            <a:schemeClr val="dk1"/>
+                          </a:solidFill>
+                          <a:effectLst/>
+                          <a:latin typeface="+mn-lt"/>
+                          <a:ea typeface="+mn-ea"/>
+                          <a:cs typeface="+mn-cs"/>
+                        </a:rPr>
+                        <a:t>Recall</a:t>
+                      </a:r>
+                      <a:endParaRPr lang="en-US" sz="1400" dirty="0"/>
+                    </a:p>
+                  </a:txBody>
+                  <a:tcPr marL="73611" marR="73611" marT="36805" marB="36805"/>
+                </a:tc>
+                <a:tc>
+                  <a:txBody>
+                    <a:bodyPr/>
+                    <a:lstStyle/>
+                    <a:p>
+                      <a:r>
+                        <a:rPr lang="en-US" sz="1400" dirty="0"/>
+                        <a:t>63.63</a:t>
+                      </a:r>
+                    </a:p>
+                  </a:txBody>
+                  <a:tcPr marL="73611" marR="73611" marT="36805" marB="36805"/>
+                </a:tc>
+                <a:extLst>
+                  <a:ext uri="{0D108BD9-81ED-4DB2-BD59-A6C34878D82A}">
+                    <a16:rowId xmlns:a16="http://schemas.microsoft.com/office/drawing/2014/main" val="692433044"/>
+                  </a:ext>
+                </a:extLst>
+              </a:tr>
+              <a:tr h="294443">
+                <a:tc>
+                  <a:txBody>
+                    <a:bodyPr/>
+                    <a:lstStyle/>
+                    <a:p>
+                      <a:r>
+                        <a:rPr lang="en-US" sz="1400" dirty="0"/>
+                        <a:t>Precision</a:t>
+                      </a:r>
+                    </a:p>
+                  </a:txBody>
+                  <a:tcPr marL="73611" marR="73611" marT="36805" marB="36805"/>
+                </a:tc>
+                <a:tc>
+                  <a:txBody>
+                    <a:bodyPr/>
+                    <a:lstStyle/>
+                    <a:p>
+                      <a:r>
+                        <a:rPr lang="en-US" sz="1400" dirty="0"/>
+                        <a:t>58.33</a:t>
+                      </a:r>
+                    </a:p>
+                  </a:txBody>
+                  <a:tcPr marL="73611" marR="73611" marT="36805" marB="36805"/>
+                </a:tc>
+                <a:extLst>
+                  <a:ext uri="{0D108BD9-81ED-4DB2-BD59-A6C34878D82A}">
+                    <a16:rowId xmlns:a16="http://schemas.microsoft.com/office/drawing/2014/main" val="197537275"/>
+                  </a:ext>
+                </a:extLst>
+              </a:tr>
+              <a:tr h="294443">
+                <a:tc>
+                  <a:txBody>
+                    <a:bodyPr/>
+                    <a:lstStyle/>
+                    <a:p>
+                      <a:r>
+                        <a:rPr lang="en-US" sz="1400" dirty="0"/>
+                        <a:t>FPR</a:t>
+                      </a:r>
+                    </a:p>
+                  </a:txBody>
+                  <a:tcPr marL="73611" marR="73611" marT="36805" marB="36805"/>
+                </a:tc>
+                <a:tc>
+                  <a:txBody>
+                    <a:bodyPr/>
+                    <a:lstStyle/>
+                    <a:p>
+                      <a:r>
+                        <a:rPr lang="en-US" sz="1400" dirty="0"/>
+                        <a:t>18.29</a:t>
+                      </a:r>
+                    </a:p>
+                  </a:txBody>
+                  <a:tcPr marL="73611" marR="73611" marT="36805" marB="36805"/>
+                </a:tc>
+                <a:extLst>
+                  <a:ext uri="{0D108BD9-81ED-4DB2-BD59-A6C34878D82A}">
+                    <a16:rowId xmlns:a16="http://schemas.microsoft.com/office/drawing/2014/main" val="2580739939"/>
+                  </a:ext>
+                </a:extLst>
+              </a:tr>
+            </a:tbl>
+          </a:graphicData>
+        </a:graphic>
+      </p:graphicFrame>
+      <p:pic>
+        <p:nvPicPr>
+          <p:cNvPr id="1836" name="Picture 1835">
+            <a:extLst>
+              <a:ext uri="{FF2B5EF4-FFF2-40B4-BE49-F238E27FC236}">
+                <a16:creationId xmlns:a16="http://schemas.microsoft.com/office/drawing/2014/main" id="{3285A726-4DB9-A94B-274C-C71201CB2E5F}"/>
+              </a:ext>
+            </a:extLst>
+          </p:cNvPr>
+          <p:cNvPicPr>
+            <a:picLocks noChangeAspect="1"/>
+          </p:cNvPicPr>
+          <p:nvPr/>
+        </p:nvPicPr>
+        <p:blipFill rotWithShape="1">
+          <a:blip r:embed="rId3">
+            <a:clrChange>
+              <a:clrFrom>
+                <a:srgbClr val="FFFFFF"/>
+              </a:clrFrom>
+              <a:clrTo>
+                <a:srgbClr val="FFFFFF">
+                  <a:alpha val="0"/>
+                </a:srgbClr>
+              </a:clrTo>
+            </a:clrChange>
+          </a:blip>
+          <a:srcRect r="18447"/>
+          <a:stretch/>
+        </p:blipFill>
+        <p:spPr>
+          <a:xfrm>
+            <a:off x="433670" y="1395124"/>
+            <a:ext cx="1601494" cy="1780164"/>
+          </a:xfrm>
+          <a:prstGeom prst="rect">
+            <a:avLst/>
+          </a:prstGeom>
+        </p:spPr>
+      </p:pic>
+      <p:sp>
+        <p:nvSpPr>
+          <p:cNvPr id="1837" name="TextBox 1836">
+            <a:extLst>
+              <a:ext uri="{FF2B5EF4-FFF2-40B4-BE49-F238E27FC236}">
+                <a16:creationId xmlns:a16="http://schemas.microsoft.com/office/drawing/2014/main" id="{A0473C21-E87F-0DF2-B13F-3A90DA4495D1}"/>
+              </a:ext>
+            </a:extLst>
+          </p:cNvPr>
+          <p:cNvSpPr txBox="1"/>
+          <p:nvPr/>
+        </p:nvSpPr>
+        <p:spPr>
+          <a:xfrm>
+            <a:off x="2035164" y="2057464"/>
+            <a:ext cx="2221185" cy="369332"/>
+          </a:xfrm>
+          <a:prstGeom prst="rect">
+            <a:avLst/>
+          </a:prstGeom>
+          <a:noFill/>
+        </p:spPr>
+        <p:txBody>
+          <a:bodyPr wrap="none" rtlCol="0">
+            <a:spAutoFit/>
+          </a:bodyPr>
+          <a:lstStyle/>
+          <a:p>
+            <a:r>
+              <a:rPr lang="en-US" dirty="0"/>
+              <a:t>Test Confusion Matrix</a:t>
+            </a:r>
+          </a:p>
+        </p:txBody>
+      </p:sp>
     </p:spTree>
     <p:extLst>
       <p:ext uri="{BB962C8B-B14F-4D97-AF65-F5344CB8AC3E}">

--- a/Notes/Decision_Trees.pptx
+++ b/Notes/Decision_Trees.pptx
@@ -5,10 +5,10 @@
     <p:sldMasterId id="2147483648" r:id="rId1"/>
   </p:sldMasterIdLst>
   <p:notesMasterIdLst>
-    <p:notesMasterId r:id="rId31"/>
+    <p:notesMasterId r:id="rId33"/>
   </p:notesMasterIdLst>
   <p:handoutMasterIdLst>
-    <p:handoutMasterId r:id="rId32"/>
+    <p:handoutMasterId r:id="rId34"/>
   </p:handoutMasterIdLst>
   <p:sldIdLst>
     <p:sldId id="274" r:id="rId2"/>
@@ -40,6 +40,8 @@
     <p:sldId id="328" r:id="rId28"/>
     <p:sldId id="325" r:id="rId29"/>
     <p:sldId id="317" r:id="rId30"/>
+    <p:sldId id="329" r:id="rId31"/>
+    <p:sldId id="330" r:id="rId32"/>
   </p:sldIdLst>
   <p:sldSz cx="12192000" cy="6858000"/>
   <p:notesSz cx="6858000" cy="9144000"/>
@@ -243,7 +245,7 @@
           <a:p>
             <a:fld id="{0BFC49C2-91E2-4019-9562-07422A279DAF}" type="datetimeFigureOut">
               <a:rPr lang="en-US" smtClean="0"/>
-              <a:t>9/11/2023</a:t>
+              <a:t>9/14/2023</a:t>
             </a:fld>
             <a:endParaRPr lang="en-US"/>
           </a:p>
@@ -420,7 +422,7 @@
           <a:p>
             <a:fld id="{1FEA3286-221C-418A-ABA5-8CBD2C4A5B25}" type="datetimeFigureOut">
               <a:rPr lang="en-US" smtClean="0"/>
-              <a:t>9/11/2023</a:t>
+              <a:t>9/14/2023</a:t>
             </a:fld>
             <a:endParaRPr lang="en-US"/>
           </a:p>
@@ -834,7 +836,7 @@
           <a:p>
             <a:fld id="{C536D5AE-0547-4B22-9FF1-61DC50066B07}" type="datetime1">
               <a:rPr lang="en-US" smtClean="0"/>
-              <a:t>9/11/2023</a:t>
+              <a:t>9/14/2023</a:t>
             </a:fld>
             <a:endParaRPr lang="en-US"/>
           </a:p>
@@ -1035,7 +1037,7 @@
           <a:p>
             <a:fld id="{340B8BF2-BD8A-41AE-9C1D-EB089E94831C}" type="datetime1">
               <a:rPr lang="en-US" smtClean="0"/>
-              <a:t>9/11/2023</a:t>
+              <a:t>9/14/2023</a:t>
             </a:fld>
             <a:endParaRPr lang="en-US"/>
           </a:p>
@@ -1246,7 +1248,7 @@
           <a:p>
             <a:fld id="{3EFD6C31-EB7B-4A64-ABE1-F0AB246A850A}" type="datetime1">
               <a:rPr lang="en-US" smtClean="0"/>
-              <a:t>9/11/2023</a:t>
+              <a:t>9/14/2023</a:t>
             </a:fld>
             <a:endParaRPr lang="en-US"/>
           </a:p>
@@ -1447,7 +1449,7 @@
           <a:p>
             <a:fld id="{668B0DC0-B3F2-439A-9114-5F53D4377D45}" type="datetime1">
               <a:rPr lang="en-US" smtClean="0"/>
-              <a:t>9/11/2023</a:t>
+              <a:t>9/14/2023</a:t>
             </a:fld>
             <a:endParaRPr lang="en-US"/>
           </a:p>
@@ -1725,7 +1727,7 @@
           <a:p>
             <a:fld id="{320A5CD0-6878-49B6-96F5-F20F192C0B0C}" type="datetime1">
               <a:rPr lang="en-US" smtClean="0"/>
-              <a:t>9/11/2023</a:t>
+              <a:t>9/14/2023</a:t>
             </a:fld>
             <a:endParaRPr lang="en-US"/>
           </a:p>
@@ -1993,7 +1995,7 @@
           <a:p>
             <a:fld id="{0FA53E43-3A16-4047-B486-C7A15A332A3C}" type="datetime1">
               <a:rPr lang="en-US" smtClean="0"/>
-              <a:t>9/11/2023</a:t>
+              <a:t>9/14/2023</a:t>
             </a:fld>
             <a:endParaRPr lang="en-US"/>
           </a:p>
@@ -2408,7 +2410,7 @@
           <a:p>
             <a:fld id="{47026F2D-B854-4AB5-B7E3-3EA6EE97A89A}" type="datetime1">
               <a:rPr lang="en-US" smtClean="0"/>
-              <a:t>9/11/2023</a:t>
+              <a:t>9/14/2023</a:t>
             </a:fld>
             <a:endParaRPr lang="en-US"/>
           </a:p>
@@ -2552,7 +2554,7 @@
           <a:p>
             <a:fld id="{E9234E8A-3332-401A-B443-35F0A68A1277}" type="datetime1">
               <a:rPr lang="en-US" smtClean="0"/>
-              <a:t>9/11/2023</a:t>
+              <a:t>9/14/2023</a:t>
             </a:fld>
             <a:endParaRPr lang="en-US"/>
           </a:p>
@@ -2668,7 +2670,7 @@
           <a:p>
             <a:fld id="{ACF48743-21A8-4AA2-9F78-5E14E55EAB74}" type="datetime1">
               <a:rPr lang="en-US" smtClean="0"/>
-              <a:t>9/11/2023</a:t>
+              <a:t>9/14/2023</a:t>
             </a:fld>
             <a:endParaRPr lang="en-US"/>
           </a:p>
@@ -2982,7 +2984,7 @@
           <a:p>
             <a:fld id="{45C93320-C53B-4F9C-A839-A4EECC5AEF8C}" type="datetime1">
               <a:rPr lang="en-US" smtClean="0"/>
-              <a:t>9/11/2023</a:t>
+              <a:t>9/14/2023</a:t>
             </a:fld>
             <a:endParaRPr lang="en-US"/>
           </a:p>
@@ -3273,7 +3275,7 @@
           <a:p>
             <a:fld id="{F967DE46-3299-4D41-94F8-85A67C9B0629}" type="datetime1">
               <a:rPr lang="en-US" smtClean="0"/>
-              <a:t>9/11/2023</a:t>
+              <a:t>9/14/2023</a:t>
             </a:fld>
             <a:endParaRPr lang="en-US"/>
           </a:p>
@@ -3517,7 +3519,7 @@
           <a:p>
             <a:fld id="{91D75FF1-919D-4037-93C8-1AE086EC194D}" type="datetime1">
               <a:rPr lang="en-US" smtClean="0"/>
-              <a:t>9/11/2023</a:t>
+              <a:t>9/14/2023</a:t>
             </a:fld>
             <a:endParaRPr lang="en-US"/>
           </a:p>
@@ -25253,6 +25255,352 @@
 </p:sld>
 </file>
 
+<file path=ppt/slides/slide30.xml><?xml version="1.0" encoding="utf-8"?>
+<p:sld xmlns:a="http://schemas.openxmlformats.org/drawingml/2006/main" xmlns:r="http://schemas.openxmlformats.org/officeDocument/2006/relationships" xmlns:p="http://schemas.openxmlformats.org/presentationml/2006/main">
+  <p:cSld>
+    <p:spTree>
+      <p:nvGrpSpPr>
+        <p:cNvPr id="1" name=""/>
+        <p:cNvGrpSpPr/>
+        <p:nvPr/>
+      </p:nvGrpSpPr>
+      <p:grpSpPr>
+        <a:xfrm>
+          <a:off x="0" y="0"/>
+          <a:ext cx="0" cy="0"/>
+          <a:chOff x="0" y="0"/>
+          <a:chExt cx="0" cy="0"/>
+        </a:xfrm>
+      </p:grpSpPr>
+      <p:sp>
+        <p:nvSpPr>
+          <p:cNvPr id="2" name="Title 1">
+            <a:extLst>
+              <a:ext uri="{FF2B5EF4-FFF2-40B4-BE49-F238E27FC236}">
+                <a16:creationId xmlns:a16="http://schemas.microsoft.com/office/drawing/2014/main" id="{C5ED5F0E-02C1-CBB1-480A-FDB624B7534A}"/>
+              </a:ext>
+            </a:extLst>
+          </p:cNvPr>
+          <p:cNvSpPr>
+            <a:spLocks noGrp="1"/>
+          </p:cNvSpPr>
+          <p:nvPr>
+            <p:ph type="title"/>
+          </p:nvPr>
+        </p:nvSpPr>
+        <p:spPr/>
+        <p:txBody>
+          <a:bodyPr/>
+          <a:lstStyle/>
+          <a:p>
+            <a:r>
+              <a:rPr lang="en-GB" dirty="0"/>
+              <a:t>Random Forest</a:t>
+            </a:r>
+            <a:endParaRPr lang="en-IN" dirty="0"/>
+          </a:p>
+        </p:txBody>
+      </p:sp>
+      <p:sp>
+        <p:nvSpPr>
+          <p:cNvPr id="3" name="Content Placeholder 2">
+            <a:extLst>
+              <a:ext uri="{FF2B5EF4-FFF2-40B4-BE49-F238E27FC236}">
+                <a16:creationId xmlns:a16="http://schemas.microsoft.com/office/drawing/2014/main" id="{52DEED9B-2D55-5AF3-C677-46A27FA14E5F}"/>
+              </a:ext>
+            </a:extLst>
+          </p:cNvPr>
+          <p:cNvSpPr>
+            <a:spLocks noGrp="1"/>
+          </p:cNvSpPr>
+          <p:nvPr>
+            <p:ph sz="half" idx="1"/>
+          </p:nvPr>
+        </p:nvSpPr>
+        <p:spPr/>
+        <p:txBody>
+          <a:bodyPr>
+            <a:normAutofit fontScale="92500" lnSpcReduction="20000"/>
+          </a:bodyPr>
+          <a:lstStyle/>
+          <a:p>
+            <a:r>
+              <a:rPr lang="en-GB" dirty="0"/>
+              <a:t>It is an ensemble learning method that combines the predictions of multiple decision trees to improve the accuracy and robustness of the model.</a:t>
+            </a:r>
+          </a:p>
+          <a:p>
+            <a:r>
+              <a:rPr lang="en-GB" dirty="0"/>
+              <a:t>For classification tasks, Random Forest combines the predictions of individual trees through majority voting. </a:t>
+            </a:r>
+          </a:p>
+          <a:p>
+            <a:r>
+              <a:rPr lang="en-GB" dirty="0"/>
+              <a:t>For regression tasks, it takes the average of the predictions from all the trees. </a:t>
+            </a:r>
+            <a:endParaRPr lang="en-IN" dirty="0"/>
+          </a:p>
+        </p:txBody>
+      </p:sp>
+      <p:sp>
+        <p:nvSpPr>
+          <p:cNvPr id="4" name="Content Placeholder 3">
+            <a:extLst>
+              <a:ext uri="{FF2B5EF4-FFF2-40B4-BE49-F238E27FC236}">
+                <a16:creationId xmlns:a16="http://schemas.microsoft.com/office/drawing/2014/main" id="{2D32080D-7992-B560-E489-15A0359C80A0}"/>
+              </a:ext>
+            </a:extLst>
+          </p:cNvPr>
+          <p:cNvSpPr>
+            <a:spLocks noGrp="1"/>
+          </p:cNvSpPr>
+          <p:nvPr>
+            <p:ph sz="half" idx="2"/>
+          </p:nvPr>
+        </p:nvSpPr>
+        <p:spPr/>
+        <p:txBody>
+          <a:bodyPr>
+            <a:normAutofit fontScale="92500" lnSpcReduction="20000"/>
+          </a:bodyPr>
+          <a:lstStyle/>
+          <a:p>
+            <a:r>
+              <a:rPr lang="en-GB" dirty="0"/>
+              <a:t>Two level of randomness:</a:t>
+            </a:r>
+          </a:p>
+          <a:p>
+            <a:pPr lvl="1"/>
+            <a:r>
+              <a:rPr lang="en-GB" dirty="0"/>
+              <a:t>Bootstrapping (Random Sampling): </a:t>
+            </a:r>
+          </a:p>
+          <a:p>
+            <a:pPr lvl="2"/>
+            <a:r>
+              <a:rPr lang="en-GB" dirty="0"/>
+              <a:t>When building each decision tree in the forest, Random Forest randomly selects a subset of the training data with replacement. </a:t>
+            </a:r>
+          </a:p>
+          <a:p>
+            <a:pPr lvl="1"/>
+            <a:r>
+              <a:rPr lang="en-GB" dirty="0"/>
+              <a:t>Feature Randomness: </a:t>
+            </a:r>
+          </a:p>
+          <a:p>
+            <a:pPr lvl="2"/>
+            <a:r>
+              <a:rPr lang="en-GB" dirty="0"/>
+              <a:t>Instead of considering all features for splitting at each node, it randomly selects a subset of features. This helps in reducing the correlation between individual trees. </a:t>
+            </a:r>
+          </a:p>
+          <a:p>
+            <a:r>
+              <a:rPr lang="en-GB" dirty="0"/>
+              <a:t>Advantages:</a:t>
+            </a:r>
+          </a:p>
+          <a:p>
+            <a:pPr lvl="1"/>
+            <a:r>
+              <a:rPr lang="en-GB" dirty="0"/>
+              <a:t>Compare to single decision tree, it has high accuracy and low variance.</a:t>
+            </a:r>
+          </a:p>
+          <a:p>
+            <a:pPr marL="0" indent="0">
+              <a:buNone/>
+            </a:pPr>
+            <a:r>
+              <a:rPr lang="en-GB" dirty="0"/>
+              <a:t>		</a:t>
+            </a:r>
+            <a:endParaRPr lang="en-IN" dirty="0"/>
+          </a:p>
+        </p:txBody>
+      </p:sp>
+      <p:sp>
+        <p:nvSpPr>
+          <p:cNvPr id="5" name="Footer Placeholder 4">
+            <a:extLst>
+              <a:ext uri="{FF2B5EF4-FFF2-40B4-BE49-F238E27FC236}">
+                <a16:creationId xmlns:a16="http://schemas.microsoft.com/office/drawing/2014/main" id="{DF9F3998-C0D3-5E4C-C7AC-EC7BE5782312}"/>
+              </a:ext>
+            </a:extLst>
+          </p:cNvPr>
+          <p:cNvSpPr>
+            <a:spLocks noGrp="1"/>
+          </p:cNvSpPr>
+          <p:nvPr>
+            <p:ph type="ftr" sz="quarter" idx="11"/>
+          </p:nvPr>
+        </p:nvSpPr>
+        <p:spPr/>
+        <p:txBody>
+          <a:bodyPr/>
+          <a:lstStyle/>
+          <a:p>
+            <a:r>
+              <a:rPr lang="en-US"/>
+              <a:t>M. Meenakshi Sundaram, S. Ganesh</a:t>
+            </a:r>
+            <a:endParaRPr lang="en-US" dirty="0"/>
+          </a:p>
+        </p:txBody>
+      </p:sp>
+    </p:spTree>
+    <p:extLst>
+      <p:ext uri="{BB962C8B-B14F-4D97-AF65-F5344CB8AC3E}">
+        <p14:creationId xmlns:p14="http://schemas.microsoft.com/office/powerpoint/2010/main" val="1293926443"/>
+      </p:ext>
+    </p:extLst>
+  </p:cSld>
+  <p:clrMapOvr>
+    <a:masterClrMapping/>
+  </p:clrMapOvr>
+</p:sld>
+</file>
+
+<file path=ppt/slides/slide31.xml><?xml version="1.0" encoding="utf-8"?>
+<p:sld xmlns:a="http://schemas.openxmlformats.org/drawingml/2006/main" xmlns:r="http://schemas.openxmlformats.org/officeDocument/2006/relationships" xmlns:p="http://schemas.openxmlformats.org/presentationml/2006/main">
+  <p:cSld>
+    <p:spTree>
+      <p:nvGrpSpPr>
+        <p:cNvPr id="1" name=""/>
+        <p:cNvGrpSpPr/>
+        <p:nvPr/>
+      </p:nvGrpSpPr>
+      <p:grpSpPr>
+        <a:xfrm>
+          <a:off x="0" y="0"/>
+          <a:ext cx="0" cy="0"/>
+          <a:chOff x="0" y="0"/>
+          <a:chExt cx="0" cy="0"/>
+        </a:xfrm>
+      </p:grpSpPr>
+      <p:sp>
+        <p:nvSpPr>
+          <p:cNvPr id="2" name="Title 1">
+            <a:extLst>
+              <a:ext uri="{FF2B5EF4-FFF2-40B4-BE49-F238E27FC236}">
+                <a16:creationId xmlns:a16="http://schemas.microsoft.com/office/drawing/2014/main" id="{90DC0B50-A402-D291-90F8-3486078477C2}"/>
+              </a:ext>
+            </a:extLst>
+          </p:cNvPr>
+          <p:cNvSpPr>
+            <a:spLocks noGrp="1"/>
+          </p:cNvSpPr>
+          <p:nvPr>
+            <p:ph type="title"/>
+          </p:nvPr>
+        </p:nvSpPr>
+        <p:spPr/>
+        <p:txBody>
+          <a:bodyPr/>
+          <a:lstStyle/>
+          <a:p>
+            <a:endParaRPr lang="en-IN" dirty="0"/>
+          </a:p>
+        </p:txBody>
+      </p:sp>
+      <p:sp>
+        <p:nvSpPr>
+          <p:cNvPr id="3" name="Content Placeholder 2">
+            <a:extLst>
+              <a:ext uri="{FF2B5EF4-FFF2-40B4-BE49-F238E27FC236}">
+                <a16:creationId xmlns:a16="http://schemas.microsoft.com/office/drawing/2014/main" id="{FC905F5E-380D-DD90-6062-F6F3655F6DD0}"/>
+              </a:ext>
+            </a:extLst>
+          </p:cNvPr>
+          <p:cNvSpPr>
+            <a:spLocks noGrp="1"/>
+          </p:cNvSpPr>
+          <p:nvPr>
+            <p:ph sz="half" idx="1"/>
+          </p:nvPr>
+        </p:nvSpPr>
+        <p:spPr/>
+        <p:txBody>
+          <a:bodyPr/>
+          <a:lstStyle/>
+          <a:p>
+            <a:endParaRPr lang="en-IN"/>
+          </a:p>
+        </p:txBody>
+      </p:sp>
+      <p:sp>
+        <p:nvSpPr>
+          <p:cNvPr id="4" name="Content Placeholder 3">
+            <a:extLst>
+              <a:ext uri="{FF2B5EF4-FFF2-40B4-BE49-F238E27FC236}">
+                <a16:creationId xmlns:a16="http://schemas.microsoft.com/office/drawing/2014/main" id="{7247DB31-B911-6E47-CC69-E595813BA78C}"/>
+              </a:ext>
+            </a:extLst>
+          </p:cNvPr>
+          <p:cNvSpPr>
+            <a:spLocks noGrp="1"/>
+          </p:cNvSpPr>
+          <p:nvPr>
+            <p:ph sz="half" idx="2"/>
+          </p:nvPr>
+        </p:nvSpPr>
+        <p:spPr/>
+        <p:txBody>
+          <a:bodyPr/>
+          <a:lstStyle/>
+          <a:p>
+            <a:endParaRPr lang="en-IN"/>
+          </a:p>
+        </p:txBody>
+      </p:sp>
+      <p:sp>
+        <p:nvSpPr>
+          <p:cNvPr id="5" name="Footer Placeholder 4">
+            <a:extLst>
+              <a:ext uri="{FF2B5EF4-FFF2-40B4-BE49-F238E27FC236}">
+                <a16:creationId xmlns:a16="http://schemas.microsoft.com/office/drawing/2014/main" id="{AFB54E2B-A047-8A61-0F28-402CED7B5D32}"/>
+              </a:ext>
+            </a:extLst>
+          </p:cNvPr>
+          <p:cNvSpPr>
+            <a:spLocks noGrp="1"/>
+          </p:cNvSpPr>
+          <p:nvPr>
+            <p:ph type="ftr" sz="quarter" idx="11"/>
+          </p:nvPr>
+        </p:nvSpPr>
+        <p:spPr/>
+        <p:txBody>
+          <a:bodyPr/>
+          <a:lstStyle/>
+          <a:p>
+            <a:r>
+              <a:rPr lang="en-US"/>
+              <a:t>M. Meenakshi Sundaram, S. Ganesh</a:t>
+            </a:r>
+            <a:endParaRPr lang="en-US" dirty="0"/>
+          </a:p>
+        </p:txBody>
+      </p:sp>
+    </p:spTree>
+    <p:extLst>
+      <p:ext uri="{BB962C8B-B14F-4D97-AF65-F5344CB8AC3E}">
+        <p14:creationId xmlns:p14="http://schemas.microsoft.com/office/powerpoint/2010/main" val="3966015884"/>
+      </p:ext>
+    </p:extLst>
+  </p:cSld>
+  <p:clrMapOvr>
+    <a:masterClrMapping/>
+  </p:clrMapOvr>
+</p:sld>
+</file>
+
 <file path=ppt/slides/slide4.xml><?xml version="1.0" encoding="utf-8"?>
 <p:sld xmlns:a="http://schemas.openxmlformats.org/drawingml/2006/main" xmlns:r="http://schemas.openxmlformats.org/officeDocument/2006/relationships" xmlns:p="http://schemas.openxmlformats.org/presentationml/2006/main">
   <p:cSld>

--- a/Notes/Decision_Trees.pptx
+++ b/Notes/Decision_Trees.pptx
@@ -5,10 +5,10 @@
     <p:sldMasterId id="2147483648" r:id="rId1"/>
   </p:sldMasterIdLst>
   <p:notesMasterIdLst>
-    <p:notesMasterId r:id="rId33"/>
+    <p:notesMasterId r:id="rId35"/>
   </p:notesMasterIdLst>
   <p:handoutMasterIdLst>
-    <p:handoutMasterId r:id="rId34"/>
+    <p:handoutMasterId r:id="rId36"/>
   </p:handoutMasterIdLst>
   <p:sldIdLst>
     <p:sldId id="274" r:id="rId2"/>
@@ -38,10 +38,12 @@
     <p:sldId id="326" r:id="rId26"/>
     <p:sldId id="327" r:id="rId27"/>
     <p:sldId id="328" r:id="rId28"/>
-    <p:sldId id="325" r:id="rId29"/>
-    <p:sldId id="317" r:id="rId30"/>
-    <p:sldId id="329" r:id="rId31"/>
-    <p:sldId id="330" r:id="rId32"/>
+    <p:sldId id="331" r:id="rId29"/>
+    <p:sldId id="332" r:id="rId30"/>
+    <p:sldId id="325" r:id="rId31"/>
+    <p:sldId id="317" r:id="rId32"/>
+    <p:sldId id="329" r:id="rId33"/>
+    <p:sldId id="330" r:id="rId34"/>
   </p:sldIdLst>
   <p:sldSz cx="12192000" cy="6858000"/>
   <p:notesSz cx="6858000" cy="9144000"/>
@@ -23903,6 +23905,41 @@
           </a:p>
         </p:txBody>
       </p:sp>
+      <p:sp>
+        <p:nvSpPr>
+          <p:cNvPr id="4" name="TextBox 3">
+            <a:extLst>
+              <a:ext uri="{FF2B5EF4-FFF2-40B4-BE49-F238E27FC236}">
+                <a16:creationId xmlns:a16="http://schemas.microsoft.com/office/drawing/2014/main" id="{5A16CED8-6601-A467-FD0D-14E1626A8DF2}"/>
+              </a:ext>
+            </a:extLst>
+          </p:cNvPr>
+          <p:cNvSpPr txBox="1"/>
+          <p:nvPr/>
+        </p:nvSpPr>
+        <p:spPr>
+          <a:xfrm>
+            <a:off x="1224793" y="2869035"/>
+            <a:ext cx="2089803" cy="369332"/>
+          </a:xfrm>
+          <a:prstGeom prst="rect">
+            <a:avLst/>
+          </a:prstGeom>
+          <a:noFill/>
+        </p:spPr>
+        <p:txBody>
+          <a:bodyPr wrap="none" rtlCol="0">
+            <a:spAutoFit/>
+          </a:bodyPr>
+          <a:lstStyle/>
+          <a:p>
+            <a:r>
+              <a:rPr lang="en-US" dirty="0"/>
+              <a:t>Draw the best graph</a:t>
+            </a:r>
+          </a:p>
+        </p:txBody>
+      </p:sp>
     </p:spTree>
     <p:extLst>
       <p:ext uri="{BB962C8B-B14F-4D97-AF65-F5344CB8AC3E}">
@@ -24352,6 +24389,41 @@
           </a:p>
         </p:txBody>
       </p:sp>
+      <p:sp>
+        <p:nvSpPr>
+          <p:cNvPr id="4" name="TextBox 3">
+            <a:extLst>
+              <a:ext uri="{FF2B5EF4-FFF2-40B4-BE49-F238E27FC236}">
+                <a16:creationId xmlns:a16="http://schemas.microsoft.com/office/drawing/2014/main" id="{84C65F7A-5E09-8735-A5BE-4B2536F26CE1}"/>
+              </a:ext>
+            </a:extLst>
+          </p:cNvPr>
+          <p:cNvSpPr txBox="1"/>
+          <p:nvPr/>
+        </p:nvSpPr>
+        <p:spPr>
+          <a:xfrm>
+            <a:off x="5051098" y="3175288"/>
+            <a:ext cx="2307811" cy="369332"/>
+          </a:xfrm>
+          <a:prstGeom prst="rect">
+            <a:avLst/>
+          </a:prstGeom>
+          <a:noFill/>
+        </p:spPr>
+        <p:txBody>
+          <a:bodyPr wrap="none" rtlCol="0">
+            <a:spAutoFit/>
+          </a:bodyPr>
+          <a:lstStyle/>
+          <a:p>
+            <a:r>
+              <a:rPr lang="en-US" dirty="0"/>
+              <a:t>Provide the best graph</a:t>
+            </a:r>
+          </a:p>
+        </p:txBody>
+      </p:sp>
     </p:spTree>
     <p:extLst>
       <p:ext uri="{BB962C8B-B14F-4D97-AF65-F5344CB8AC3E}">
@@ -24366,6 +24438,398 @@
 </file>
 
 <file path=ppt/slides/slide28.xml><?xml version="1.0" encoding="utf-8"?>
+<p:sld xmlns:a="http://schemas.openxmlformats.org/drawingml/2006/main" xmlns:r="http://schemas.openxmlformats.org/officeDocument/2006/relationships" xmlns:p="http://schemas.openxmlformats.org/presentationml/2006/main">
+  <p:cSld>
+    <p:spTree>
+      <p:nvGrpSpPr>
+        <p:cNvPr id="1" name=""/>
+        <p:cNvGrpSpPr/>
+        <p:nvPr/>
+      </p:nvGrpSpPr>
+      <p:grpSpPr>
+        <a:xfrm>
+          <a:off x="0" y="0"/>
+          <a:ext cx="0" cy="0"/>
+          <a:chOff x="0" y="0"/>
+          <a:chExt cx="0" cy="0"/>
+        </a:xfrm>
+      </p:grpSpPr>
+      <p:sp>
+        <p:nvSpPr>
+          <p:cNvPr id="2" name="Title 1">
+            <a:extLst>
+              <a:ext uri="{FF2B5EF4-FFF2-40B4-BE49-F238E27FC236}">
+                <a16:creationId xmlns:a16="http://schemas.microsoft.com/office/drawing/2014/main" id="{0C6D9833-B1BB-E8BF-625C-F8E18BBD3AA6}"/>
+              </a:ext>
+            </a:extLst>
+          </p:cNvPr>
+          <p:cNvSpPr>
+            <a:spLocks noGrp="1"/>
+          </p:cNvSpPr>
+          <p:nvPr>
+            <p:ph type="title"/>
+          </p:nvPr>
+        </p:nvSpPr>
+        <p:spPr/>
+        <p:txBody>
+          <a:bodyPr/>
+          <a:lstStyle/>
+          <a:p>
+            <a:r>
+              <a:rPr lang="en-US" dirty="0"/>
+              <a:t>Shows the – CV based ROC, Precision Recall Curves</a:t>
+            </a:r>
+          </a:p>
+        </p:txBody>
+      </p:sp>
+      <p:sp>
+        <p:nvSpPr>
+          <p:cNvPr id="3" name="Content Placeholder 2">
+            <a:extLst>
+              <a:ext uri="{FF2B5EF4-FFF2-40B4-BE49-F238E27FC236}">
+                <a16:creationId xmlns:a16="http://schemas.microsoft.com/office/drawing/2014/main" id="{7B232063-ACBC-7E33-9C58-C1FF36EA94EC}"/>
+              </a:ext>
+            </a:extLst>
+          </p:cNvPr>
+          <p:cNvSpPr>
+            <a:spLocks noGrp="1"/>
+          </p:cNvSpPr>
+          <p:nvPr>
+            <p:ph sz="half" idx="1"/>
+          </p:nvPr>
+        </p:nvSpPr>
+        <p:spPr/>
+        <p:txBody>
+          <a:bodyPr/>
+          <a:lstStyle/>
+          <a:p>
+            <a:endParaRPr lang="en-US"/>
+          </a:p>
+        </p:txBody>
+      </p:sp>
+      <p:sp>
+        <p:nvSpPr>
+          <p:cNvPr id="4" name="Content Placeholder 3">
+            <a:extLst>
+              <a:ext uri="{FF2B5EF4-FFF2-40B4-BE49-F238E27FC236}">
+                <a16:creationId xmlns:a16="http://schemas.microsoft.com/office/drawing/2014/main" id="{8268F166-2188-DA19-FBFB-BD29A8D6A316}"/>
+              </a:ext>
+            </a:extLst>
+          </p:cNvPr>
+          <p:cNvSpPr>
+            <a:spLocks noGrp="1"/>
+          </p:cNvSpPr>
+          <p:nvPr>
+            <p:ph sz="half" idx="2"/>
+          </p:nvPr>
+        </p:nvSpPr>
+        <p:spPr/>
+        <p:txBody>
+          <a:bodyPr/>
+          <a:lstStyle/>
+          <a:p>
+            <a:endParaRPr lang="en-US"/>
+          </a:p>
+        </p:txBody>
+      </p:sp>
+      <p:sp>
+        <p:nvSpPr>
+          <p:cNvPr id="5" name="Footer Placeholder 4">
+            <a:extLst>
+              <a:ext uri="{FF2B5EF4-FFF2-40B4-BE49-F238E27FC236}">
+                <a16:creationId xmlns:a16="http://schemas.microsoft.com/office/drawing/2014/main" id="{8BDEDE69-FBDB-8402-FCA6-53FF4910290F}"/>
+              </a:ext>
+            </a:extLst>
+          </p:cNvPr>
+          <p:cNvSpPr>
+            <a:spLocks noGrp="1"/>
+          </p:cNvSpPr>
+          <p:nvPr>
+            <p:ph type="ftr" sz="quarter" idx="11"/>
+          </p:nvPr>
+        </p:nvSpPr>
+        <p:spPr/>
+        <p:txBody>
+          <a:bodyPr/>
+          <a:lstStyle/>
+          <a:p>
+            <a:r>
+              <a:rPr lang="en-US"/>
+              <a:t>M. Meenakshi Sundaram, S. Ganesh</a:t>
+            </a:r>
+            <a:endParaRPr lang="en-US" dirty="0"/>
+          </a:p>
+        </p:txBody>
+      </p:sp>
+    </p:spTree>
+    <p:extLst>
+      <p:ext uri="{BB962C8B-B14F-4D97-AF65-F5344CB8AC3E}">
+        <p14:creationId xmlns:p14="http://schemas.microsoft.com/office/powerpoint/2010/main" val="2232412426"/>
+      </p:ext>
+    </p:extLst>
+  </p:cSld>
+  <p:clrMapOvr>
+    <a:masterClrMapping/>
+  </p:clrMapOvr>
+</p:sld>
+</file>
+
+<file path=ppt/slides/slide29.xml><?xml version="1.0" encoding="utf-8"?>
+<p:sld xmlns:a="http://schemas.openxmlformats.org/drawingml/2006/main" xmlns:r="http://schemas.openxmlformats.org/officeDocument/2006/relationships" xmlns:p="http://schemas.openxmlformats.org/presentationml/2006/main">
+  <p:cSld>
+    <p:spTree>
+      <p:nvGrpSpPr>
+        <p:cNvPr id="1" name=""/>
+        <p:cNvGrpSpPr/>
+        <p:nvPr/>
+      </p:nvGrpSpPr>
+      <p:grpSpPr>
+        <a:xfrm>
+          <a:off x="0" y="0"/>
+          <a:ext cx="0" cy="0"/>
+          <a:chOff x="0" y="0"/>
+          <a:chExt cx="0" cy="0"/>
+        </a:xfrm>
+      </p:grpSpPr>
+      <p:sp>
+        <p:nvSpPr>
+          <p:cNvPr id="2" name="Title 1">
+            <a:extLst>
+              <a:ext uri="{FF2B5EF4-FFF2-40B4-BE49-F238E27FC236}">
+                <a16:creationId xmlns:a16="http://schemas.microsoft.com/office/drawing/2014/main" id="{F96BFCA2-6377-B1F3-08B3-BCD89F8DF5C8}"/>
+              </a:ext>
+            </a:extLst>
+          </p:cNvPr>
+          <p:cNvSpPr>
+            <a:spLocks noGrp="1"/>
+          </p:cNvSpPr>
+          <p:nvPr>
+            <p:ph type="title"/>
+          </p:nvPr>
+        </p:nvSpPr>
+        <p:spPr/>
+        <p:txBody>
+          <a:bodyPr/>
+          <a:lstStyle/>
+          <a:p>
+            <a:r>
+              <a:rPr lang="en-US" dirty="0" err="1"/>
+              <a:t>Nmin</a:t>
+            </a:r>
+            <a:r>
+              <a:rPr lang="en-US" dirty="0"/>
+              <a:t> Leaf</a:t>
+            </a:r>
+          </a:p>
+        </p:txBody>
+      </p:sp>
+      <p:sp>
+        <p:nvSpPr>
+          <p:cNvPr id="3" name="Content Placeholder 2">
+            <a:extLst>
+              <a:ext uri="{FF2B5EF4-FFF2-40B4-BE49-F238E27FC236}">
+                <a16:creationId xmlns:a16="http://schemas.microsoft.com/office/drawing/2014/main" id="{9A81C563-2193-BD19-A8A0-4B62B631DBFA}"/>
+              </a:ext>
+            </a:extLst>
+          </p:cNvPr>
+          <p:cNvSpPr>
+            <a:spLocks noGrp="1"/>
+          </p:cNvSpPr>
+          <p:nvPr>
+            <p:ph sz="half" idx="1"/>
+          </p:nvPr>
+        </p:nvSpPr>
+        <p:spPr/>
+        <p:txBody>
+          <a:bodyPr/>
+          <a:lstStyle/>
+          <a:p>
+            <a:endParaRPr lang="en-US"/>
+          </a:p>
+        </p:txBody>
+      </p:sp>
+      <p:sp>
+        <p:nvSpPr>
+          <p:cNvPr id="4" name="Content Placeholder 3">
+            <a:extLst>
+              <a:ext uri="{FF2B5EF4-FFF2-40B4-BE49-F238E27FC236}">
+                <a16:creationId xmlns:a16="http://schemas.microsoft.com/office/drawing/2014/main" id="{F96283FC-7952-FBA6-CAC7-4F5DC4FD0EE0}"/>
+              </a:ext>
+            </a:extLst>
+          </p:cNvPr>
+          <p:cNvSpPr>
+            <a:spLocks noGrp="1"/>
+          </p:cNvSpPr>
+          <p:nvPr>
+            <p:ph sz="half" idx="2"/>
+          </p:nvPr>
+        </p:nvSpPr>
+        <p:spPr/>
+        <p:txBody>
+          <a:bodyPr/>
+          <a:lstStyle/>
+          <a:p>
+            <a:endParaRPr lang="en-US"/>
+          </a:p>
+        </p:txBody>
+      </p:sp>
+      <p:sp>
+        <p:nvSpPr>
+          <p:cNvPr id="5" name="Footer Placeholder 4">
+            <a:extLst>
+              <a:ext uri="{FF2B5EF4-FFF2-40B4-BE49-F238E27FC236}">
+                <a16:creationId xmlns:a16="http://schemas.microsoft.com/office/drawing/2014/main" id="{13BA4512-0FF1-2E5A-39D6-04175BE81FE6}"/>
+              </a:ext>
+            </a:extLst>
+          </p:cNvPr>
+          <p:cNvSpPr>
+            <a:spLocks noGrp="1"/>
+          </p:cNvSpPr>
+          <p:nvPr>
+            <p:ph type="ftr" sz="quarter" idx="11"/>
+          </p:nvPr>
+        </p:nvSpPr>
+        <p:spPr/>
+        <p:txBody>
+          <a:bodyPr/>
+          <a:lstStyle/>
+          <a:p>
+            <a:r>
+              <a:rPr lang="en-US"/>
+              <a:t>M. Meenakshi Sundaram, S. Ganesh</a:t>
+            </a:r>
+            <a:endParaRPr lang="en-US" dirty="0"/>
+          </a:p>
+        </p:txBody>
+      </p:sp>
+    </p:spTree>
+    <p:extLst>
+      <p:ext uri="{BB962C8B-B14F-4D97-AF65-F5344CB8AC3E}">
+        <p14:creationId xmlns:p14="http://schemas.microsoft.com/office/powerpoint/2010/main" val="1408382742"/>
+      </p:ext>
+    </p:extLst>
+  </p:cSld>
+  <p:clrMapOvr>
+    <a:masterClrMapping/>
+  </p:clrMapOvr>
+</p:sld>
+</file>
+
+<file path=ppt/slides/slide3.xml><?xml version="1.0" encoding="utf-8"?>
+<p:sld xmlns:a="http://schemas.openxmlformats.org/drawingml/2006/main" xmlns:r="http://schemas.openxmlformats.org/officeDocument/2006/relationships" xmlns:p="http://schemas.openxmlformats.org/presentationml/2006/main">
+  <p:cSld>
+    <p:spTree>
+      <p:nvGrpSpPr>
+        <p:cNvPr id="1" name=""/>
+        <p:cNvGrpSpPr/>
+        <p:nvPr/>
+      </p:nvGrpSpPr>
+      <p:grpSpPr>
+        <a:xfrm>
+          <a:off x="0" y="0"/>
+          <a:ext cx="0" cy="0"/>
+          <a:chOff x="0" y="0"/>
+          <a:chExt cx="0" cy="0"/>
+        </a:xfrm>
+      </p:grpSpPr>
+      <p:sp>
+        <p:nvSpPr>
+          <p:cNvPr id="2" name="Title 1">
+            <a:extLst>
+              <a:ext uri="{FF2B5EF4-FFF2-40B4-BE49-F238E27FC236}">
+                <a16:creationId xmlns:a16="http://schemas.microsoft.com/office/drawing/2014/main" id="{8E5880B9-3062-A96C-307C-4559348E1CAC}"/>
+              </a:ext>
+            </a:extLst>
+          </p:cNvPr>
+          <p:cNvSpPr>
+            <a:spLocks noGrp="1"/>
+          </p:cNvSpPr>
+          <p:nvPr>
+            <p:ph type="title"/>
+          </p:nvPr>
+        </p:nvSpPr>
+        <p:spPr/>
+        <p:txBody>
+          <a:bodyPr/>
+          <a:lstStyle/>
+          <a:p>
+            <a:r>
+              <a:rPr lang="en-US" dirty="0"/>
+              <a:t>Loss Metrics</a:t>
+            </a:r>
+          </a:p>
+        </p:txBody>
+      </p:sp>
+      <p:sp>
+        <p:nvSpPr>
+          <p:cNvPr id="4" name="Text Placeholder 3">
+            <a:extLst>
+              <a:ext uri="{FF2B5EF4-FFF2-40B4-BE49-F238E27FC236}">
+                <a16:creationId xmlns:a16="http://schemas.microsoft.com/office/drawing/2014/main" id="{E281E417-5D33-1113-5CF9-A9AC5DBEF1BC}"/>
+              </a:ext>
+            </a:extLst>
+          </p:cNvPr>
+          <p:cNvSpPr>
+            <a:spLocks noGrp="1"/>
+          </p:cNvSpPr>
+          <p:nvPr>
+            <p:ph type="body" idx="1"/>
+          </p:nvPr>
+        </p:nvSpPr>
+        <p:spPr/>
+        <p:txBody>
+          <a:bodyPr/>
+          <a:lstStyle/>
+          <a:p>
+            <a:r>
+              <a:rPr lang="en-AU" dirty="0"/>
+              <a:t>Indicators of probability of miss-classification minimizing which helps us build tree classifiers. </a:t>
+            </a:r>
+          </a:p>
+        </p:txBody>
+      </p:sp>
+      <p:sp>
+        <p:nvSpPr>
+          <p:cNvPr id="3" name="Footer Placeholder 2">
+            <a:extLst>
+              <a:ext uri="{FF2B5EF4-FFF2-40B4-BE49-F238E27FC236}">
+                <a16:creationId xmlns:a16="http://schemas.microsoft.com/office/drawing/2014/main" id="{8B0BAB4A-8CDE-4DEC-A44E-CF1E88326B5A}"/>
+              </a:ext>
+            </a:extLst>
+          </p:cNvPr>
+          <p:cNvSpPr>
+            <a:spLocks noGrp="1"/>
+          </p:cNvSpPr>
+          <p:nvPr>
+            <p:ph type="ftr" sz="quarter" idx="11"/>
+          </p:nvPr>
+        </p:nvSpPr>
+        <p:spPr/>
+        <p:txBody>
+          <a:bodyPr/>
+          <a:lstStyle/>
+          <a:p>
+            <a:r>
+              <a:rPr lang="en-US"/>
+              <a:t>M. Meenakshi Sundaram, S. Ganesh</a:t>
+            </a:r>
+          </a:p>
+        </p:txBody>
+      </p:sp>
+    </p:spTree>
+    <p:extLst>
+      <p:ext uri="{BB962C8B-B14F-4D97-AF65-F5344CB8AC3E}">
+        <p14:creationId xmlns:p14="http://schemas.microsoft.com/office/powerpoint/2010/main" val="1274289020"/>
+      </p:ext>
+    </p:extLst>
+  </p:cSld>
+  <p:clrMapOvr>
+    <a:masterClrMapping/>
+  </p:clrMapOvr>
+</p:sld>
+</file>
+
+<file path=ppt/slides/slide30.xml><?xml version="1.0" encoding="utf-8"?>
 <p:sld xmlns:a="http://schemas.openxmlformats.org/drawingml/2006/main" xmlns:r="http://schemas.openxmlformats.org/officeDocument/2006/relationships" xmlns:p="http://schemas.openxmlformats.org/presentationml/2006/main">
   <p:cSld>
     <p:spTree>
@@ -25014,7 +25478,7 @@
 </p:sld>
 </file>
 
-<file path=ppt/slides/slide29.xml><?xml version="1.0" encoding="utf-8"?>
+<file path=ppt/slides/slide31.xml><?xml version="1.0" encoding="utf-8"?>
 <p:sld xmlns:a="http://schemas.openxmlformats.org/drawingml/2006/main" xmlns:r="http://schemas.openxmlformats.org/officeDocument/2006/relationships" xmlns:p="http://schemas.openxmlformats.org/presentationml/2006/main">
   <p:cSld>
     <p:spTree>
@@ -25141,121 +25605,7 @@
 </p:sld>
 </file>
 
-<file path=ppt/slides/slide3.xml><?xml version="1.0" encoding="utf-8"?>
-<p:sld xmlns:a="http://schemas.openxmlformats.org/drawingml/2006/main" xmlns:r="http://schemas.openxmlformats.org/officeDocument/2006/relationships" xmlns:p="http://schemas.openxmlformats.org/presentationml/2006/main">
-  <p:cSld>
-    <p:spTree>
-      <p:nvGrpSpPr>
-        <p:cNvPr id="1" name=""/>
-        <p:cNvGrpSpPr/>
-        <p:nvPr/>
-      </p:nvGrpSpPr>
-      <p:grpSpPr>
-        <a:xfrm>
-          <a:off x="0" y="0"/>
-          <a:ext cx="0" cy="0"/>
-          <a:chOff x="0" y="0"/>
-          <a:chExt cx="0" cy="0"/>
-        </a:xfrm>
-      </p:grpSpPr>
-      <p:sp>
-        <p:nvSpPr>
-          <p:cNvPr id="2" name="Title 1">
-            <a:extLst>
-              <a:ext uri="{FF2B5EF4-FFF2-40B4-BE49-F238E27FC236}">
-                <a16:creationId xmlns:a16="http://schemas.microsoft.com/office/drawing/2014/main" id="{8E5880B9-3062-A96C-307C-4559348E1CAC}"/>
-              </a:ext>
-            </a:extLst>
-          </p:cNvPr>
-          <p:cNvSpPr>
-            <a:spLocks noGrp="1"/>
-          </p:cNvSpPr>
-          <p:nvPr>
-            <p:ph type="title"/>
-          </p:nvPr>
-        </p:nvSpPr>
-        <p:spPr/>
-        <p:txBody>
-          <a:bodyPr/>
-          <a:lstStyle/>
-          <a:p>
-            <a:r>
-              <a:rPr lang="en-US" dirty="0"/>
-              <a:t>Loss Metrics</a:t>
-            </a:r>
-          </a:p>
-        </p:txBody>
-      </p:sp>
-      <p:sp>
-        <p:nvSpPr>
-          <p:cNvPr id="4" name="Text Placeholder 3">
-            <a:extLst>
-              <a:ext uri="{FF2B5EF4-FFF2-40B4-BE49-F238E27FC236}">
-                <a16:creationId xmlns:a16="http://schemas.microsoft.com/office/drawing/2014/main" id="{E281E417-5D33-1113-5CF9-A9AC5DBEF1BC}"/>
-              </a:ext>
-            </a:extLst>
-          </p:cNvPr>
-          <p:cNvSpPr>
-            <a:spLocks noGrp="1"/>
-          </p:cNvSpPr>
-          <p:nvPr>
-            <p:ph type="body" idx="1"/>
-          </p:nvPr>
-        </p:nvSpPr>
-        <p:spPr/>
-        <p:txBody>
-          <a:bodyPr/>
-          <a:lstStyle/>
-          <a:p>
-            <a:r>
-              <a:rPr lang="en-AU" dirty="0"/>
-              <a:t>Indicators of probability of miss-classification minimizing which helps us build tree classifiers. </a:t>
-            </a:r>
-          </a:p>
-        </p:txBody>
-      </p:sp>
-      <p:sp>
-        <p:nvSpPr>
-          <p:cNvPr id="3" name="Footer Placeholder 2">
-            <a:extLst>
-              <a:ext uri="{FF2B5EF4-FFF2-40B4-BE49-F238E27FC236}">
-                <a16:creationId xmlns:a16="http://schemas.microsoft.com/office/drawing/2014/main" id="{8B0BAB4A-8CDE-4DEC-A44E-CF1E88326B5A}"/>
-              </a:ext>
-            </a:extLst>
-          </p:cNvPr>
-          <p:cNvSpPr>
-            <a:spLocks noGrp="1"/>
-          </p:cNvSpPr>
-          <p:nvPr>
-            <p:ph type="ftr" sz="quarter" idx="11"/>
-          </p:nvPr>
-        </p:nvSpPr>
-        <p:spPr/>
-        <p:txBody>
-          <a:bodyPr/>
-          <a:lstStyle/>
-          <a:p>
-            <a:r>
-              <a:rPr lang="en-US"/>
-              <a:t>M. Meenakshi Sundaram, S. Ganesh</a:t>
-            </a:r>
-          </a:p>
-        </p:txBody>
-      </p:sp>
-    </p:spTree>
-    <p:extLst>
-      <p:ext uri="{BB962C8B-B14F-4D97-AF65-F5344CB8AC3E}">
-        <p14:creationId xmlns:p14="http://schemas.microsoft.com/office/powerpoint/2010/main" val="1274289020"/>
-      </p:ext>
-    </p:extLst>
-  </p:cSld>
-  <p:clrMapOvr>
-    <a:masterClrMapping/>
-  </p:clrMapOvr>
-</p:sld>
-</file>
-
-<file path=ppt/slides/slide30.xml><?xml version="1.0" encoding="utf-8"?>
+<file path=ppt/slides/slide32.xml><?xml version="1.0" encoding="utf-8"?>
 <p:sld xmlns:a="http://schemas.openxmlformats.org/drawingml/2006/main" xmlns:r="http://schemas.openxmlformats.org/officeDocument/2006/relationships" xmlns:p="http://schemas.openxmlformats.org/presentationml/2006/main">
   <p:cSld>
     <p:spTree>
@@ -25467,7 +25817,7 @@
 </p:sld>
 </file>
 
-<file path=ppt/slides/slide31.xml><?xml version="1.0" encoding="utf-8"?>
+<file path=ppt/slides/slide33.xml><?xml version="1.0" encoding="utf-8"?>
 <p:sld xmlns:a="http://schemas.openxmlformats.org/drawingml/2006/main" xmlns:r="http://schemas.openxmlformats.org/officeDocument/2006/relationships" xmlns:p="http://schemas.openxmlformats.org/presentationml/2006/main">
   <p:cSld>
     <p:spTree>
